--- a/src/main/resources/static/pptTemplate/template.pptx
+++ b/src/main/resources/static/pptTemplate/template.pptx
@@ -6,8 +6,6 @@
   </p:sldMasterIdLst>
   <p:sldIdLst>
     <p:sldId id="256" r:id="rId2"/>
-    <p:sldId id="257" r:id="rId3"/>
-    <p:sldId id="258" r:id="rId4"/>
   </p:sldIdLst>
   <p:sldSz cx="12192000" cy="6858000"/>
   <p:notesSz cx="6858000" cy="9144000"/>
@@ -106,11 +104,6 @@
       </a:defRPr>
     </a:lvl9pPr>
   </p:defaultTextStyle>
-  <p:extLst>
-    <p:ext uri="{EFAFB233-063F-42B5-8137-9DF3F51BA10A}">
-      <p15:sldGuideLst xmlns:p15="http://schemas.microsoft.com/office/powerpoint/2012/main"/>
-    </p:ext>
-  </p:extLst>
 </p:presentation>
 </file>
 
@@ -136,7 +129,7 @@
           <p:cNvPr id="2" name="标题 1">
             <a:extLst>
               <a:ext uri="{FF2B5EF4-FFF2-40B4-BE49-F238E27FC236}">
-                <a16:creationId xmlns:a16="http://schemas.microsoft.com/office/drawing/2014/main" id="{F8814DE8-5A20-489D-874F-818F250D5819}"/>
+                <a16:creationId xmlns:a16="http://schemas.microsoft.com/office/drawing/2014/main" id="{B5BBE286-7C6A-4BD6-9F46-AAF04CA9B5D6}"/>
               </a:ext>
             </a:extLst>
           </p:cNvPr>
@@ -173,7 +166,7 @@
           <p:cNvPr id="3" name="副标题 2">
             <a:extLst>
               <a:ext uri="{FF2B5EF4-FFF2-40B4-BE49-F238E27FC236}">
-                <a16:creationId xmlns:a16="http://schemas.microsoft.com/office/drawing/2014/main" id="{55D4D164-4001-41DA-B43C-2A07DF7940D3}"/>
+                <a16:creationId xmlns:a16="http://schemas.microsoft.com/office/drawing/2014/main" id="{0CF2ECDE-952A-494C-96A6-0DC7170F86A7}"/>
               </a:ext>
             </a:extLst>
           </p:cNvPr>
@@ -243,7 +236,7 @@
           <p:cNvPr id="4" name="日期占位符 3">
             <a:extLst>
               <a:ext uri="{FF2B5EF4-FFF2-40B4-BE49-F238E27FC236}">
-                <a16:creationId xmlns:a16="http://schemas.microsoft.com/office/drawing/2014/main" id="{AD026C7B-8C58-43AE-BF3B-E3F106019A32}"/>
+                <a16:creationId xmlns:a16="http://schemas.microsoft.com/office/drawing/2014/main" id="{857D44A9-B9A3-43E6-BF8D-BEDCEF5A1F10}"/>
               </a:ext>
             </a:extLst>
           </p:cNvPr>
@@ -259,9 +252,9 @@
           <a:bodyPr/>
           <a:lstStyle/>
           <a:p>
-            <a:fld id="{0BB63353-8FD3-4E72-A9AB-9F13C06F5DD5}" type="datetimeFigureOut">
+            <a:fld id="{8393F7AF-7156-4B7B-87D0-9E2AC93B7B70}" type="datetimeFigureOut">
               <a:rPr lang="zh-CN" altLang="en-US" smtClean="0"/>
-              <a:t>2020/3/25</a:t>
+              <a:t>2020/3/27</a:t>
             </a:fld>
             <a:endParaRPr lang="zh-CN" altLang="en-US"/>
           </a:p>
@@ -272,7 +265,7 @@
           <p:cNvPr id="5" name="页脚占位符 4">
             <a:extLst>
               <a:ext uri="{FF2B5EF4-FFF2-40B4-BE49-F238E27FC236}">
-                <a16:creationId xmlns:a16="http://schemas.microsoft.com/office/drawing/2014/main" id="{AB66E53C-D373-4C3E-B14B-00ABBD0BA625}"/>
+                <a16:creationId xmlns:a16="http://schemas.microsoft.com/office/drawing/2014/main" id="{40F65EA6-54FC-4E35-9E18-F81AC3067C0F}"/>
               </a:ext>
             </a:extLst>
           </p:cNvPr>
@@ -297,7 +290,7 @@
           <p:cNvPr id="6" name="灯片编号占位符 5">
             <a:extLst>
               <a:ext uri="{FF2B5EF4-FFF2-40B4-BE49-F238E27FC236}">
-                <a16:creationId xmlns:a16="http://schemas.microsoft.com/office/drawing/2014/main" id="{77D1FC09-B255-4052-9F03-37208B3B1459}"/>
+                <a16:creationId xmlns:a16="http://schemas.microsoft.com/office/drawing/2014/main" id="{33424426-95B4-494D-82FA-97FB195482DA}"/>
               </a:ext>
             </a:extLst>
           </p:cNvPr>
@@ -313,7 +306,7 @@
           <a:bodyPr/>
           <a:lstStyle/>
           <a:p>
-            <a:fld id="{1C9D522D-F33C-4BED-B16B-DBCB00EB64A9}" type="slidenum">
+            <a:fld id="{CB578167-AE5F-4248-981E-BAD16E47641D}" type="slidenum">
               <a:rPr lang="zh-CN" altLang="en-US" smtClean="0"/>
               <a:t>‹#›</a:t>
             </a:fld>
@@ -324,7 +317,7 @@
     </p:spTree>
     <p:extLst>
       <p:ext uri="{BB962C8B-B14F-4D97-AF65-F5344CB8AC3E}">
-        <p14:creationId xmlns:p14="http://schemas.microsoft.com/office/powerpoint/2010/main" val="4198293463"/>
+        <p14:creationId xmlns:p14="http://schemas.microsoft.com/office/powerpoint/2010/main" val="1073934968"/>
       </p:ext>
     </p:extLst>
   </p:cSld>
@@ -356,7 +349,7 @@
           <p:cNvPr id="2" name="标题 1">
             <a:extLst>
               <a:ext uri="{FF2B5EF4-FFF2-40B4-BE49-F238E27FC236}">
-                <a16:creationId xmlns:a16="http://schemas.microsoft.com/office/drawing/2014/main" id="{5CAD7DC3-6779-41A6-8E56-6307EC1CAC58}"/>
+                <a16:creationId xmlns:a16="http://schemas.microsoft.com/office/drawing/2014/main" id="{3F720A69-7ED2-423B-9EA0-62B8E60F1E66}"/>
               </a:ext>
             </a:extLst>
           </p:cNvPr>
@@ -384,7 +377,7 @@
           <p:cNvPr id="3" name="竖排文字占位符 2">
             <a:extLst>
               <a:ext uri="{FF2B5EF4-FFF2-40B4-BE49-F238E27FC236}">
-                <a16:creationId xmlns:a16="http://schemas.microsoft.com/office/drawing/2014/main" id="{A4518E4C-A500-4A37-BFF4-29B85422E2C8}"/>
+                <a16:creationId xmlns:a16="http://schemas.microsoft.com/office/drawing/2014/main" id="{8F8DCDDB-98B6-4DAB-B521-0CCCE43856A1}"/>
               </a:ext>
             </a:extLst>
           </p:cNvPr>
@@ -441,7 +434,7 @@
           <p:cNvPr id="4" name="日期占位符 3">
             <a:extLst>
               <a:ext uri="{FF2B5EF4-FFF2-40B4-BE49-F238E27FC236}">
-                <a16:creationId xmlns:a16="http://schemas.microsoft.com/office/drawing/2014/main" id="{C3C8F888-049E-4AE0-921F-C800760C82AE}"/>
+                <a16:creationId xmlns:a16="http://schemas.microsoft.com/office/drawing/2014/main" id="{728CA0EB-FC6F-4CA7-B531-43A32E62A7FB}"/>
               </a:ext>
             </a:extLst>
           </p:cNvPr>
@@ -457,9 +450,9 @@
           <a:bodyPr/>
           <a:lstStyle/>
           <a:p>
-            <a:fld id="{0BB63353-8FD3-4E72-A9AB-9F13C06F5DD5}" type="datetimeFigureOut">
+            <a:fld id="{8393F7AF-7156-4B7B-87D0-9E2AC93B7B70}" type="datetimeFigureOut">
               <a:rPr lang="zh-CN" altLang="en-US" smtClean="0"/>
-              <a:t>2020/3/25</a:t>
+              <a:t>2020/3/27</a:t>
             </a:fld>
             <a:endParaRPr lang="zh-CN" altLang="en-US"/>
           </a:p>
@@ -470,7 +463,7 @@
           <p:cNvPr id="5" name="页脚占位符 4">
             <a:extLst>
               <a:ext uri="{FF2B5EF4-FFF2-40B4-BE49-F238E27FC236}">
-                <a16:creationId xmlns:a16="http://schemas.microsoft.com/office/drawing/2014/main" id="{E994D4C9-84FD-4810-AA75-C32468472E40}"/>
+                <a16:creationId xmlns:a16="http://schemas.microsoft.com/office/drawing/2014/main" id="{38FF5792-D3D2-4CD5-946A-64B6192E204E}"/>
               </a:ext>
             </a:extLst>
           </p:cNvPr>
@@ -495,7 +488,7 @@
           <p:cNvPr id="6" name="灯片编号占位符 5">
             <a:extLst>
               <a:ext uri="{FF2B5EF4-FFF2-40B4-BE49-F238E27FC236}">
-                <a16:creationId xmlns:a16="http://schemas.microsoft.com/office/drawing/2014/main" id="{2BCB2AC3-1D19-43BB-9B52-70D9C7EB5555}"/>
+                <a16:creationId xmlns:a16="http://schemas.microsoft.com/office/drawing/2014/main" id="{361DFD4D-89B0-49B6-BF8B-9C14FCE98D56}"/>
               </a:ext>
             </a:extLst>
           </p:cNvPr>
@@ -511,7 +504,7 @@
           <a:bodyPr/>
           <a:lstStyle/>
           <a:p>
-            <a:fld id="{1C9D522D-F33C-4BED-B16B-DBCB00EB64A9}" type="slidenum">
+            <a:fld id="{CB578167-AE5F-4248-981E-BAD16E47641D}" type="slidenum">
               <a:rPr lang="zh-CN" altLang="en-US" smtClean="0"/>
               <a:t>‹#›</a:t>
             </a:fld>
@@ -522,7 +515,7 @@
     </p:spTree>
     <p:extLst>
       <p:ext uri="{BB962C8B-B14F-4D97-AF65-F5344CB8AC3E}">
-        <p14:creationId xmlns:p14="http://schemas.microsoft.com/office/powerpoint/2010/main" val="1871899898"/>
+        <p14:creationId xmlns:p14="http://schemas.microsoft.com/office/powerpoint/2010/main" val="1092674460"/>
       </p:ext>
     </p:extLst>
   </p:cSld>
@@ -554,7 +547,7 @@
           <p:cNvPr id="2" name="竖排标题 1">
             <a:extLst>
               <a:ext uri="{FF2B5EF4-FFF2-40B4-BE49-F238E27FC236}">
-                <a16:creationId xmlns:a16="http://schemas.microsoft.com/office/drawing/2014/main" id="{6764514C-DA1C-4A6D-85D6-ED41DC6BBBB7}"/>
+                <a16:creationId xmlns:a16="http://schemas.microsoft.com/office/drawing/2014/main" id="{C1308325-9CC2-49BB-A45D-B59824F66E8D}"/>
               </a:ext>
             </a:extLst>
           </p:cNvPr>
@@ -587,7 +580,7 @@
           <p:cNvPr id="3" name="竖排文字占位符 2">
             <a:extLst>
               <a:ext uri="{FF2B5EF4-FFF2-40B4-BE49-F238E27FC236}">
-                <a16:creationId xmlns:a16="http://schemas.microsoft.com/office/drawing/2014/main" id="{03C33DA9-782F-4EC5-BBF9-69E4C9EB43E1}"/>
+                <a16:creationId xmlns:a16="http://schemas.microsoft.com/office/drawing/2014/main" id="{AE4A75AD-C889-4816-B085-D44118A978B1}"/>
               </a:ext>
             </a:extLst>
           </p:cNvPr>
@@ -649,7 +642,7 @@
           <p:cNvPr id="4" name="日期占位符 3">
             <a:extLst>
               <a:ext uri="{FF2B5EF4-FFF2-40B4-BE49-F238E27FC236}">
-                <a16:creationId xmlns:a16="http://schemas.microsoft.com/office/drawing/2014/main" id="{BC5B4C1C-30A1-4584-9F05-8B188885A21F}"/>
+                <a16:creationId xmlns:a16="http://schemas.microsoft.com/office/drawing/2014/main" id="{B2A463DC-F09F-4E1D-814B-3178CDF66DE2}"/>
               </a:ext>
             </a:extLst>
           </p:cNvPr>
@@ -665,9 +658,9 @@
           <a:bodyPr/>
           <a:lstStyle/>
           <a:p>
-            <a:fld id="{0BB63353-8FD3-4E72-A9AB-9F13C06F5DD5}" type="datetimeFigureOut">
+            <a:fld id="{8393F7AF-7156-4B7B-87D0-9E2AC93B7B70}" type="datetimeFigureOut">
               <a:rPr lang="zh-CN" altLang="en-US" smtClean="0"/>
-              <a:t>2020/3/25</a:t>
+              <a:t>2020/3/27</a:t>
             </a:fld>
             <a:endParaRPr lang="zh-CN" altLang="en-US"/>
           </a:p>
@@ -678,7 +671,7 @@
           <p:cNvPr id="5" name="页脚占位符 4">
             <a:extLst>
               <a:ext uri="{FF2B5EF4-FFF2-40B4-BE49-F238E27FC236}">
-                <a16:creationId xmlns:a16="http://schemas.microsoft.com/office/drawing/2014/main" id="{037EF660-6438-4FF6-9C85-85E14D951D42}"/>
+                <a16:creationId xmlns:a16="http://schemas.microsoft.com/office/drawing/2014/main" id="{5E8B2332-C489-45CB-B079-73BA33379DDF}"/>
               </a:ext>
             </a:extLst>
           </p:cNvPr>
@@ -703,7 +696,7 @@
           <p:cNvPr id="6" name="灯片编号占位符 5">
             <a:extLst>
               <a:ext uri="{FF2B5EF4-FFF2-40B4-BE49-F238E27FC236}">
-                <a16:creationId xmlns:a16="http://schemas.microsoft.com/office/drawing/2014/main" id="{FE784D05-FC2A-43A1-B0FB-9A912B8FC927}"/>
+                <a16:creationId xmlns:a16="http://schemas.microsoft.com/office/drawing/2014/main" id="{1241214F-2D05-4564-BB74-A579AED5A23F}"/>
               </a:ext>
             </a:extLst>
           </p:cNvPr>
@@ -719,7 +712,7 @@
           <a:bodyPr/>
           <a:lstStyle/>
           <a:p>
-            <a:fld id="{1C9D522D-F33C-4BED-B16B-DBCB00EB64A9}" type="slidenum">
+            <a:fld id="{CB578167-AE5F-4248-981E-BAD16E47641D}" type="slidenum">
               <a:rPr lang="zh-CN" altLang="en-US" smtClean="0"/>
               <a:t>‹#›</a:t>
             </a:fld>
@@ -730,7 +723,7 @@
     </p:spTree>
     <p:extLst>
       <p:ext uri="{BB962C8B-B14F-4D97-AF65-F5344CB8AC3E}">
-        <p14:creationId xmlns:p14="http://schemas.microsoft.com/office/powerpoint/2010/main" val="4104317841"/>
+        <p14:creationId xmlns:p14="http://schemas.microsoft.com/office/powerpoint/2010/main" val="1071473113"/>
       </p:ext>
     </p:extLst>
   </p:cSld>
@@ -762,7 +755,7 @@
           <p:cNvPr id="2" name="标题 1">
             <a:extLst>
               <a:ext uri="{FF2B5EF4-FFF2-40B4-BE49-F238E27FC236}">
-                <a16:creationId xmlns:a16="http://schemas.microsoft.com/office/drawing/2014/main" id="{931EDC38-18EA-43AA-ACD4-DA6585650AAF}"/>
+                <a16:creationId xmlns:a16="http://schemas.microsoft.com/office/drawing/2014/main" id="{82AF81CC-20B3-49F9-A469-705E0AC7280C}"/>
               </a:ext>
             </a:extLst>
           </p:cNvPr>
@@ -790,7 +783,7 @@
           <p:cNvPr id="3" name="内容占位符 2">
             <a:extLst>
               <a:ext uri="{FF2B5EF4-FFF2-40B4-BE49-F238E27FC236}">
-                <a16:creationId xmlns:a16="http://schemas.microsoft.com/office/drawing/2014/main" id="{FEAA4C51-A1E2-4E8C-93F7-0B7C68EC3618}"/>
+                <a16:creationId xmlns:a16="http://schemas.microsoft.com/office/drawing/2014/main" id="{C4EC6F1C-7BBA-4548-A9AB-5306CC0AD6FF}"/>
               </a:ext>
             </a:extLst>
           </p:cNvPr>
@@ -847,7 +840,7 @@
           <p:cNvPr id="4" name="日期占位符 3">
             <a:extLst>
               <a:ext uri="{FF2B5EF4-FFF2-40B4-BE49-F238E27FC236}">
-                <a16:creationId xmlns:a16="http://schemas.microsoft.com/office/drawing/2014/main" id="{C366BF1D-C34F-45B8-841E-7BE3CE261E5C}"/>
+                <a16:creationId xmlns:a16="http://schemas.microsoft.com/office/drawing/2014/main" id="{963BD0C5-6144-444B-8B9D-CD59AA23D3EB}"/>
               </a:ext>
             </a:extLst>
           </p:cNvPr>
@@ -863,9 +856,9 @@
           <a:bodyPr/>
           <a:lstStyle/>
           <a:p>
-            <a:fld id="{0BB63353-8FD3-4E72-A9AB-9F13C06F5DD5}" type="datetimeFigureOut">
+            <a:fld id="{8393F7AF-7156-4B7B-87D0-9E2AC93B7B70}" type="datetimeFigureOut">
               <a:rPr lang="zh-CN" altLang="en-US" smtClean="0"/>
-              <a:t>2020/3/25</a:t>
+              <a:t>2020/3/27</a:t>
             </a:fld>
             <a:endParaRPr lang="zh-CN" altLang="en-US"/>
           </a:p>
@@ -876,7 +869,7 @@
           <p:cNvPr id="5" name="页脚占位符 4">
             <a:extLst>
               <a:ext uri="{FF2B5EF4-FFF2-40B4-BE49-F238E27FC236}">
-                <a16:creationId xmlns:a16="http://schemas.microsoft.com/office/drawing/2014/main" id="{CD7D51D0-C7D6-4738-8192-7B5DB23D8A97}"/>
+                <a16:creationId xmlns:a16="http://schemas.microsoft.com/office/drawing/2014/main" id="{B0187CA1-AE90-4737-929D-02A0479F1D9C}"/>
               </a:ext>
             </a:extLst>
           </p:cNvPr>
@@ -901,7 +894,7 @@
           <p:cNvPr id="6" name="灯片编号占位符 5">
             <a:extLst>
               <a:ext uri="{FF2B5EF4-FFF2-40B4-BE49-F238E27FC236}">
-                <a16:creationId xmlns:a16="http://schemas.microsoft.com/office/drawing/2014/main" id="{E2F893A8-DE83-4853-83F4-73C53E7D96CC}"/>
+                <a16:creationId xmlns:a16="http://schemas.microsoft.com/office/drawing/2014/main" id="{7CD038D3-2CCE-4034-9E7E-C0364C41F59F}"/>
               </a:ext>
             </a:extLst>
           </p:cNvPr>
@@ -917,7 +910,7 @@
           <a:bodyPr/>
           <a:lstStyle/>
           <a:p>
-            <a:fld id="{1C9D522D-F33C-4BED-B16B-DBCB00EB64A9}" type="slidenum">
+            <a:fld id="{CB578167-AE5F-4248-981E-BAD16E47641D}" type="slidenum">
               <a:rPr lang="zh-CN" altLang="en-US" smtClean="0"/>
               <a:t>‹#›</a:t>
             </a:fld>
@@ -928,7 +921,7 @@
     </p:spTree>
     <p:extLst>
       <p:ext uri="{BB962C8B-B14F-4D97-AF65-F5344CB8AC3E}">
-        <p14:creationId xmlns:p14="http://schemas.microsoft.com/office/powerpoint/2010/main" val="2707061989"/>
+        <p14:creationId xmlns:p14="http://schemas.microsoft.com/office/powerpoint/2010/main" val="1035708667"/>
       </p:ext>
     </p:extLst>
   </p:cSld>
@@ -960,7 +953,7 @@
           <p:cNvPr id="2" name="标题 1">
             <a:extLst>
               <a:ext uri="{FF2B5EF4-FFF2-40B4-BE49-F238E27FC236}">
-                <a16:creationId xmlns:a16="http://schemas.microsoft.com/office/drawing/2014/main" id="{47C20D27-FEFF-47A4-922A-DF101DDE605E}"/>
+                <a16:creationId xmlns:a16="http://schemas.microsoft.com/office/drawing/2014/main" id="{E3F1EF7A-20BB-46ED-88CF-33D7CB71B71C}"/>
               </a:ext>
             </a:extLst>
           </p:cNvPr>
@@ -997,7 +990,7 @@
           <p:cNvPr id="3" name="文本占位符 2">
             <a:extLst>
               <a:ext uri="{FF2B5EF4-FFF2-40B4-BE49-F238E27FC236}">
-                <a16:creationId xmlns:a16="http://schemas.microsoft.com/office/drawing/2014/main" id="{D8C33586-6438-4197-8705-760FF9B6FB88}"/>
+                <a16:creationId xmlns:a16="http://schemas.microsoft.com/office/drawing/2014/main" id="{6DC32BA4-1AEE-418F-B277-109E29B96CA3}"/>
               </a:ext>
             </a:extLst>
           </p:cNvPr>
@@ -1122,7 +1115,7 @@
           <p:cNvPr id="4" name="日期占位符 3">
             <a:extLst>
               <a:ext uri="{FF2B5EF4-FFF2-40B4-BE49-F238E27FC236}">
-                <a16:creationId xmlns:a16="http://schemas.microsoft.com/office/drawing/2014/main" id="{B55642E8-8BEB-49D9-B53B-CB6FC112E0D4}"/>
+                <a16:creationId xmlns:a16="http://schemas.microsoft.com/office/drawing/2014/main" id="{15020BB4-348E-48B1-B9BB-4030BE3785AF}"/>
               </a:ext>
             </a:extLst>
           </p:cNvPr>
@@ -1138,9 +1131,9 @@
           <a:bodyPr/>
           <a:lstStyle/>
           <a:p>
-            <a:fld id="{0BB63353-8FD3-4E72-A9AB-9F13C06F5DD5}" type="datetimeFigureOut">
+            <a:fld id="{8393F7AF-7156-4B7B-87D0-9E2AC93B7B70}" type="datetimeFigureOut">
               <a:rPr lang="zh-CN" altLang="en-US" smtClean="0"/>
-              <a:t>2020/3/25</a:t>
+              <a:t>2020/3/27</a:t>
             </a:fld>
             <a:endParaRPr lang="zh-CN" altLang="en-US"/>
           </a:p>
@@ -1151,7 +1144,7 @@
           <p:cNvPr id="5" name="页脚占位符 4">
             <a:extLst>
               <a:ext uri="{FF2B5EF4-FFF2-40B4-BE49-F238E27FC236}">
-                <a16:creationId xmlns:a16="http://schemas.microsoft.com/office/drawing/2014/main" id="{B34F31F5-9E05-4A86-A0EB-FC054140894C}"/>
+                <a16:creationId xmlns:a16="http://schemas.microsoft.com/office/drawing/2014/main" id="{8DCA6BB1-0DDD-4D1F-917D-378D0E27FD3E}"/>
               </a:ext>
             </a:extLst>
           </p:cNvPr>
@@ -1176,7 +1169,7 @@
           <p:cNvPr id="6" name="灯片编号占位符 5">
             <a:extLst>
               <a:ext uri="{FF2B5EF4-FFF2-40B4-BE49-F238E27FC236}">
-                <a16:creationId xmlns:a16="http://schemas.microsoft.com/office/drawing/2014/main" id="{CCD38F2B-01EC-4136-B219-F5903AFC9AF9}"/>
+                <a16:creationId xmlns:a16="http://schemas.microsoft.com/office/drawing/2014/main" id="{245709A7-5D07-4F3B-B738-8BC9477D6EFC}"/>
               </a:ext>
             </a:extLst>
           </p:cNvPr>
@@ -1192,7 +1185,7 @@
           <a:bodyPr/>
           <a:lstStyle/>
           <a:p>
-            <a:fld id="{1C9D522D-F33C-4BED-B16B-DBCB00EB64A9}" type="slidenum">
+            <a:fld id="{CB578167-AE5F-4248-981E-BAD16E47641D}" type="slidenum">
               <a:rPr lang="zh-CN" altLang="en-US" smtClean="0"/>
               <a:t>‹#›</a:t>
             </a:fld>
@@ -1203,7 +1196,7 @@
     </p:spTree>
     <p:extLst>
       <p:ext uri="{BB962C8B-B14F-4D97-AF65-F5344CB8AC3E}">
-        <p14:creationId xmlns:p14="http://schemas.microsoft.com/office/powerpoint/2010/main" val="3676094514"/>
+        <p14:creationId xmlns:p14="http://schemas.microsoft.com/office/powerpoint/2010/main" val="942244467"/>
       </p:ext>
     </p:extLst>
   </p:cSld>
@@ -1235,7 +1228,7 @@
           <p:cNvPr id="2" name="标题 1">
             <a:extLst>
               <a:ext uri="{FF2B5EF4-FFF2-40B4-BE49-F238E27FC236}">
-                <a16:creationId xmlns:a16="http://schemas.microsoft.com/office/drawing/2014/main" id="{6A713905-A98B-4624-AB1B-4AD00A1C0368}"/>
+                <a16:creationId xmlns:a16="http://schemas.microsoft.com/office/drawing/2014/main" id="{D5649D4D-BC58-4F0A-A632-9785CEE4DAF1}"/>
               </a:ext>
             </a:extLst>
           </p:cNvPr>
@@ -1263,7 +1256,7 @@
           <p:cNvPr id="3" name="内容占位符 2">
             <a:extLst>
               <a:ext uri="{FF2B5EF4-FFF2-40B4-BE49-F238E27FC236}">
-                <a16:creationId xmlns:a16="http://schemas.microsoft.com/office/drawing/2014/main" id="{C339F202-8623-4DB3-AD56-941E173F6F95}"/>
+                <a16:creationId xmlns:a16="http://schemas.microsoft.com/office/drawing/2014/main" id="{035E7069-2923-40FC-A3F1-D6A000F5A1BB}"/>
               </a:ext>
             </a:extLst>
           </p:cNvPr>
@@ -1325,7 +1318,7 @@
           <p:cNvPr id="4" name="内容占位符 3">
             <a:extLst>
               <a:ext uri="{FF2B5EF4-FFF2-40B4-BE49-F238E27FC236}">
-                <a16:creationId xmlns:a16="http://schemas.microsoft.com/office/drawing/2014/main" id="{66C2D231-6B17-4D60-8A8A-9B2955C78835}"/>
+                <a16:creationId xmlns:a16="http://schemas.microsoft.com/office/drawing/2014/main" id="{ED9758AE-0689-4822-BFBD-D684D7F425AC}"/>
               </a:ext>
             </a:extLst>
           </p:cNvPr>
@@ -1387,7 +1380,7 @@
           <p:cNvPr id="5" name="日期占位符 4">
             <a:extLst>
               <a:ext uri="{FF2B5EF4-FFF2-40B4-BE49-F238E27FC236}">
-                <a16:creationId xmlns:a16="http://schemas.microsoft.com/office/drawing/2014/main" id="{A1ED5432-ACA7-4D14-8A19-CD3455C312ED}"/>
+                <a16:creationId xmlns:a16="http://schemas.microsoft.com/office/drawing/2014/main" id="{1A7CB4C8-5640-4E7B-AAC6-66C400D704DA}"/>
               </a:ext>
             </a:extLst>
           </p:cNvPr>
@@ -1403,9 +1396,9 @@
           <a:bodyPr/>
           <a:lstStyle/>
           <a:p>
-            <a:fld id="{0BB63353-8FD3-4E72-A9AB-9F13C06F5DD5}" type="datetimeFigureOut">
+            <a:fld id="{8393F7AF-7156-4B7B-87D0-9E2AC93B7B70}" type="datetimeFigureOut">
               <a:rPr lang="zh-CN" altLang="en-US" smtClean="0"/>
-              <a:t>2020/3/25</a:t>
+              <a:t>2020/3/27</a:t>
             </a:fld>
             <a:endParaRPr lang="zh-CN" altLang="en-US"/>
           </a:p>
@@ -1416,7 +1409,7 @@
           <p:cNvPr id="6" name="页脚占位符 5">
             <a:extLst>
               <a:ext uri="{FF2B5EF4-FFF2-40B4-BE49-F238E27FC236}">
-                <a16:creationId xmlns:a16="http://schemas.microsoft.com/office/drawing/2014/main" id="{AF4B5CF7-E37B-4DB8-A42B-A4CD63A72CA7}"/>
+                <a16:creationId xmlns:a16="http://schemas.microsoft.com/office/drawing/2014/main" id="{C8016196-06E8-49EC-84F1-B39563F202A1}"/>
               </a:ext>
             </a:extLst>
           </p:cNvPr>
@@ -1441,7 +1434,7 @@
           <p:cNvPr id="7" name="灯片编号占位符 6">
             <a:extLst>
               <a:ext uri="{FF2B5EF4-FFF2-40B4-BE49-F238E27FC236}">
-                <a16:creationId xmlns:a16="http://schemas.microsoft.com/office/drawing/2014/main" id="{BCC765E5-BA88-4E7C-8941-96CBFC3FD0CF}"/>
+                <a16:creationId xmlns:a16="http://schemas.microsoft.com/office/drawing/2014/main" id="{6A56A3E5-249F-469F-9406-CA8C1A65F786}"/>
               </a:ext>
             </a:extLst>
           </p:cNvPr>
@@ -1457,7 +1450,7 @@
           <a:bodyPr/>
           <a:lstStyle/>
           <a:p>
-            <a:fld id="{1C9D522D-F33C-4BED-B16B-DBCB00EB64A9}" type="slidenum">
+            <a:fld id="{CB578167-AE5F-4248-981E-BAD16E47641D}" type="slidenum">
               <a:rPr lang="zh-CN" altLang="en-US" smtClean="0"/>
               <a:t>‹#›</a:t>
             </a:fld>
@@ -1468,7 +1461,7 @@
     </p:spTree>
     <p:extLst>
       <p:ext uri="{BB962C8B-B14F-4D97-AF65-F5344CB8AC3E}">
-        <p14:creationId xmlns:p14="http://schemas.microsoft.com/office/powerpoint/2010/main" val="1278587322"/>
+        <p14:creationId xmlns:p14="http://schemas.microsoft.com/office/powerpoint/2010/main" val="1325348607"/>
       </p:ext>
     </p:extLst>
   </p:cSld>
@@ -1500,7 +1493,7 @@
           <p:cNvPr id="2" name="标题 1">
             <a:extLst>
               <a:ext uri="{FF2B5EF4-FFF2-40B4-BE49-F238E27FC236}">
-                <a16:creationId xmlns:a16="http://schemas.microsoft.com/office/drawing/2014/main" id="{69523605-DEFA-4786-8086-2BF6E27278F4}"/>
+                <a16:creationId xmlns:a16="http://schemas.microsoft.com/office/drawing/2014/main" id="{813BA11E-88A5-4039-8940-78930F6BFCF6}"/>
               </a:ext>
             </a:extLst>
           </p:cNvPr>
@@ -1533,7 +1526,7 @@
           <p:cNvPr id="3" name="文本占位符 2">
             <a:extLst>
               <a:ext uri="{FF2B5EF4-FFF2-40B4-BE49-F238E27FC236}">
-                <a16:creationId xmlns:a16="http://schemas.microsoft.com/office/drawing/2014/main" id="{940A86F2-5FD6-4FF5-9DF7-4E6CDE652D8C}"/>
+                <a16:creationId xmlns:a16="http://schemas.microsoft.com/office/drawing/2014/main" id="{CA2C6022-D569-427A-B20A-13CB35F6BF89}"/>
               </a:ext>
             </a:extLst>
           </p:cNvPr>
@@ -1604,7 +1597,7 @@
           <p:cNvPr id="4" name="内容占位符 3">
             <a:extLst>
               <a:ext uri="{FF2B5EF4-FFF2-40B4-BE49-F238E27FC236}">
-                <a16:creationId xmlns:a16="http://schemas.microsoft.com/office/drawing/2014/main" id="{7334FABA-FB14-4177-BD3C-67647028A150}"/>
+                <a16:creationId xmlns:a16="http://schemas.microsoft.com/office/drawing/2014/main" id="{6E539AC7-7B49-4E70-987B-275DCE7CFCCE}"/>
               </a:ext>
             </a:extLst>
           </p:cNvPr>
@@ -1666,7 +1659,7 @@
           <p:cNvPr id="5" name="文本占位符 4">
             <a:extLst>
               <a:ext uri="{FF2B5EF4-FFF2-40B4-BE49-F238E27FC236}">
-                <a16:creationId xmlns:a16="http://schemas.microsoft.com/office/drawing/2014/main" id="{D78F27D7-B3CD-49CC-9722-B6810EBDDD0C}"/>
+                <a16:creationId xmlns:a16="http://schemas.microsoft.com/office/drawing/2014/main" id="{1AD30651-5055-4787-B1B3-1446CB666008}"/>
               </a:ext>
             </a:extLst>
           </p:cNvPr>
@@ -1737,7 +1730,7 @@
           <p:cNvPr id="6" name="内容占位符 5">
             <a:extLst>
               <a:ext uri="{FF2B5EF4-FFF2-40B4-BE49-F238E27FC236}">
-                <a16:creationId xmlns:a16="http://schemas.microsoft.com/office/drawing/2014/main" id="{FA0E4B7D-E661-49FD-A4C3-5E92B5D2CBD7}"/>
+                <a16:creationId xmlns:a16="http://schemas.microsoft.com/office/drawing/2014/main" id="{9463D20C-0E4F-4ECB-BDEC-9DF2836233B9}"/>
               </a:ext>
             </a:extLst>
           </p:cNvPr>
@@ -1799,7 +1792,7 @@
           <p:cNvPr id="7" name="日期占位符 6">
             <a:extLst>
               <a:ext uri="{FF2B5EF4-FFF2-40B4-BE49-F238E27FC236}">
-                <a16:creationId xmlns:a16="http://schemas.microsoft.com/office/drawing/2014/main" id="{735D6235-F988-4239-8E74-A997AF352E86}"/>
+                <a16:creationId xmlns:a16="http://schemas.microsoft.com/office/drawing/2014/main" id="{65C545D1-BB5C-4E85-8D87-91BAF7AE2EFB}"/>
               </a:ext>
             </a:extLst>
           </p:cNvPr>
@@ -1815,9 +1808,9 @@
           <a:bodyPr/>
           <a:lstStyle/>
           <a:p>
-            <a:fld id="{0BB63353-8FD3-4E72-A9AB-9F13C06F5DD5}" type="datetimeFigureOut">
+            <a:fld id="{8393F7AF-7156-4B7B-87D0-9E2AC93B7B70}" type="datetimeFigureOut">
               <a:rPr lang="zh-CN" altLang="en-US" smtClean="0"/>
-              <a:t>2020/3/25</a:t>
+              <a:t>2020/3/27</a:t>
             </a:fld>
             <a:endParaRPr lang="zh-CN" altLang="en-US"/>
           </a:p>
@@ -1828,7 +1821,7 @@
           <p:cNvPr id="8" name="页脚占位符 7">
             <a:extLst>
               <a:ext uri="{FF2B5EF4-FFF2-40B4-BE49-F238E27FC236}">
-                <a16:creationId xmlns:a16="http://schemas.microsoft.com/office/drawing/2014/main" id="{B34EECBA-6750-4FB3-B317-6EAE80435875}"/>
+                <a16:creationId xmlns:a16="http://schemas.microsoft.com/office/drawing/2014/main" id="{17EB87B3-768F-4ADB-B880-0FC754340998}"/>
               </a:ext>
             </a:extLst>
           </p:cNvPr>
@@ -1853,7 +1846,7 @@
           <p:cNvPr id="9" name="灯片编号占位符 8">
             <a:extLst>
               <a:ext uri="{FF2B5EF4-FFF2-40B4-BE49-F238E27FC236}">
-                <a16:creationId xmlns:a16="http://schemas.microsoft.com/office/drawing/2014/main" id="{50E35EB9-6940-4C79-9022-2DB3A0C5F9B7}"/>
+                <a16:creationId xmlns:a16="http://schemas.microsoft.com/office/drawing/2014/main" id="{1504EF74-A40D-4B9D-838C-F1AA5177D4BC}"/>
               </a:ext>
             </a:extLst>
           </p:cNvPr>
@@ -1869,7 +1862,7 @@
           <a:bodyPr/>
           <a:lstStyle/>
           <a:p>
-            <a:fld id="{1C9D522D-F33C-4BED-B16B-DBCB00EB64A9}" type="slidenum">
+            <a:fld id="{CB578167-AE5F-4248-981E-BAD16E47641D}" type="slidenum">
               <a:rPr lang="zh-CN" altLang="en-US" smtClean="0"/>
               <a:t>‹#›</a:t>
             </a:fld>
@@ -1880,7 +1873,7 @@
     </p:spTree>
     <p:extLst>
       <p:ext uri="{BB962C8B-B14F-4D97-AF65-F5344CB8AC3E}">
-        <p14:creationId xmlns:p14="http://schemas.microsoft.com/office/powerpoint/2010/main" val="3358667270"/>
+        <p14:creationId xmlns:p14="http://schemas.microsoft.com/office/powerpoint/2010/main" val="4071791208"/>
       </p:ext>
     </p:extLst>
   </p:cSld>
@@ -1912,7 +1905,7 @@
           <p:cNvPr id="2" name="标题 1">
             <a:extLst>
               <a:ext uri="{FF2B5EF4-FFF2-40B4-BE49-F238E27FC236}">
-                <a16:creationId xmlns:a16="http://schemas.microsoft.com/office/drawing/2014/main" id="{1FBC6EC1-9D1E-414B-90D6-A89FA628684F}"/>
+                <a16:creationId xmlns:a16="http://schemas.microsoft.com/office/drawing/2014/main" id="{74C3B2E0-7AAA-490C-A105-BBD308A861E5}"/>
               </a:ext>
             </a:extLst>
           </p:cNvPr>
@@ -1940,7 +1933,7 @@
           <p:cNvPr id="3" name="日期占位符 2">
             <a:extLst>
               <a:ext uri="{FF2B5EF4-FFF2-40B4-BE49-F238E27FC236}">
-                <a16:creationId xmlns:a16="http://schemas.microsoft.com/office/drawing/2014/main" id="{1B118694-AAEC-44FB-9D19-87817F032DFB}"/>
+                <a16:creationId xmlns:a16="http://schemas.microsoft.com/office/drawing/2014/main" id="{B398E30E-8B2B-4F26-BD01-3AAAA9AFE489}"/>
               </a:ext>
             </a:extLst>
           </p:cNvPr>
@@ -1956,9 +1949,9 @@
           <a:bodyPr/>
           <a:lstStyle/>
           <a:p>
-            <a:fld id="{0BB63353-8FD3-4E72-A9AB-9F13C06F5DD5}" type="datetimeFigureOut">
+            <a:fld id="{8393F7AF-7156-4B7B-87D0-9E2AC93B7B70}" type="datetimeFigureOut">
               <a:rPr lang="zh-CN" altLang="en-US" smtClean="0"/>
-              <a:t>2020/3/25</a:t>
+              <a:t>2020/3/27</a:t>
             </a:fld>
             <a:endParaRPr lang="zh-CN" altLang="en-US"/>
           </a:p>
@@ -1969,7 +1962,7 @@
           <p:cNvPr id="4" name="页脚占位符 3">
             <a:extLst>
               <a:ext uri="{FF2B5EF4-FFF2-40B4-BE49-F238E27FC236}">
-                <a16:creationId xmlns:a16="http://schemas.microsoft.com/office/drawing/2014/main" id="{18103FF4-61F1-46D9-AB82-0C52F084736E}"/>
+                <a16:creationId xmlns:a16="http://schemas.microsoft.com/office/drawing/2014/main" id="{44728991-1541-46C4-BADA-50B90DBF5B71}"/>
               </a:ext>
             </a:extLst>
           </p:cNvPr>
@@ -1994,7 +1987,7 @@
           <p:cNvPr id="5" name="灯片编号占位符 4">
             <a:extLst>
               <a:ext uri="{FF2B5EF4-FFF2-40B4-BE49-F238E27FC236}">
-                <a16:creationId xmlns:a16="http://schemas.microsoft.com/office/drawing/2014/main" id="{22506F70-02CC-4D91-A6CA-7F55E4FA3204}"/>
+                <a16:creationId xmlns:a16="http://schemas.microsoft.com/office/drawing/2014/main" id="{E72C8BFD-6668-4BC7-A6A2-F3379221B799}"/>
               </a:ext>
             </a:extLst>
           </p:cNvPr>
@@ -2010,7 +2003,7 @@
           <a:bodyPr/>
           <a:lstStyle/>
           <a:p>
-            <a:fld id="{1C9D522D-F33C-4BED-B16B-DBCB00EB64A9}" type="slidenum">
+            <a:fld id="{CB578167-AE5F-4248-981E-BAD16E47641D}" type="slidenum">
               <a:rPr lang="zh-CN" altLang="en-US" smtClean="0"/>
               <a:t>‹#›</a:t>
             </a:fld>
@@ -2021,7 +2014,7 @@
     </p:spTree>
     <p:extLst>
       <p:ext uri="{BB962C8B-B14F-4D97-AF65-F5344CB8AC3E}">
-        <p14:creationId xmlns:p14="http://schemas.microsoft.com/office/powerpoint/2010/main" val="2816998768"/>
+        <p14:creationId xmlns:p14="http://schemas.microsoft.com/office/powerpoint/2010/main" val="3441845585"/>
       </p:ext>
     </p:extLst>
   </p:cSld>
@@ -2053,7 +2046,7 @@
           <p:cNvPr id="2" name="日期占位符 1">
             <a:extLst>
               <a:ext uri="{FF2B5EF4-FFF2-40B4-BE49-F238E27FC236}">
-                <a16:creationId xmlns:a16="http://schemas.microsoft.com/office/drawing/2014/main" id="{669F5443-DF77-4474-83DC-87A8638503C1}"/>
+                <a16:creationId xmlns:a16="http://schemas.microsoft.com/office/drawing/2014/main" id="{67BEAB56-7D43-4F06-A01B-83B77C6E7581}"/>
               </a:ext>
             </a:extLst>
           </p:cNvPr>
@@ -2069,9 +2062,9 @@
           <a:bodyPr/>
           <a:lstStyle/>
           <a:p>
-            <a:fld id="{0BB63353-8FD3-4E72-A9AB-9F13C06F5DD5}" type="datetimeFigureOut">
+            <a:fld id="{8393F7AF-7156-4B7B-87D0-9E2AC93B7B70}" type="datetimeFigureOut">
               <a:rPr lang="zh-CN" altLang="en-US" smtClean="0"/>
-              <a:t>2020/3/25</a:t>
+              <a:t>2020/3/27</a:t>
             </a:fld>
             <a:endParaRPr lang="zh-CN" altLang="en-US"/>
           </a:p>
@@ -2082,7 +2075,7 @@
           <p:cNvPr id="3" name="页脚占位符 2">
             <a:extLst>
               <a:ext uri="{FF2B5EF4-FFF2-40B4-BE49-F238E27FC236}">
-                <a16:creationId xmlns:a16="http://schemas.microsoft.com/office/drawing/2014/main" id="{A17890DE-4BD0-4A46-BD5E-2A873204CC99}"/>
+                <a16:creationId xmlns:a16="http://schemas.microsoft.com/office/drawing/2014/main" id="{30991157-F2ED-426D-A28D-C7D333806864}"/>
               </a:ext>
             </a:extLst>
           </p:cNvPr>
@@ -2107,7 +2100,7 @@
           <p:cNvPr id="4" name="灯片编号占位符 3">
             <a:extLst>
               <a:ext uri="{FF2B5EF4-FFF2-40B4-BE49-F238E27FC236}">
-                <a16:creationId xmlns:a16="http://schemas.microsoft.com/office/drawing/2014/main" id="{A361D9AC-2ED6-4C82-A5E8-D31D591419A0}"/>
+                <a16:creationId xmlns:a16="http://schemas.microsoft.com/office/drawing/2014/main" id="{76789E77-EB31-47DA-A261-B84BAD222AC2}"/>
               </a:ext>
             </a:extLst>
           </p:cNvPr>
@@ -2123,7 +2116,7 @@
           <a:bodyPr/>
           <a:lstStyle/>
           <a:p>
-            <a:fld id="{1C9D522D-F33C-4BED-B16B-DBCB00EB64A9}" type="slidenum">
+            <a:fld id="{CB578167-AE5F-4248-981E-BAD16E47641D}" type="slidenum">
               <a:rPr lang="zh-CN" altLang="en-US" smtClean="0"/>
               <a:t>‹#›</a:t>
             </a:fld>
@@ -2134,7 +2127,7 @@
     </p:spTree>
     <p:extLst>
       <p:ext uri="{BB962C8B-B14F-4D97-AF65-F5344CB8AC3E}">
-        <p14:creationId xmlns:p14="http://schemas.microsoft.com/office/powerpoint/2010/main" val="166127445"/>
+        <p14:creationId xmlns:p14="http://schemas.microsoft.com/office/powerpoint/2010/main" val="1515595573"/>
       </p:ext>
     </p:extLst>
   </p:cSld>
@@ -2166,7 +2159,7 @@
           <p:cNvPr id="2" name="标题 1">
             <a:extLst>
               <a:ext uri="{FF2B5EF4-FFF2-40B4-BE49-F238E27FC236}">
-                <a16:creationId xmlns:a16="http://schemas.microsoft.com/office/drawing/2014/main" id="{F2155807-E713-4F13-8673-5E46C870BE9E}"/>
+                <a16:creationId xmlns:a16="http://schemas.microsoft.com/office/drawing/2014/main" id="{465C1649-A7C5-4A8D-A652-B81464B5879E}"/>
               </a:ext>
             </a:extLst>
           </p:cNvPr>
@@ -2203,7 +2196,7 @@
           <p:cNvPr id="3" name="内容占位符 2">
             <a:extLst>
               <a:ext uri="{FF2B5EF4-FFF2-40B4-BE49-F238E27FC236}">
-                <a16:creationId xmlns:a16="http://schemas.microsoft.com/office/drawing/2014/main" id="{48D4075B-DBD8-43E0-918B-00E328567105}"/>
+                <a16:creationId xmlns:a16="http://schemas.microsoft.com/office/drawing/2014/main" id="{A078D8FF-9859-4CC3-B349-7FF333F920FF}"/>
               </a:ext>
             </a:extLst>
           </p:cNvPr>
@@ -2293,7 +2286,7 @@
           <p:cNvPr id="4" name="文本占位符 3">
             <a:extLst>
               <a:ext uri="{FF2B5EF4-FFF2-40B4-BE49-F238E27FC236}">
-                <a16:creationId xmlns:a16="http://schemas.microsoft.com/office/drawing/2014/main" id="{4B57012A-5C65-43BC-8024-FA8154758119}"/>
+                <a16:creationId xmlns:a16="http://schemas.microsoft.com/office/drawing/2014/main" id="{7C3E26CF-5B3C-40FD-922D-E0C488D39C16}"/>
               </a:ext>
             </a:extLst>
           </p:cNvPr>
@@ -2364,7 +2357,7 @@
           <p:cNvPr id="5" name="日期占位符 4">
             <a:extLst>
               <a:ext uri="{FF2B5EF4-FFF2-40B4-BE49-F238E27FC236}">
-                <a16:creationId xmlns:a16="http://schemas.microsoft.com/office/drawing/2014/main" id="{C7CFB56C-38D4-4D6D-A647-C41FB710BED3}"/>
+                <a16:creationId xmlns:a16="http://schemas.microsoft.com/office/drawing/2014/main" id="{656FF7A7-50E1-4925-91D0-5A2E0F153DBC}"/>
               </a:ext>
             </a:extLst>
           </p:cNvPr>
@@ -2380,9 +2373,9 @@
           <a:bodyPr/>
           <a:lstStyle/>
           <a:p>
-            <a:fld id="{0BB63353-8FD3-4E72-A9AB-9F13C06F5DD5}" type="datetimeFigureOut">
+            <a:fld id="{8393F7AF-7156-4B7B-87D0-9E2AC93B7B70}" type="datetimeFigureOut">
               <a:rPr lang="zh-CN" altLang="en-US" smtClean="0"/>
-              <a:t>2020/3/25</a:t>
+              <a:t>2020/3/27</a:t>
             </a:fld>
             <a:endParaRPr lang="zh-CN" altLang="en-US"/>
           </a:p>
@@ -2393,7 +2386,7 @@
           <p:cNvPr id="6" name="页脚占位符 5">
             <a:extLst>
               <a:ext uri="{FF2B5EF4-FFF2-40B4-BE49-F238E27FC236}">
-                <a16:creationId xmlns:a16="http://schemas.microsoft.com/office/drawing/2014/main" id="{8A049060-5F81-4F61-84E8-15761C40E6EF}"/>
+                <a16:creationId xmlns:a16="http://schemas.microsoft.com/office/drawing/2014/main" id="{ED19C6C0-9933-47F2-8677-3FBCC94F2BC2}"/>
               </a:ext>
             </a:extLst>
           </p:cNvPr>
@@ -2418,7 +2411,7 @@
           <p:cNvPr id="7" name="灯片编号占位符 6">
             <a:extLst>
               <a:ext uri="{FF2B5EF4-FFF2-40B4-BE49-F238E27FC236}">
-                <a16:creationId xmlns:a16="http://schemas.microsoft.com/office/drawing/2014/main" id="{EBFAF8B2-E906-4ABA-BFAD-C2BFB189AF04}"/>
+                <a16:creationId xmlns:a16="http://schemas.microsoft.com/office/drawing/2014/main" id="{4BCA6288-02E3-45B4-B93C-F8CD11F28AE8}"/>
               </a:ext>
             </a:extLst>
           </p:cNvPr>
@@ -2434,7 +2427,7 @@
           <a:bodyPr/>
           <a:lstStyle/>
           <a:p>
-            <a:fld id="{1C9D522D-F33C-4BED-B16B-DBCB00EB64A9}" type="slidenum">
+            <a:fld id="{CB578167-AE5F-4248-981E-BAD16E47641D}" type="slidenum">
               <a:rPr lang="zh-CN" altLang="en-US" smtClean="0"/>
               <a:t>‹#›</a:t>
             </a:fld>
@@ -2445,7 +2438,7 @@
     </p:spTree>
     <p:extLst>
       <p:ext uri="{BB962C8B-B14F-4D97-AF65-F5344CB8AC3E}">
-        <p14:creationId xmlns:p14="http://schemas.microsoft.com/office/powerpoint/2010/main" val="2979029604"/>
+        <p14:creationId xmlns:p14="http://schemas.microsoft.com/office/powerpoint/2010/main" val="3770385303"/>
       </p:ext>
     </p:extLst>
   </p:cSld>
@@ -2477,7 +2470,7 @@
           <p:cNvPr id="2" name="标题 1">
             <a:extLst>
               <a:ext uri="{FF2B5EF4-FFF2-40B4-BE49-F238E27FC236}">
-                <a16:creationId xmlns:a16="http://schemas.microsoft.com/office/drawing/2014/main" id="{F796D25D-534D-471C-B5CE-FF21EFC189FD}"/>
+                <a16:creationId xmlns:a16="http://schemas.microsoft.com/office/drawing/2014/main" id="{4EE060ED-907C-4BED-B8DE-487E96C6FEEE}"/>
               </a:ext>
             </a:extLst>
           </p:cNvPr>
@@ -2514,7 +2507,7 @@
           <p:cNvPr id="3" name="图片占位符 2">
             <a:extLst>
               <a:ext uri="{FF2B5EF4-FFF2-40B4-BE49-F238E27FC236}">
-                <a16:creationId xmlns:a16="http://schemas.microsoft.com/office/drawing/2014/main" id="{4C006CF7-6FEA-4A11-BA04-8A586A46B9A8}"/>
+                <a16:creationId xmlns:a16="http://schemas.microsoft.com/office/drawing/2014/main" id="{1C1F2EB5-D365-4434-87DF-7AEF1FA84BB8}"/>
               </a:ext>
             </a:extLst>
           </p:cNvPr>
@@ -2581,7 +2574,7 @@
           <p:cNvPr id="4" name="文本占位符 3">
             <a:extLst>
               <a:ext uri="{FF2B5EF4-FFF2-40B4-BE49-F238E27FC236}">
-                <a16:creationId xmlns:a16="http://schemas.microsoft.com/office/drawing/2014/main" id="{146EF732-1870-40E2-9D20-574A5987CAA6}"/>
+                <a16:creationId xmlns:a16="http://schemas.microsoft.com/office/drawing/2014/main" id="{894A816C-8EE3-447B-916D-3A1904B5ED6C}"/>
               </a:ext>
             </a:extLst>
           </p:cNvPr>
@@ -2652,7 +2645,7 @@
           <p:cNvPr id="5" name="日期占位符 4">
             <a:extLst>
               <a:ext uri="{FF2B5EF4-FFF2-40B4-BE49-F238E27FC236}">
-                <a16:creationId xmlns:a16="http://schemas.microsoft.com/office/drawing/2014/main" id="{FED2E2ED-671E-472C-9625-1C94EFFA7158}"/>
+                <a16:creationId xmlns:a16="http://schemas.microsoft.com/office/drawing/2014/main" id="{47574492-7874-498B-915D-2154BCE592CE}"/>
               </a:ext>
             </a:extLst>
           </p:cNvPr>
@@ -2668,9 +2661,9 @@
           <a:bodyPr/>
           <a:lstStyle/>
           <a:p>
-            <a:fld id="{0BB63353-8FD3-4E72-A9AB-9F13C06F5DD5}" type="datetimeFigureOut">
+            <a:fld id="{8393F7AF-7156-4B7B-87D0-9E2AC93B7B70}" type="datetimeFigureOut">
               <a:rPr lang="zh-CN" altLang="en-US" smtClean="0"/>
-              <a:t>2020/3/25</a:t>
+              <a:t>2020/3/27</a:t>
             </a:fld>
             <a:endParaRPr lang="zh-CN" altLang="en-US"/>
           </a:p>
@@ -2681,7 +2674,7 @@
           <p:cNvPr id="6" name="页脚占位符 5">
             <a:extLst>
               <a:ext uri="{FF2B5EF4-FFF2-40B4-BE49-F238E27FC236}">
-                <a16:creationId xmlns:a16="http://schemas.microsoft.com/office/drawing/2014/main" id="{829D2DE5-6FF9-4A62-978D-B4446B538692}"/>
+                <a16:creationId xmlns:a16="http://schemas.microsoft.com/office/drawing/2014/main" id="{E93D483D-82FE-42CD-84E2-EBB68A0B482D}"/>
               </a:ext>
             </a:extLst>
           </p:cNvPr>
@@ -2706,7 +2699,7 @@
           <p:cNvPr id="7" name="灯片编号占位符 6">
             <a:extLst>
               <a:ext uri="{FF2B5EF4-FFF2-40B4-BE49-F238E27FC236}">
-                <a16:creationId xmlns:a16="http://schemas.microsoft.com/office/drawing/2014/main" id="{ACA9840C-2C43-4B91-8393-DAD3BDD87114}"/>
+                <a16:creationId xmlns:a16="http://schemas.microsoft.com/office/drawing/2014/main" id="{EE716DDE-6F64-4469-A742-2A85EA86834E}"/>
               </a:ext>
             </a:extLst>
           </p:cNvPr>
@@ -2722,7 +2715,7 @@
           <a:bodyPr/>
           <a:lstStyle/>
           <a:p>
-            <a:fld id="{1C9D522D-F33C-4BED-B16B-DBCB00EB64A9}" type="slidenum">
+            <a:fld id="{CB578167-AE5F-4248-981E-BAD16E47641D}" type="slidenum">
               <a:rPr lang="zh-CN" altLang="en-US" smtClean="0"/>
               <a:t>‹#›</a:t>
             </a:fld>
@@ -2733,7 +2726,7 @@
     </p:spTree>
     <p:extLst>
       <p:ext uri="{BB962C8B-B14F-4D97-AF65-F5344CB8AC3E}">
-        <p14:creationId xmlns:p14="http://schemas.microsoft.com/office/powerpoint/2010/main" val="3000575852"/>
+        <p14:creationId xmlns:p14="http://schemas.microsoft.com/office/powerpoint/2010/main" val="4092818846"/>
       </p:ext>
     </p:extLst>
   </p:cSld>
@@ -2770,7 +2763,7 @@
           <p:cNvPr id="2" name="标题占位符 1">
             <a:extLst>
               <a:ext uri="{FF2B5EF4-FFF2-40B4-BE49-F238E27FC236}">
-                <a16:creationId xmlns:a16="http://schemas.microsoft.com/office/drawing/2014/main" id="{51EDF1DA-DDF4-42B4-ACE0-26A88E455ABD}"/>
+                <a16:creationId xmlns:a16="http://schemas.microsoft.com/office/drawing/2014/main" id="{CB564F6D-BB12-4A09-9210-4CF4DE72AA7C}"/>
               </a:ext>
             </a:extLst>
           </p:cNvPr>
@@ -2808,7 +2801,7 @@
           <p:cNvPr id="3" name="文本占位符 2">
             <a:extLst>
               <a:ext uri="{FF2B5EF4-FFF2-40B4-BE49-F238E27FC236}">
-                <a16:creationId xmlns:a16="http://schemas.microsoft.com/office/drawing/2014/main" id="{1D7C2F54-A04B-4969-9FB7-45D75961F1B1}"/>
+                <a16:creationId xmlns:a16="http://schemas.microsoft.com/office/drawing/2014/main" id="{AD00BABF-414B-4F6F-A5B1-2149FC21BB44}"/>
               </a:ext>
             </a:extLst>
           </p:cNvPr>
@@ -2875,7 +2868,7 @@
           <p:cNvPr id="4" name="日期占位符 3">
             <a:extLst>
               <a:ext uri="{FF2B5EF4-FFF2-40B4-BE49-F238E27FC236}">
-                <a16:creationId xmlns:a16="http://schemas.microsoft.com/office/drawing/2014/main" id="{3060DB1C-DEAD-4F85-9F94-875899422BFB}"/>
+                <a16:creationId xmlns:a16="http://schemas.microsoft.com/office/drawing/2014/main" id="{8E8E717C-C628-43D4-BD76-2BF078695920}"/>
               </a:ext>
             </a:extLst>
           </p:cNvPr>
@@ -2909,9 +2902,9 @@
             </a:lvl1pPr>
           </a:lstStyle>
           <a:p>
-            <a:fld id="{0BB63353-8FD3-4E72-A9AB-9F13C06F5DD5}" type="datetimeFigureOut">
+            <a:fld id="{8393F7AF-7156-4B7B-87D0-9E2AC93B7B70}" type="datetimeFigureOut">
               <a:rPr lang="zh-CN" altLang="en-US" smtClean="0"/>
-              <a:t>2020/3/25</a:t>
+              <a:t>2020/3/27</a:t>
             </a:fld>
             <a:endParaRPr lang="zh-CN" altLang="en-US"/>
           </a:p>
@@ -2922,7 +2915,7 @@
           <p:cNvPr id="5" name="页脚占位符 4">
             <a:extLst>
               <a:ext uri="{FF2B5EF4-FFF2-40B4-BE49-F238E27FC236}">
-                <a16:creationId xmlns:a16="http://schemas.microsoft.com/office/drawing/2014/main" id="{E7BA2988-828A-434C-9764-2E265AD1285A}"/>
+                <a16:creationId xmlns:a16="http://schemas.microsoft.com/office/drawing/2014/main" id="{83B8D644-775E-41E0-8BF8-F470301FBB0D}"/>
               </a:ext>
             </a:extLst>
           </p:cNvPr>
@@ -2965,7 +2958,7 @@
           <p:cNvPr id="6" name="灯片编号占位符 5">
             <a:extLst>
               <a:ext uri="{FF2B5EF4-FFF2-40B4-BE49-F238E27FC236}">
-                <a16:creationId xmlns:a16="http://schemas.microsoft.com/office/drawing/2014/main" id="{90736876-93C8-49B1-AC7A-937F5CA268CC}"/>
+                <a16:creationId xmlns:a16="http://schemas.microsoft.com/office/drawing/2014/main" id="{1022241F-DBD6-4C61-8EAC-AFB28C34C4BB}"/>
               </a:ext>
             </a:extLst>
           </p:cNvPr>
@@ -2999,7 +2992,7 @@
             </a:lvl1pPr>
           </a:lstStyle>
           <a:p>
-            <a:fld id="{1C9D522D-F33C-4BED-B16B-DBCB00EB64A9}" type="slidenum">
+            <a:fld id="{CB578167-AE5F-4248-981E-BAD16E47641D}" type="slidenum">
               <a:rPr lang="zh-CN" altLang="en-US" smtClean="0"/>
               <a:t>‹#›</a:t>
             </a:fld>
@@ -3010,7 +3003,7 @@
     </p:spTree>
     <p:extLst>
       <p:ext uri="{BB962C8B-B14F-4D97-AF65-F5344CB8AC3E}">
-        <p14:creationId xmlns:p14="http://schemas.microsoft.com/office/powerpoint/2010/main" val="1981904968"/>
+        <p14:creationId xmlns:p14="http://schemas.microsoft.com/office/powerpoint/2010/main" val="3008462207"/>
       </p:ext>
     </p:extLst>
   </p:cSld>
@@ -3330,13 +3323,10 @@
       </p:grpSpPr>
       <p:sp>
         <p:nvSpPr>
-          <p:cNvPr id="2" name="标题 1" descr="ada">
-            <a:extLst>
-              <a:ext uri="{FF2B5EF4-FFF2-40B4-BE49-F238E27FC236}">
-                <a16:creationId xmlns:a16="http://schemas.microsoft.com/office/drawing/2014/main" id="{23CC4123-3AE7-4325-97C7-FEA94597A399}"/>
-              </a:ext>
-              <a:ext uri="{C183D7F6-B498-43B3-948B-1728B52AA6E4}">
-                <adec:decorative xmlns:adec="http://schemas.microsoft.com/office/drawing/2017/decorative" val="0"/>
+          <p:cNvPr id="2" name="标题 1">
+            <a:extLst>
+              <a:ext uri="{FF2B5EF4-FFF2-40B4-BE49-F238E27FC236}">
+                <a16:creationId xmlns:a16="http://schemas.microsoft.com/office/drawing/2014/main" id="{73BFEBDE-3657-4820-88E9-C7FEFBFBA85F}"/>
               </a:ext>
             </a:extLst>
           </p:cNvPr>
@@ -3353,18 +3343,10 @@
           <a:lstStyle/>
           <a:p>
             <a:r>
-              <a:rPr lang="en-US" altLang="zh-CN" sz="2400" dirty="0">
-                <a:latin typeface="+mn-lt"/>
-                <a:ea typeface="+mn-ea"/>
-                <a:cs typeface="+mn-cs"/>
-              </a:rPr>
-              <a:t>{year}</a:t>
-            </a:r>
-            <a:endParaRPr lang="zh-CN" altLang="en-US" sz="2400" dirty="0">
-              <a:latin typeface="+mn-lt"/>
-              <a:ea typeface="+mn-ea"/>
-              <a:cs typeface="+mn-cs"/>
-            </a:endParaRPr>
+              <a:rPr lang="en-US" altLang="zh-CN" dirty="0"/>
+              <a:t>{Title}</a:t>
+            </a:r>
+            <a:endParaRPr lang="zh-CN" altLang="en-US" dirty="0"/>
           </a:p>
         </p:txBody>
       </p:sp>
@@ -3373,7 +3355,7 @@
           <p:cNvPr id="3" name="副标题 2">
             <a:extLst>
               <a:ext uri="{FF2B5EF4-FFF2-40B4-BE49-F238E27FC236}">
-                <a16:creationId xmlns:a16="http://schemas.microsoft.com/office/drawing/2014/main" id="{8B83BCED-D31D-4F80-89C0-0A834AA8D7D7}"/>
+                <a16:creationId xmlns:a16="http://schemas.microsoft.com/office/drawing/2014/main" id="{775E6482-405C-422C-8EF2-686E31B1E9CE}"/>
               </a:ext>
             </a:extLst>
           </p:cNvPr>
@@ -3386,14 +3368,104 @@
         </p:nvSpPr>
         <p:spPr/>
         <p:txBody>
-          <a:bodyPr>
-            <a:normAutofit/>
+          <a:bodyPr/>
+          <a:lstStyle/>
+          <a:p>
+            <a:r>
+              <a:rPr lang="en-US" altLang="zh-CN" dirty="0"/>
+              <a:t>{</a:t>
+            </a:r>
+            <a:r>
+              <a:rPr lang="en-US" altLang="zh-CN" dirty="0" err="1"/>
+              <a:t>subTitle</a:t>
+            </a:r>
+            <a:r>
+              <a:rPr lang="en-US" altLang="zh-CN" dirty="0"/>
+              <a:t>}</a:t>
+            </a:r>
+            <a:endParaRPr lang="zh-CN" altLang="en-US" dirty="0"/>
+          </a:p>
+        </p:txBody>
+      </p:sp>
+      <p:sp>
+        <p:nvSpPr>
+          <p:cNvPr id="4" name="文本框 3">
+            <a:extLst>
+              <a:ext uri="{FF2B5EF4-FFF2-40B4-BE49-F238E27FC236}">
+                <a16:creationId xmlns:a16="http://schemas.microsoft.com/office/drawing/2014/main" id="{0A432AED-A13B-4F92-AAE0-5A54EC75116A}"/>
+              </a:ext>
+            </a:extLst>
+          </p:cNvPr>
+          <p:cNvSpPr txBox="1"/>
+          <p:nvPr/>
+        </p:nvSpPr>
+        <p:spPr>
+          <a:xfrm>
+            <a:off x="7663543" y="580571"/>
+            <a:ext cx="2714171" cy="369332"/>
+          </a:xfrm>
+          <a:prstGeom prst="rect">
+            <a:avLst/>
+          </a:prstGeom>
+          <a:noFill/>
+        </p:spPr>
+        <p:txBody>
+          <a:bodyPr wrap="square" rtlCol="0">
+            <a:spAutoFit/>
           </a:bodyPr>
           <a:lstStyle/>
           <a:p>
             <a:r>
+              <a:rPr lang="en-US" altLang="zh-CN" dirty="0"/>
+              <a:t>{</a:t>
+            </a:r>
+            <a:r>
+              <a:rPr lang="en-US" altLang="zh-CN" dirty="0" err="1"/>
+              <a:t>reporterName</a:t>
+            </a:r>
+            <a:r>
+              <a:rPr lang="en-US" altLang="zh-CN" dirty="0"/>
+              <a:t>]</a:t>
+            </a:r>
+            <a:endParaRPr lang="zh-CN" altLang="en-US" dirty="0"/>
+          </a:p>
+        </p:txBody>
+      </p:sp>
+      <p:sp>
+        <p:nvSpPr>
+          <p:cNvPr id="5" name="文本框 4">
+            <a:extLst>
+              <a:ext uri="{FF2B5EF4-FFF2-40B4-BE49-F238E27FC236}">
+                <a16:creationId xmlns:a16="http://schemas.microsoft.com/office/drawing/2014/main" id="{D2BB382D-0575-4118-A60C-8B3E82D3E88F}"/>
+              </a:ext>
+            </a:extLst>
+          </p:cNvPr>
+          <p:cNvSpPr txBox="1"/>
+          <p:nvPr/>
+        </p:nvSpPr>
+        <p:spPr>
+          <a:xfrm>
+            <a:off x="696686" y="408111"/>
+            <a:ext cx="2307771" cy="369332"/>
+          </a:xfrm>
+          <a:prstGeom prst="rect">
+            <a:avLst/>
+          </a:prstGeom>
+          <a:noFill/>
+        </p:spPr>
+        <p:txBody>
+          <a:bodyPr wrap="square" rtlCol="0">
+            <a:spAutoFit/>
+          </a:bodyPr>
+          <a:lstStyle/>
+          <a:p>
+            <a:r>
+              <a:rPr lang="en-US" altLang="zh-CN" dirty="0"/>
+              <a:t>{</a:t>
+            </a:r>
+            <a:r>
               <a:rPr lang="en-US" altLang="zh-CN"/>
-              <a:t>month</a:t>
+              <a:t>reportTime}</a:t>
             </a:r>
             <a:endParaRPr lang="zh-CN" altLang="en-US" dirty="0"/>
           </a:p>
@@ -3402,167 +3474,7 @@
     </p:spTree>
     <p:extLst>
       <p:ext uri="{BB962C8B-B14F-4D97-AF65-F5344CB8AC3E}">
-        <p14:creationId xmlns:p14="http://schemas.microsoft.com/office/powerpoint/2010/main" val="2915729019"/>
-      </p:ext>
-    </p:extLst>
-  </p:cSld>
-  <p:clrMapOvr>
-    <a:masterClrMapping/>
-  </p:clrMapOvr>
-</p:sld>
-</file>
-
-<file path=ppt/slides/slide2.xml><?xml version="1.0" encoding="utf-8"?>
-<p:sld xmlns:a="http://schemas.openxmlformats.org/drawingml/2006/main" xmlns:r="http://schemas.openxmlformats.org/officeDocument/2006/relationships" xmlns:p="http://schemas.openxmlformats.org/presentationml/2006/main">
-  <p:cSld>
-    <p:spTree>
-      <p:nvGrpSpPr>
-        <p:cNvPr id="1" name=""/>
-        <p:cNvGrpSpPr/>
-        <p:nvPr/>
-      </p:nvGrpSpPr>
-      <p:grpSpPr>
-        <a:xfrm>
-          <a:off x="0" y="0"/>
-          <a:ext cx="0" cy="0"/>
-          <a:chOff x="0" y="0"/>
-          <a:chExt cx="0" cy="0"/>
-        </a:xfrm>
-      </p:grpSpPr>
-      <p:sp>
-        <p:nvSpPr>
-          <p:cNvPr id="2" name="标题 1">
-            <a:extLst>
-              <a:ext uri="{FF2B5EF4-FFF2-40B4-BE49-F238E27FC236}">
-                <a16:creationId xmlns:a16="http://schemas.microsoft.com/office/drawing/2014/main" id="{94292086-30DE-42E8-83B6-7C26EED4A8F3}"/>
-              </a:ext>
-            </a:extLst>
-          </p:cNvPr>
-          <p:cNvSpPr>
-            <a:spLocks noGrp="1"/>
-          </p:cNvSpPr>
-          <p:nvPr>
-            <p:ph type="title"/>
-          </p:nvPr>
-        </p:nvSpPr>
-        <p:spPr/>
-        <p:txBody>
-          <a:bodyPr/>
-          <a:lstStyle/>
-          <a:p>
-            <a:endParaRPr lang="zh-CN" altLang="en-US"/>
-          </a:p>
-        </p:txBody>
-      </p:sp>
-      <p:sp>
-        <p:nvSpPr>
-          <p:cNvPr id="3" name="内容占位符 2">
-            <a:extLst>
-              <a:ext uri="{FF2B5EF4-FFF2-40B4-BE49-F238E27FC236}">
-                <a16:creationId xmlns:a16="http://schemas.microsoft.com/office/drawing/2014/main" id="{C9068AE1-73CE-4453-B049-DD2BE72BDA90}"/>
-              </a:ext>
-            </a:extLst>
-          </p:cNvPr>
-          <p:cNvSpPr>
-            <a:spLocks noGrp="1"/>
-          </p:cNvSpPr>
-          <p:nvPr>
-            <p:ph idx="1"/>
-          </p:nvPr>
-        </p:nvSpPr>
-        <p:spPr/>
-        <p:txBody>
-          <a:bodyPr/>
-          <a:lstStyle/>
-          <a:p>
-            <a:endParaRPr lang="zh-CN" altLang="en-US"/>
-          </a:p>
-        </p:txBody>
-      </p:sp>
-    </p:spTree>
-    <p:extLst>
-      <p:ext uri="{BB962C8B-B14F-4D97-AF65-F5344CB8AC3E}">
-        <p14:creationId xmlns:p14="http://schemas.microsoft.com/office/powerpoint/2010/main" val="794037637"/>
-      </p:ext>
-    </p:extLst>
-  </p:cSld>
-  <p:clrMapOvr>
-    <a:masterClrMapping/>
-  </p:clrMapOvr>
-</p:sld>
-</file>
-
-<file path=ppt/slides/slide3.xml><?xml version="1.0" encoding="utf-8"?>
-<p:sld xmlns:a="http://schemas.openxmlformats.org/drawingml/2006/main" xmlns:r="http://schemas.openxmlformats.org/officeDocument/2006/relationships" xmlns:p="http://schemas.openxmlformats.org/presentationml/2006/main">
-  <p:cSld>
-    <p:spTree>
-      <p:nvGrpSpPr>
-        <p:cNvPr id="1" name=""/>
-        <p:cNvGrpSpPr/>
-        <p:nvPr/>
-      </p:nvGrpSpPr>
-      <p:grpSpPr>
-        <a:xfrm>
-          <a:off x="0" y="0"/>
-          <a:ext cx="0" cy="0"/>
-          <a:chOff x="0" y="0"/>
-          <a:chExt cx="0" cy="0"/>
-        </a:xfrm>
-      </p:grpSpPr>
-      <p:sp>
-        <p:nvSpPr>
-          <p:cNvPr id="2" name="标题 1">
-            <a:extLst>
-              <a:ext uri="{FF2B5EF4-FFF2-40B4-BE49-F238E27FC236}">
-                <a16:creationId xmlns:a16="http://schemas.microsoft.com/office/drawing/2014/main" id="{EDB3F2BB-D83D-4C4A-AD6F-A77698335C48}"/>
-              </a:ext>
-            </a:extLst>
-          </p:cNvPr>
-          <p:cNvSpPr>
-            <a:spLocks noGrp="1"/>
-          </p:cNvSpPr>
-          <p:nvPr>
-            <p:ph type="title"/>
-          </p:nvPr>
-        </p:nvSpPr>
-        <p:spPr/>
-        <p:txBody>
-          <a:bodyPr/>
-          <a:lstStyle/>
-          <a:p>
-            <a:endParaRPr lang="zh-CN" altLang="en-US"/>
-          </a:p>
-        </p:txBody>
-      </p:sp>
-      <p:sp>
-        <p:nvSpPr>
-          <p:cNvPr id="3" name="内容占位符 2">
-            <a:extLst>
-              <a:ext uri="{FF2B5EF4-FFF2-40B4-BE49-F238E27FC236}">
-                <a16:creationId xmlns:a16="http://schemas.microsoft.com/office/drawing/2014/main" id="{87CF40C3-7451-4E74-9663-61AB672EA64C}"/>
-              </a:ext>
-            </a:extLst>
-          </p:cNvPr>
-          <p:cNvSpPr>
-            <a:spLocks noGrp="1"/>
-          </p:cNvSpPr>
-          <p:nvPr>
-            <p:ph idx="1"/>
-          </p:nvPr>
-        </p:nvSpPr>
-        <p:spPr/>
-        <p:txBody>
-          <a:bodyPr/>
-          <a:lstStyle/>
-          <a:p>
-            <a:endParaRPr lang="zh-CN" altLang="en-US"/>
-          </a:p>
-        </p:txBody>
-      </p:sp>
-    </p:spTree>
-    <p:extLst>
-      <p:ext uri="{BB962C8B-B14F-4D97-AF65-F5344CB8AC3E}">
-        <p14:creationId xmlns:p14="http://schemas.microsoft.com/office/powerpoint/2010/main" val="1400318115"/>
+        <p14:creationId xmlns:p14="http://schemas.microsoft.com/office/powerpoint/2010/main" val="3966197621"/>
       </p:ext>
     </p:extLst>
   </p:cSld>

--- a/src/main/resources/static/pptTemplate/template.pptx
+++ b/src/main/resources/static/pptTemplate/template.pptx
@@ -6,6 +6,8 @@
   </p:sldMasterIdLst>
   <p:sldIdLst>
     <p:sldId id="256" r:id="rId2"/>
+    <p:sldId id="257" r:id="rId3"/>
+    <p:sldId id="258" r:id="rId4"/>
   </p:sldIdLst>
   <p:sldSz cx="12192000" cy="6858000"/>
   <p:notesSz cx="6858000" cy="9144000"/>
@@ -104,6 +106,11 @@
       </a:defRPr>
     </a:lvl9pPr>
   </p:defaultTextStyle>
+  <p:extLst>
+    <p:ext uri="{EFAFB233-063F-42B5-8137-9DF3F51BA10A}">
+      <p15:sldGuideLst xmlns:p15="http://schemas.microsoft.com/office/powerpoint/2012/main"/>
+    </p:ext>
+  </p:extLst>
 </p:presentation>
 </file>
 
@@ -254,7 +261,7 @@
           <a:p>
             <a:fld id="{8393F7AF-7156-4B7B-87D0-9E2AC93B7B70}" type="datetimeFigureOut">
               <a:rPr lang="zh-CN" altLang="en-US" smtClean="0"/>
-              <a:t>2020/3/27</a:t>
+              <a:t>2020/3/28</a:t>
             </a:fld>
             <a:endParaRPr lang="zh-CN" altLang="en-US"/>
           </a:p>
@@ -452,7 +459,7 @@
           <a:p>
             <a:fld id="{8393F7AF-7156-4B7B-87D0-9E2AC93B7B70}" type="datetimeFigureOut">
               <a:rPr lang="zh-CN" altLang="en-US" smtClean="0"/>
-              <a:t>2020/3/27</a:t>
+              <a:t>2020/3/28</a:t>
             </a:fld>
             <a:endParaRPr lang="zh-CN" altLang="en-US"/>
           </a:p>
@@ -660,7 +667,7 @@
           <a:p>
             <a:fld id="{8393F7AF-7156-4B7B-87D0-9E2AC93B7B70}" type="datetimeFigureOut">
               <a:rPr lang="zh-CN" altLang="en-US" smtClean="0"/>
-              <a:t>2020/3/27</a:t>
+              <a:t>2020/3/28</a:t>
             </a:fld>
             <a:endParaRPr lang="zh-CN" altLang="en-US"/>
           </a:p>
@@ -858,7 +865,7 @@
           <a:p>
             <a:fld id="{8393F7AF-7156-4B7B-87D0-9E2AC93B7B70}" type="datetimeFigureOut">
               <a:rPr lang="zh-CN" altLang="en-US" smtClean="0"/>
-              <a:t>2020/3/27</a:t>
+              <a:t>2020/3/28</a:t>
             </a:fld>
             <a:endParaRPr lang="zh-CN" altLang="en-US"/>
           </a:p>
@@ -1133,7 +1140,7 @@
           <a:p>
             <a:fld id="{8393F7AF-7156-4B7B-87D0-9E2AC93B7B70}" type="datetimeFigureOut">
               <a:rPr lang="zh-CN" altLang="en-US" smtClean="0"/>
-              <a:t>2020/3/27</a:t>
+              <a:t>2020/3/28</a:t>
             </a:fld>
             <a:endParaRPr lang="zh-CN" altLang="en-US"/>
           </a:p>
@@ -1398,7 +1405,7 @@
           <a:p>
             <a:fld id="{8393F7AF-7156-4B7B-87D0-9E2AC93B7B70}" type="datetimeFigureOut">
               <a:rPr lang="zh-CN" altLang="en-US" smtClean="0"/>
-              <a:t>2020/3/27</a:t>
+              <a:t>2020/3/28</a:t>
             </a:fld>
             <a:endParaRPr lang="zh-CN" altLang="en-US"/>
           </a:p>
@@ -1810,7 +1817,7 @@
           <a:p>
             <a:fld id="{8393F7AF-7156-4B7B-87D0-9E2AC93B7B70}" type="datetimeFigureOut">
               <a:rPr lang="zh-CN" altLang="en-US" smtClean="0"/>
-              <a:t>2020/3/27</a:t>
+              <a:t>2020/3/28</a:t>
             </a:fld>
             <a:endParaRPr lang="zh-CN" altLang="en-US"/>
           </a:p>
@@ -1951,7 +1958,7 @@
           <a:p>
             <a:fld id="{8393F7AF-7156-4B7B-87D0-9E2AC93B7B70}" type="datetimeFigureOut">
               <a:rPr lang="zh-CN" altLang="en-US" smtClean="0"/>
-              <a:t>2020/3/27</a:t>
+              <a:t>2020/3/28</a:t>
             </a:fld>
             <a:endParaRPr lang="zh-CN" altLang="en-US"/>
           </a:p>
@@ -2064,7 +2071,7 @@
           <a:p>
             <a:fld id="{8393F7AF-7156-4B7B-87D0-9E2AC93B7B70}" type="datetimeFigureOut">
               <a:rPr lang="zh-CN" altLang="en-US" smtClean="0"/>
-              <a:t>2020/3/27</a:t>
+              <a:t>2020/3/28</a:t>
             </a:fld>
             <a:endParaRPr lang="zh-CN" altLang="en-US"/>
           </a:p>
@@ -2375,7 +2382,7 @@
           <a:p>
             <a:fld id="{8393F7AF-7156-4B7B-87D0-9E2AC93B7B70}" type="datetimeFigureOut">
               <a:rPr lang="zh-CN" altLang="en-US" smtClean="0"/>
-              <a:t>2020/3/27</a:t>
+              <a:t>2020/3/28</a:t>
             </a:fld>
             <a:endParaRPr lang="zh-CN" altLang="en-US"/>
           </a:p>
@@ -2663,7 +2670,7 @@
           <a:p>
             <a:fld id="{8393F7AF-7156-4B7B-87D0-9E2AC93B7B70}" type="datetimeFigureOut">
               <a:rPr lang="zh-CN" altLang="en-US" smtClean="0"/>
-              <a:t>2020/3/27</a:t>
+              <a:t>2020/3/28</a:t>
             </a:fld>
             <a:endParaRPr lang="zh-CN" altLang="en-US"/>
           </a:p>
@@ -2904,7 +2911,7 @@
           <a:p>
             <a:fld id="{8393F7AF-7156-4B7B-87D0-9E2AC93B7B70}" type="datetimeFigureOut">
               <a:rPr lang="zh-CN" altLang="en-US" smtClean="0"/>
-              <a:t>2020/3/27</a:t>
+              <a:t>2020/3/28</a:t>
             </a:fld>
             <a:endParaRPr lang="zh-CN" altLang="en-US"/>
           </a:p>
@@ -3425,7 +3432,7 @@
             </a:r>
             <a:r>
               <a:rPr lang="en-US" altLang="zh-CN" dirty="0"/>
-              <a:t>]</a:t>
+              <a:t>}</a:t>
             </a:r>
             <a:endParaRPr lang="zh-CN" altLang="en-US" dirty="0"/>
           </a:p>
@@ -3475,6 +3482,266 @@
     <p:extLst>
       <p:ext uri="{BB962C8B-B14F-4D97-AF65-F5344CB8AC3E}">
         <p14:creationId xmlns:p14="http://schemas.microsoft.com/office/powerpoint/2010/main" val="3966197621"/>
+      </p:ext>
+    </p:extLst>
+  </p:cSld>
+  <p:clrMapOvr>
+    <a:masterClrMapping/>
+  </p:clrMapOvr>
+</p:sld>
+</file>
+
+<file path=ppt/slides/slide2.xml><?xml version="1.0" encoding="utf-8"?>
+<p:sld xmlns:a="http://schemas.openxmlformats.org/drawingml/2006/main" xmlns:r="http://schemas.openxmlformats.org/officeDocument/2006/relationships" xmlns:p="http://schemas.openxmlformats.org/presentationml/2006/main">
+  <p:cSld>
+    <p:spTree>
+      <p:nvGrpSpPr>
+        <p:cNvPr id="1" name=""/>
+        <p:cNvGrpSpPr/>
+        <p:nvPr/>
+      </p:nvGrpSpPr>
+      <p:grpSpPr>
+        <a:xfrm>
+          <a:off x="0" y="0"/>
+          <a:ext cx="0" cy="0"/>
+          <a:chOff x="0" y="0"/>
+          <a:chExt cx="0" cy="0"/>
+        </a:xfrm>
+      </p:grpSpPr>
+      <p:sp>
+        <p:nvSpPr>
+          <p:cNvPr id="2" name="标题 1">
+            <a:extLst>
+              <a:ext uri="{FF2B5EF4-FFF2-40B4-BE49-F238E27FC236}">
+                <a16:creationId xmlns:a16="http://schemas.microsoft.com/office/drawing/2014/main" id="{A093CE61-4A1B-44B4-AB90-59D4A07E04A9}"/>
+              </a:ext>
+            </a:extLst>
+          </p:cNvPr>
+          <p:cNvSpPr>
+            <a:spLocks noGrp="1"/>
+          </p:cNvSpPr>
+          <p:nvPr>
+            <p:ph type="title"/>
+          </p:nvPr>
+        </p:nvSpPr>
+        <p:spPr/>
+        <p:txBody>
+          <a:bodyPr/>
+          <a:lstStyle/>
+          <a:p>
+            <a:endParaRPr lang="zh-CN" altLang="en-US"/>
+          </a:p>
+        </p:txBody>
+      </p:sp>
+      <p:sp>
+        <p:nvSpPr>
+          <p:cNvPr id="3" name="内容占位符 2">
+            <a:extLst>
+              <a:ext uri="{FF2B5EF4-FFF2-40B4-BE49-F238E27FC236}">
+                <a16:creationId xmlns:a16="http://schemas.microsoft.com/office/drawing/2014/main" id="{CEB8A69C-2C54-4071-AA0F-75F8C68511FB}"/>
+              </a:ext>
+            </a:extLst>
+          </p:cNvPr>
+          <p:cNvSpPr>
+            <a:spLocks noGrp="1"/>
+          </p:cNvSpPr>
+          <p:nvPr>
+            <p:ph idx="1"/>
+          </p:nvPr>
+        </p:nvSpPr>
+        <p:spPr/>
+        <p:txBody>
+          <a:bodyPr/>
+          <a:lstStyle/>
+          <a:p>
+            <a:endParaRPr lang="zh-CN" altLang="en-US"/>
+          </a:p>
+        </p:txBody>
+      </p:sp>
+    </p:spTree>
+    <p:extLst>
+      <p:ext uri="{BB962C8B-B14F-4D97-AF65-F5344CB8AC3E}">
+        <p14:creationId xmlns:p14="http://schemas.microsoft.com/office/powerpoint/2010/main" val="4291417307"/>
+      </p:ext>
+    </p:extLst>
+  </p:cSld>
+  <p:clrMapOvr>
+    <a:masterClrMapping/>
+  </p:clrMapOvr>
+</p:sld>
+</file>
+
+<file path=ppt/slides/slide3.xml><?xml version="1.0" encoding="utf-8"?>
+<p:sld xmlns:a="http://schemas.openxmlformats.org/drawingml/2006/main" xmlns:r="http://schemas.openxmlformats.org/officeDocument/2006/relationships" xmlns:p="http://schemas.openxmlformats.org/presentationml/2006/main">
+  <p:cSld>
+    <p:spTree>
+      <p:nvGrpSpPr>
+        <p:cNvPr id="1" name=""/>
+        <p:cNvGrpSpPr/>
+        <p:nvPr/>
+      </p:nvGrpSpPr>
+      <p:grpSpPr>
+        <a:xfrm>
+          <a:off x="0" y="0"/>
+          <a:ext cx="0" cy="0"/>
+          <a:chOff x="0" y="0"/>
+          <a:chExt cx="0" cy="0"/>
+        </a:xfrm>
+      </p:grpSpPr>
+      <p:sp>
+        <p:nvSpPr>
+          <p:cNvPr id="2" name="标题 1">
+            <a:extLst>
+              <a:ext uri="{FF2B5EF4-FFF2-40B4-BE49-F238E27FC236}">
+                <a16:creationId xmlns:a16="http://schemas.microsoft.com/office/drawing/2014/main" id="{73BFEBDE-3657-4820-88E9-C7FEFBFBA85F}"/>
+              </a:ext>
+            </a:extLst>
+          </p:cNvPr>
+          <p:cNvSpPr>
+            <a:spLocks noGrp="1"/>
+          </p:cNvSpPr>
+          <p:nvPr>
+            <p:ph type="ctrTitle"/>
+          </p:nvPr>
+        </p:nvSpPr>
+        <p:spPr/>
+        <p:txBody>
+          <a:bodyPr/>
+          <a:lstStyle/>
+          <a:p>
+            <a:r>
+              <a:rPr lang="en-US" altLang="zh-CN" dirty="0"/>
+              <a:t>{Title}</a:t>
+            </a:r>
+            <a:endParaRPr lang="zh-CN" altLang="en-US" dirty="0"/>
+          </a:p>
+        </p:txBody>
+      </p:sp>
+      <p:sp>
+        <p:nvSpPr>
+          <p:cNvPr id="3" name="副标题 2">
+            <a:extLst>
+              <a:ext uri="{FF2B5EF4-FFF2-40B4-BE49-F238E27FC236}">
+                <a16:creationId xmlns:a16="http://schemas.microsoft.com/office/drawing/2014/main" id="{775E6482-405C-422C-8EF2-686E31B1E9CE}"/>
+              </a:ext>
+            </a:extLst>
+          </p:cNvPr>
+          <p:cNvSpPr>
+            <a:spLocks noGrp="1"/>
+          </p:cNvSpPr>
+          <p:nvPr>
+            <p:ph type="subTitle" idx="1"/>
+          </p:nvPr>
+        </p:nvSpPr>
+        <p:spPr/>
+        <p:txBody>
+          <a:bodyPr/>
+          <a:lstStyle/>
+          <a:p>
+            <a:r>
+              <a:rPr lang="en-US" altLang="zh-CN" dirty="0"/>
+              <a:t>{</a:t>
+            </a:r>
+            <a:r>
+              <a:rPr lang="en-US" altLang="zh-CN" dirty="0" err="1"/>
+              <a:t>subTitle</a:t>
+            </a:r>
+            <a:r>
+              <a:rPr lang="en-US" altLang="zh-CN" dirty="0"/>
+              <a:t>}</a:t>
+            </a:r>
+            <a:endParaRPr lang="zh-CN" altLang="en-US" dirty="0"/>
+          </a:p>
+        </p:txBody>
+      </p:sp>
+      <p:sp>
+        <p:nvSpPr>
+          <p:cNvPr id="4" name="文本框 3">
+            <a:extLst>
+              <a:ext uri="{FF2B5EF4-FFF2-40B4-BE49-F238E27FC236}">
+                <a16:creationId xmlns:a16="http://schemas.microsoft.com/office/drawing/2014/main" id="{0A432AED-A13B-4F92-AAE0-5A54EC75116A}"/>
+              </a:ext>
+            </a:extLst>
+          </p:cNvPr>
+          <p:cNvSpPr txBox="1"/>
+          <p:nvPr/>
+        </p:nvSpPr>
+        <p:spPr>
+          <a:xfrm>
+            <a:off x="7663543" y="580571"/>
+            <a:ext cx="2714171" cy="369332"/>
+          </a:xfrm>
+          <a:prstGeom prst="rect">
+            <a:avLst/>
+          </a:prstGeom>
+          <a:noFill/>
+        </p:spPr>
+        <p:txBody>
+          <a:bodyPr wrap="square" rtlCol="0">
+            <a:spAutoFit/>
+          </a:bodyPr>
+          <a:lstStyle/>
+          <a:p>
+            <a:r>
+              <a:rPr lang="en-US" altLang="zh-CN" dirty="0"/>
+              <a:t>{</a:t>
+            </a:r>
+            <a:r>
+              <a:rPr lang="en-US" altLang="zh-CN" dirty="0" err="1"/>
+              <a:t>reporterName</a:t>
+            </a:r>
+            <a:r>
+              <a:rPr lang="en-US" altLang="zh-CN" dirty="0"/>
+              <a:t>]</a:t>
+            </a:r>
+            <a:endParaRPr lang="zh-CN" altLang="en-US" dirty="0"/>
+          </a:p>
+        </p:txBody>
+      </p:sp>
+      <p:sp>
+        <p:nvSpPr>
+          <p:cNvPr id="5" name="文本框 4">
+            <a:extLst>
+              <a:ext uri="{FF2B5EF4-FFF2-40B4-BE49-F238E27FC236}">
+                <a16:creationId xmlns:a16="http://schemas.microsoft.com/office/drawing/2014/main" id="{D2BB382D-0575-4118-A60C-8B3E82D3E88F}"/>
+              </a:ext>
+            </a:extLst>
+          </p:cNvPr>
+          <p:cNvSpPr txBox="1"/>
+          <p:nvPr/>
+        </p:nvSpPr>
+        <p:spPr>
+          <a:xfrm>
+            <a:off x="696686" y="408111"/>
+            <a:ext cx="2307771" cy="369332"/>
+          </a:xfrm>
+          <a:prstGeom prst="rect">
+            <a:avLst/>
+          </a:prstGeom>
+          <a:noFill/>
+        </p:spPr>
+        <p:txBody>
+          <a:bodyPr wrap="square" rtlCol="0">
+            <a:spAutoFit/>
+          </a:bodyPr>
+          <a:lstStyle/>
+          <a:p>
+            <a:r>
+              <a:rPr lang="en-US" altLang="zh-CN" dirty="0"/>
+              <a:t>{</a:t>
+            </a:r>
+            <a:r>
+              <a:rPr lang="en-US" altLang="zh-CN"/>
+              <a:t>reportTime}</a:t>
+            </a:r>
+            <a:endParaRPr lang="zh-CN" altLang="en-US" dirty="0"/>
+          </a:p>
+        </p:txBody>
+      </p:sp>
+    </p:spTree>
+    <p:extLst>
+      <p:ext uri="{BB962C8B-B14F-4D97-AF65-F5344CB8AC3E}">
+        <p14:creationId xmlns:p14="http://schemas.microsoft.com/office/powerpoint/2010/main" val="715344168"/>
       </p:ext>
     </p:extLst>
   </p:cSld>

--- a/src/main/resources/static/pptTemplate/template.pptx
+++ b/src/main/resources/static/pptTemplate/template.pptx
@@ -7,7 +7,6 @@
   <p:sldIdLst>
     <p:sldId id="256" r:id="rId2"/>
     <p:sldId id="257" r:id="rId3"/>
-    <p:sldId id="258" r:id="rId4"/>
   </p:sldIdLst>
   <p:sldSz cx="12192000" cy="6858000"/>
   <p:notesSz cx="6858000" cy="9144000"/>
@@ -106,11 +105,6 @@
       </a:defRPr>
     </a:lvl9pPr>
   </p:defaultTextStyle>
-  <p:extLst>
-    <p:ext uri="{EFAFB233-063F-42B5-8137-9DF3F51BA10A}">
-      <p15:sldGuideLst xmlns:p15="http://schemas.microsoft.com/office/powerpoint/2012/main"/>
-    </p:ext>
-  </p:extLst>
 </p:presentation>
 </file>
 
@@ -136,7 +130,7 @@
           <p:cNvPr id="2" name="标题 1">
             <a:extLst>
               <a:ext uri="{FF2B5EF4-FFF2-40B4-BE49-F238E27FC236}">
-                <a16:creationId xmlns:a16="http://schemas.microsoft.com/office/drawing/2014/main" id="{B5BBE286-7C6A-4BD6-9F46-AAF04CA9B5D6}"/>
+                <a16:creationId xmlns:a16="http://schemas.microsoft.com/office/drawing/2014/main" id="{63D3576D-AD6D-416B-BD51-744643C71441}"/>
               </a:ext>
             </a:extLst>
           </p:cNvPr>
@@ -173,7 +167,7 @@
           <p:cNvPr id="3" name="副标题 2">
             <a:extLst>
               <a:ext uri="{FF2B5EF4-FFF2-40B4-BE49-F238E27FC236}">
-                <a16:creationId xmlns:a16="http://schemas.microsoft.com/office/drawing/2014/main" id="{0CF2ECDE-952A-494C-96A6-0DC7170F86A7}"/>
+                <a16:creationId xmlns:a16="http://schemas.microsoft.com/office/drawing/2014/main" id="{6B2E4248-1A04-4597-9BE0-24B20791233B}"/>
               </a:ext>
             </a:extLst>
           </p:cNvPr>
@@ -243,7 +237,7 @@
           <p:cNvPr id="4" name="日期占位符 3">
             <a:extLst>
               <a:ext uri="{FF2B5EF4-FFF2-40B4-BE49-F238E27FC236}">
-                <a16:creationId xmlns:a16="http://schemas.microsoft.com/office/drawing/2014/main" id="{857D44A9-B9A3-43E6-BF8D-BEDCEF5A1F10}"/>
+                <a16:creationId xmlns:a16="http://schemas.microsoft.com/office/drawing/2014/main" id="{204543D2-C0AD-45C0-9CEC-72BD8584EF6D}"/>
               </a:ext>
             </a:extLst>
           </p:cNvPr>
@@ -259,9 +253,9 @@
           <a:bodyPr/>
           <a:lstStyle/>
           <a:p>
-            <a:fld id="{8393F7AF-7156-4B7B-87D0-9E2AC93B7B70}" type="datetimeFigureOut">
+            <a:fld id="{B3A0F2A9-99ED-490C-AA97-EC1E691D2C6F}" type="datetimeFigureOut">
               <a:rPr lang="zh-CN" altLang="en-US" smtClean="0"/>
-              <a:t>2020/3/28</a:t>
+              <a:t>2020/3/29</a:t>
             </a:fld>
             <a:endParaRPr lang="zh-CN" altLang="en-US"/>
           </a:p>
@@ -272,7 +266,7 @@
           <p:cNvPr id="5" name="页脚占位符 4">
             <a:extLst>
               <a:ext uri="{FF2B5EF4-FFF2-40B4-BE49-F238E27FC236}">
-                <a16:creationId xmlns:a16="http://schemas.microsoft.com/office/drawing/2014/main" id="{40F65EA6-54FC-4E35-9E18-F81AC3067C0F}"/>
+                <a16:creationId xmlns:a16="http://schemas.microsoft.com/office/drawing/2014/main" id="{3343BAE9-D4A5-4886-A20D-1C15748741B6}"/>
               </a:ext>
             </a:extLst>
           </p:cNvPr>
@@ -297,7 +291,7 @@
           <p:cNvPr id="6" name="灯片编号占位符 5">
             <a:extLst>
               <a:ext uri="{FF2B5EF4-FFF2-40B4-BE49-F238E27FC236}">
-                <a16:creationId xmlns:a16="http://schemas.microsoft.com/office/drawing/2014/main" id="{33424426-95B4-494D-82FA-97FB195482DA}"/>
+                <a16:creationId xmlns:a16="http://schemas.microsoft.com/office/drawing/2014/main" id="{684D57DA-4BE5-49B2-8A88-65AA2EA8DEFB}"/>
               </a:ext>
             </a:extLst>
           </p:cNvPr>
@@ -313,7 +307,7 @@
           <a:bodyPr/>
           <a:lstStyle/>
           <a:p>
-            <a:fld id="{CB578167-AE5F-4248-981E-BAD16E47641D}" type="slidenum">
+            <a:fld id="{DE8F7920-6721-499E-9948-AF5D9525FBB4}" type="slidenum">
               <a:rPr lang="zh-CN" altLang="en-US" smtClean="0"/>
               <a:t>‹#›</a:t>
             </a:fld>
@@ -324,7 +318,7 @@
     </p:spTree>
     <p:extLst>
       <p:ext uri="{BB962C8B-B14F-4D97-AF65-F5344CB8AC3E}">
-        <p14:creationId xmlns:p14="http://schemas.microsoft.com/office/powerpoint/2010/main" val="1073934968"/>
+        <p14:creationId xmlns:p14="http://schemas.microsoft.com/office/powerpoint/2010/main" val="903063202"/>
       </p:ext>
     </p:extLst>
   </p:cSld>
@@ -356,7 +350,7 @@
           <p:cNvPr id="2" name="标题 1">
             <a:extLst>
               <a:ext uri="{FF2B5EF4-FFF2-40B4-BE49-F238E27FC236}">
-                <a16:creationId xmlns:a16="http://schemas.microsoft.com/office/drawing/2014/main" id="{3F720A69-7ED2-423B-9EA0-62B8E60F1E66}"/>
+                <a16:creationId xmlns:a16="http://schemas.microsoft.com/office/drawing/2014/main" id="{8BA0C2EA-8CE6-4E04-A400-FC5B15BE1E8D}"/>
               </a:ext>
             </a:extLst>
           </p:cNvPr>
@@ -384,7 +378,7 @@
           <p:cNvPr id="3" name="竖排文字占位符 2">
             <a:extLst>
               <a:ext uri="{FF2B5EF4-FFF2-40B4-BE49-F238E27FC236}">
-                <a16:creationId xmlns:a16="http://schemas.microsoft.com/office/drawing/2014/main" id="{8F8DCDDB-98B6-4DAB-B521-0CCCE43856A1}"/>
+                <a16:creationId xmlns:a16="http://schemas.microsoft.com/office/drawing/2014/main" id="{8D267263-4AEA-4209-BED3-C2BE2C57BD1D}"/>
               </a:ext>
             </a:extLst>
           </p:cNvPr>
@@ -441,7 +435,7 @@
           <p:cNvPr id="4" name="日期占位符 3">
             <a:extLst>
               <a:ext uri="{FF2B5EF4-FFF2-40B4-BE49-F238E27FC236}">
-                <a16:creationId xmlns:a16="http://schemas.microsoft.com/office/drawing/2014/main" id="{728CA0EB-FC6F-4CA7-B531-43A32E62A7FB}"/>
+                <a16:creationId xmlns:a16="http://schemas.microsoft.com/office/drawing/2014/main" id="{4C2A01E2-4F49-48FA-9C24-993E73839B6B}"/>
               </a:ext>
             </a:extLst>
           </p:cNvPr>
@@ -457,9 +451,9 @@
           <a:bodyPr/>
           <a:lstStyle/>
           <a:p>
-            <a:fld id="{8393F7AF-7156-4B7B-87D0-9E2AC93B7B70}" type="datetimeFigureOut">
+            <a:fld id="{B3A0F2A9-99ED-490C-AA97-EC1E691D2C6F}" type="datetimeFigureOut">
               <a:rPr lang="zh-CN" altLang="en-US" smtClean="0"/>
-              <a:t>2020/3/28</a:t>
+              <a:t>2020/3/29</a:t>
             </a:fld>
             <a:endParaRPr lang="zh-CN" altLang="en-US"/>
           </a:p>
@@ -470,7 +464,7 @@
           <p:cNvPr id="5" name="页脚占位符 4">
             <a:extLst>
               <a:ext uri="{FF2B5EF4-FFF2-40B4-BE49-F238E27FC236}">
-                <a16:creationId xmlns:a16="http://schemas.microsoft.com/office/drawing/2014/main" id="{38FF5792-D3D2-4CD5-946A-64B6192E204E}"/>
+                <a16:creationId xmlns:a16="http://schemas.microsoft.com/office/drawing/2014/main" id="{91632C62-060A-4B3F-A124-B0E05FA7B04E}"/>
               </a:ext>
             </a:extLst>
           </p:cNvPr>
@@ -495,7 +489,7 @@
           <p:cNvPr id="6" name="灯片编号占位符 5">
             <a:extLst>
               <a:ext uri="{FF2B5EF4-FFF2-40B4-BE49-F238E27FC236}">
-                <a16:creationId xmlns:a16="http://schemas.microsoft.com/office/drawing/2014/main" id="{361DFD4D-89B0-49B6-BF8B-9C14FCE98D56}"/>
+                <a16:creationId xmlns:a16="http://schemas.microsoft.com/office/drawing/2014/main" id="{186F9054-2316-47F3-8B31-39E3FC597493}"/>
               </a:ext>
             </a:extLst>
           </p:cNvPr>
@@ -511,7 +505,7 @@
           <a:bodyPr/>
           <a:lstStyle/>
           <a:p>
-            <a:fld id="{CB578167-AE5F-4248-981E-BAD16E47641D}" type="slidenum">
+            <a:fld id="{DE8F7920-6721-499E-9948-AF5D9525FBB4}" type="slidenum">
               <a:rPr lang="zh-CN" altLang="en-US" smtClean="0"/>
               <a:t>‹#›</a:t>
             </a:fld>
@@ -522,7 +516,7 @@
     </p:spTree>
     <p:extLst>
       <p:ext uri="{BB962C8B-B14F-4D97-AF65-F5344CB8AC3E}">
-        <p14:creationId xmlns:p14="http://schemas.microsoft.com/office/powerpoint/2010/main" val="1092674460"/>
+        <p14:creationId xmlns:p14="http://schemas.microsoft.com/office/powerpoint/2010/main" val="2286657779"/>
       </p:ext>
     </p:extLst>
   </p:cSld>
@@ -554,7 +548,7 @@
           <p:cNvPr id="2" name="竖排标题 1">
             <a:extLst>
               <a:ext uri="{FF2B5EF4-FFF2-40B4-BE49-F238E27FC236}">
-                <a16:creationId xmlns:a16="http://schemas.microsoft.com/office/drawing/2014/main" id="{C1308325-9CC2-49BB-A45D-B59824F66E8D}"/>
+                <a16:creationId xmlns:a16="http://schemas.microsoft.com/office/drawing/2014/main" id="{DED4162D-C652-4005-93FC-3A30409D5400}"/>
               </a:ext>
             </a:extLst>
           </p:cNvPr>
@@ -587,7 +581,7 @@
           <p:cNvPr id="3" name="竖排文字占位符 2">
             <a:extLst>
               <a:ext uri="{FF2B5EF4-FFF2-40B4-BE49-F238E27FC236}">
-                <a16:creationId xmlns:a16="http://schemas.microsoft.com/office/drawing/2014/main" id="{AE4A75AD-C889-4816-B085-D44118A978B1}"/>
+                <a16:creationId xmlns:a16="http://schemas.microsoft.com/office/drawing/2014/main" id="{5B8E637D-6F5E-4365-929D-34003CCD145E}"/>
               </a:ext>
             </a:extLst>
           </p:cNvPr>
@@ -649,7 +643,7 @@
           <p:cNvPr id="4" name="日期占位符 3">
             <a:extLst>
               <a:ext uri="{FF2B5EF4-FFF2-40B4-BE49-F238E27FC236}">
-                <a16:creationId xmlns:a16="http://schemas.microsoft.com/office/drawing/2014/main" id="{B2A463DC-F09F-4E1D-814B-3178CDF66DE2}"/>
+                <a16:creationId xmlns:a16="http://schemas.microsoft.com/office/drawing/2014/main" id="{61CC8FB7-14D9-4009-9F6F-E770E8148FB3}"/>
               </a:ext>
             </a:extLst>
           </p:cNvPr>
@@ -665,9 +659,9 @@
           <a:bodyPr/>
           <a:lstStyle/>
           <a:p>
-            <a:fld id="{8393F7AF-7156-4B7B-87D0-9E2AC93B7B70}" type="datetimeFigureOut">
+            <a:fld id="{B3A0F2A9-99ED-490C-AA97-EC1E691D2C6F}" type="datetimeFigureOut">
               <a:rPr lang="zh-CN" altLang="en-US" smtClean="0"/>
-              <a:t>2020/3/28</a:t>
+              <a:t>2020/3/29</a:t>
             </a:fld>
             <a:endParaRPr lang="zh-CN" altLang="en-US"/>
           </a:p>
@@ -678,7 +672,7 @@
           <p:cNvPr id="5" name="页脚占位符 4">
             <a:extLst>
               <a:ext uri="{FF2B5EF4-FFF2-40B4-BE49-F238E27FC236}">
-                <a16:creationId xmlns:a16="http://schemas.microsoft.com/office/drawing/2014/main" id="{5E8B2332-C489-45CB-B079-73BA33379DDF}"/>
+                <a16:creationId xmlns:a16="http://schemas.microsoft.com/office/drawing/2014/main" id="{8E339799-20F5-404B-AEC9-918AFDE1E869}"/>
               </a:ext>
             </a:extLst>
           </p:cNvPr>
@@ -703,7 +697,7 @@
           <p:cNvPr id="6" name="灯片编号占位符 5">
             <a:extLst>
               <a:ext uri="{FF2B5EF4-FFF2-40B4-BE49-F238E27FC236}">
-                <a16:creationId xmlns:a16="http://schemas.microsoft.com/office/drawing/2014/main" id="{1241214F-2D05-4564-BB74-A579AED5A23F}"/>
+                <a16:creationId xmlns:a16="http://schemas.microsoft.com/office/drawing/2014/main" id="{BDC87BC1-1608-4A96-8A97-36667E9C07D4}"/>
               </a:ext>
             </a:extLst>
           </p:cNvPr>
@@ -719,7 +713,7 @@
           <a:bodyPr/>
           <a:lstStyle/>
           <a:p>
-            <a:fld id="{CB578167-AE5F-4248-981E-BAD16E47641D}" type="slidenum">
+            <a:fld id="{DE8F7920-6721-499E-9948-AF5D9525FBB4}" type="slidenum">
               <a:rPr lang="zh-CN" altLang="en-US" smtClean="0"/>
               <a:t>‹#›</a:t>
             </a:fld>
@@ -730,7 +724,7 @@
     </p:spTree>
     <p:extLst>
       <p:ext uri="{BB962C8B-B14F-4D97-AF65-F5344CB8AC3E}">
-        <p14:creationId xmlns:p14="http://schemas.microsoft.com/office/powerpoint/2010/main" val="1071473113"/>
+        <p14:creationId xmlns:p14="http://schemas.microsoft.com/office/powerpoint/2010/main" val="1779833816"/>
       </p:ext>
     </p:extLst>
   </p:cSld>
@@ -762,7 +756,7 @@
           <p:cNvPr id="2" name="标题 1">
             <a:extLst>
               <a:ext uri="{FF2B5EF4-FFF2-40B4-BE49-F238E27FC236}">
-                <a16:creationId xmlns:a16="http://schemas.microsoft.com/office/drawing/2014/main" id="{82AF81CC-20B3-49F9-A469-705E0AC7280C}"/>
+                <a16:creationId xmlns:a16="http://schemas.microsoft.com/office/drawing/2014/main" id="{8F5C5746-2840-4B5F-A0A0-BE7B59A337EA}"/>
               </a:ext>
             </a:extLst>
           </p:cNvPr>
@@ -790,7 +784,7 @@
           <p:cNvPr id="3" name="内容占位符 2">
             <a:extLst>
               <a:ext uri="{FF2B5EF4-FFF2-40B4-BE49-F238E27FC236}">
-                <a16:creationId xmlns:a16="http://schemas.microsoft.com/office/drawing/2014/main" id="{C4EC6F1C-7BBA-4548-A9AB-5306CC0AD6FF}"/>
+                <a16:creationId xmlns:a16="http://schemas.microsoft.com/office/drawing/2014/main" id="{19BABEF1-4005-4901-87E7-3090849F38E3}"/>
               </a:ext>
             </a:extLst>
           </p:cNvPr>
@@ -847,7 +841,7 @@
           <p:cNvPr id="4" name="日期占位符 3">
             <a:extLst>
               <a:ext uri="{FF2B5EF4-FFF2-40B4-BE49-F238E27FC236}">
-                <a16:creationId xmlns:a16="http://schemas.microsoft.com/office/drawing/2014/main" id="{963BD0C5-6144-444B-8B9D-CD59AA23D3EB}"/>
+                <a16:creationId xmlns:a16="http://schemas.microsoft.com/office/drawing/2014/main" id="{52F861E3-AB84-45E3-8E3D-B1ADD242568B}"/>
               </a:ext>
             </a:extLst>
           </p:cNvPr>
@@ -863,9 +857,9 @@
           <a:bodyPr/>
           <a:lstStyle/>
           <a:p>
-            <a:fld id="{8393F7AF-7156-4B7B-87D0-9E2AC93B7B70}" type="datetimeFigureOut">
+            <a:fld id="{B3A0F2A9-99ED-490C-AA97-EC1E691D2C6F}" type="datetimeFigureOut">
               <a:rPr lang="zh-CN" altLang="en-US" smtClean="0"/>
-              <a:t>2020/3/28</a:t>
+              <a:t>2020/3/29</a:t>
             </a:fld>
             <a:endParaRPr lang="zh-CN" altLang="en-US"/>
           </a:p>
@@ -876,7 +870,7 @@
           <p:cNvPr id="5" name="页脚占位符 4">
             <a:extLst>
               <a:ext uri="{FF2B5EF4-FFF2-40B4-BE49-F238E27FC236}">
-                <a16:creationId xmlns:a16="http://schemas.microsoft.com/office/drawing/2014/main" id="{B0187CA1-AE90-4737-929D-02A0479F1D9C}"/>
+                <a16:creationId xmlns:a16="http://schemas.microsoft.com/office/drawing/2014/main" id="{55623400-C9E8-4283-8E26-50A04F99BBAF}"/>
               </a:ext>
             </a:extLst>
           </p:cNvPr>
@@ -901,7 +895,7 @@
           <p:cNvPr id="6" name="灯片编号占位符 5">
             <a:extLst>
               <a:ext uri="{FF2B5EF4-FFF2-40B4-BE49-F238E27FC236}">
-                <a16:creationId xmlns:a16="http://schemas.microsoft.com/office/drawing/2014/main" id="{7CD038D3-2CCE-4034-9E7E-C0364C41F59F}"/>
+                <a16:creationId xmlns:a16="http://schemas.microsoft.com/office/drawing/2014/main" id="{0C134211-F15C-4825-886F-85BD4BB1BF1C}"/>
               </a:ext>
             </a:extLst>
           </p:cNvPr>
@@ -917,7 +911,7 @@
           <a:bodyPr/>
           <a:lstStyle/>
           <a:p>
-            <a:fld id="{CB578167-AE5F-4248-981E-BAD16E47641D}" type="slidenum">
+            <a:fld id="{DE8F7920-6721-499E-9948-AF5D9525FBB4}" type="slidenum">
               <a:rPr lang="zh-CN" altLang="en-US" smtClean="0"/>
               <a:t>‹#›</a:t>
             </a:fld>
@@ -928,7 +922,7 @@
     </p:spTree>
     <p:extLst>
       <p:ext uri="{BB962C8B-B14F-4D97-AF65-F5344CB8AC3E}">
-        <p14:creationId xmlns:p14="http://schemas.microsoft.com/office/powerpoint/2010/main" val="1035708667"/>
+        <p14:creationId xmlns:p14="http://schemas.microsoft.com/office/powerpoint/2010/main" val="3566988370"/>
       </p:ext>
     </p:extLst>
   </p:cSld>
@@ -960,7 +954,7 @@
           <p:cNvPr id="2" name="标题 1">
             <a:extLst>
               <a:ext uri="{FF2B5EF4-FFF2-40B4-BE49-F238E27FC236}">
-                <a16:creationId xmlns:a16="http://schemas.microsoft.com/office/drawing/2014/main" id="{E3F1EF7A-20BB-46ED-88CF-33D7CB71B71C}"/>
+                <a16:creationId xmlns:a16="http://schemas.microsoft.com/office/drawing/2014/main" id="{C2B8F906-F150-49A8-A9F0-2409A3EDB5DC}"/>
               </a:ext>
             </a:extLst>
           </p:cNvPr>
@@ -997,7 +991,7 @@
           <p:cNvPr id="3" name="文本占位符 2">
             <a:extLst>
               <a:ext uri="{FF2B5EF4-FFF2-40B4-BE49-F238E27FC236}">
-                <a16:creationId xmlns:a16="http://schemas.microsoft.com/office/drawing/2014/main" id="{6DC32BA4-1AEE-418F-B277-109E29B96CA3}"/>
+                <a16:creationId xmlns:a16="http://schemas.microsoft.com/office/drawing/2014/main" id="{4617FEFB-CAF9-4E57-B02E-0F6AE9973F1F}"/>
               </a:ext>
             </a:extLst>
           </p:cNvPr>
@@ -1122,7 +1116,7 @@
           <p:cNvPr id="4" name="日期占位符 3">
             <a:extLst>
               <a:ext uri="{FF2B5EF4-FFF2-40B4-BE49-F238E27FC236}">
-                <a16:creationId xmlns:a16="http://schemas.microsoft.com/office/drawing/2014/main" id="{15020BB4-348E-48B1-B9BB-4030BE3785AF}"/>
+                <a16:creationId xmlns:a16="http://schemas.microsoft.com/office/drawing/2014/main" id="{35DDEE3A-339C-488A-A230-862D297EE82C}"/>
               </a:ext>
             </a:extLst>
           </p:cNvPr>
@@ -1138,9 +1132,9 @@
           <a:bodyPr/>
           <a:lstStyle/>
           <a:p>
-            <a:fld id="{8393F7AF-7156-4B7B-87D0-9E2AC93B7B70}" type="datetimeFigureOut">
+            <a:fld id="{B3A0F2A9-99ED-490C-AA97-EC1E691D2C6F}" type="datetimeFigureOut">
               <a:rPr lang="zh-CN" altLang="en-US" smtClean="0"/>
-              <a:t>2020/3/28</a:t>
+              <a:t>2020/3/29</a:t>
             </a:fld>
             <a:endParaRPr lang="zh-CN" altLang="en-US"/>
           </a:p>
@@ -1151,7 +1145,7 @@
           <p:cNvPr id="5" name="页脚占位符 4">
             <a:extLst>
               <a:ext uri="{FF2B5EF4-FFF2-40B4-BE49-F238E27FC236}">
-                <a16:creationId xmlns:a16="http://schemas.microsoft.com/office/drawing/2014/main" id="{8DCA6BB1-0DDD-4D1F-917D-378D0E27FD3E}"/>
+                <a16:creationId xmlns:a16="http://schemas.microsoft.com/office/drawing/2014/main" id="{03B575B0-7FA8-4896-B879-659A5665DD7E}"/>
               </a:ext>
             </a:extLst>
           </p:cNvPr>
@@ -1176,7 +1170,7 @@
           <p:cNvPr id="6" name="灯片编号占位符 5">
             <a:extLst>
               <a:ext uri="{FF2B5EF4-FFF2-40B4-BE49-F238E27FC236}">
-                <a16:creationId xmlns:a16="http://schemas.microsoft.com/office/drawing/2014/main" id="{245709A7-5D07-4F3B-B738-8BC9477D6EFC}"/>
+                <a16:creationId xmlns:a16="http://schemas.microsoft.com/office/drawing/2014/main" id="{7441F79A-0D6D-4C44-B5C2-0C72E62D49E2}"/>
               </a:ext>
             </a:extLst>
           </p:cNvPr>
@@ -1192,7 +1186,7 @@
           <a:bodyPr/>
           <a:lstStyle/>
           <a:p>
-            <a:fld id="{CB578167-AE5F-4248-981E-BAD16E47641D}" type="slidenum">
+            <a:fld id="{DE8F7920-6721-499E-9948-AF5D9525FBB4}" type="slidenum">
               <a:rPr lang="zh-CN" altLang="en-US" smtClean="0"/>
               <a:t>‹#›</a:t>
             </a:fld>
@@ -1203,7 +1197,7 @@
     </p:spTree>
     <p:extLst>
       <p:ext uri="{BB962C8B-B14F-4D97-AF65-F5344CB8AC3E}">
-        <p14:creationId xmlns:p14="http://schemas.microsoft.com/office/powerpoint/2010/main" val="942244467"/>
+        <p14:creationId xmlns:p14="http://schemas.microsoft.com/office/powerpoint/2010/main" val="1679865208"/>
       </p:ext>
     </p:extLst>
   </p:cSld>
@@ -1235,7 +1229,7 @@
           <p:cNvPr id="2" name="标题 1">
             <a:extLst>
               <a:ext uri="{FF2B5EF4-FFF2-40B4-BE49-F238E27FC236}">
-                <a16:creationId xmlns:a16="http://schemas.microsoft.com/office/drawing/2014/main" id="{D5649D4D-BC58-4F0A-A632-9785CEE4DAF1}"/>
+                <a16:creationId xmlns:a16="http://schemas.microsoft.com/office/drawing/2014/main" id="{440B5417-9DCC-4A10-875F-412D257EA10D}"/>
               </a:ext>
             </a:extLst>
           </p:cNvPr>
@@ -1263,7 +1257,7 @@
           <p:cNvPr id="3" name="内容占位符 2">
             <a:extLst>
               <a:ext uri="{FF2B5EF4-FFF2-40B4-BE49-F238E27FC236}">
-                <a16:creationId xmlns:a16="http://schemas.microsoft.com/office/drawing/2014/main" id="{035E7069-2923-40FC-A3F1-D6A000F5A1BB}"/>
+                <a16:creationId xmlns:a16="http://schemas.microsoft.com/office/drawing/2014/main" id="{59AC8BAE-C64A-402F-B276-5AFA83F4972D}"/>
               </a:ext>
             </a:extLst>
           </p:cNvPr>
@@ -1325,7 +1319,7 @@
           <p:cNvPr id="4" name="内容占位符 3">
             <a:extLst>
               <a:ext uri="{FF2B5EF4-FFF2-40B4-BE49-F238E27FC236}">
-                <a16:creationId xmlns:a16="http://schemas.microsoft.com/office/drawing/2014/main" id="{ED9758AE-0689-4822-BFBD-D684D7F425AC}"/>
+                <a16:creationId xmlns:a16="http://schemas.microsoft.com/office/drawing/2014/main" id="{5E4E826D-9203-4A2E-9134-E73BB28CEB8D}"/>
               </a:ext>
             </a:extLst>
           </p:cNvPr>
@@ -1387,7 +1381,7 @@
           <p:cNvPr id="5" name="日期占位符 4">
             <a:extLst>
               <a:ext uri="{FF2B5EF4-FFF2-40B4-BE49-F238E27FC236}">
-                <a16:creationId xmlns:a16="http://schemas.microsoft.com/office/drawing/2014/main" id="{1A7CB4C8-5640-4E7B-AAC6-66C400D704DA}"/>
+                <a16:creationId xmlns:a16="http://schemas.microsoft.com/office/drawing/2014/main" id="{8985765B-9966-4C6A-B8B5-7EA8D5AEB8ED}"/>
               </a:ext>
             </a:extLst>
           </p:cNvPr>
@@ -1403,9 +1397,9 @@
           <a:bodyPr/>
           <a:lstStyle/>
           <a:p>
-            <a:fld id="{8393F7AF-7156-4B7B-87D0-9E2AC93B7B70}" type="datetimeFigureOut">
+            <a:fld id="{B3A0F2A9-99ED-490C-AA97-EC1E691D2C6F}" type="datetimeFigureOut">
               <a:rPr lang="zh-CN" altLang="en-US" smtClean="0"/>
-              <a:t>2020/3/28</a:t>
+              <a:t>2020/3/29</a:t>
             </a:fld>
             <a:endParaRPr lang="zh-CN" altLang="en-US"/>
           </a:p>
@@ -1416,7 +1410,7 @@
           <p:cNvPr id="6" name="页脚占位符 5">
             <a:extLst>
               <a:ext uri="{FF2B5EF4-FFF2-40B4-BE49-F238E27FC236}">
-                <a16:creationId xmlns:a16="http://schemas.microsoft.com/office/drawing/2014/main" id="{C8016196-06E8-49EC-84F1-B39563F202A1}"/>
+                <a16:creationId xmlns:a16="http://schemas.microsoft.com/office/drawing/2014/main" id="{CD578422-B22C-48DC-B455-0A221A379079}"/>
               </a:ext>
             </a:extLst>
           </p:cNvPr>
@@ -1441,7 +1435,7 @@
           <p:cNvPr id="7" name="灯片编号占位符 6">
             <a:extLst>
               <a:ext uri="{FF2B5EF4-FFF2-40B4-BE49-F238E27FC236}">
-                <a16:creationId xmlns:a16="http://schemas.microsoft.com/office/drawing/2014/main" id="{6A56A3E5-249F-469F-9406-CA8C1A65F786}"/>
+                <a16:creationId xmlns:a16="http://schemas.microsoft.com/office/drawing/2014/main" id="{F1797804-1D0C-4484-9CB9-3668DF4CB910}"/>
               </a:ext>
             </a:extLst>
           </p:cNvPr>
@@ -1457,7 +1451,7 @@
           <a:bodyPr/>
           <a:lstStyle/>
           <a:p>
-            <a:fld id="{CB578167-AE5F-4248-981E-BAD16E47641D}" type="slidenum">
+            <a:fld id="{DE8F7920-6721-499E-9948-AF5D9525FBB4}" type="slidenum">
               <a:rPr lang="zh-CN" altLang="en-US" smtClean="0"/>
               <a:t>‹#›</a:t>
             </a:fld>
@@ -1468,7 +1462,7 @@
     </p:spTree>
     <p:extLst>
       <p:ext uri="{BB962C8B-B14F-4D97-AF65-F5344CB8AC3E}">
-        <p14:creationId xmlns:p14="http://schemas.microsoft.com/office/powerpoint/2010/main" val="1325348607"/>
+        <p14:creationId xmlns:p14="http://schemas.microsoft.com/office/powerpoint/2010/main" val="2760925737"/>
       </p:ext>
     </p:extLst>
   </p:cSld>
@@ -1500,7 +1494,7 @@
           <p:cNvPr id="2" name="标题 1">
             <a:extLst>
               <a:ext uri="{FF2B5EF4-FFF2-40B4-BE49-F238E27FC236}">
-                <a16:creationId xmlns:a16="http://schemas.microsoft.com/office/drawing/2014/main" id="{813BA11E-88A5-4039-8940-78930F6BFCF6}"/>
+                <a16:creationId xmlns:a16="http://schemas.microsoft.com/office/drawing/2014/main" id="{D884A37E-6A1B-4CC8-A522-1803779744F2}"/>
               </a:ext>
             </a:extLst>
           </p:cNvPr>
@@ -1533,7 +1527,7 @@
           <p:cNvPr id="3" name="文本占位符 2">
             <a:extLst>
               <a:ext uri="{FF2B5EF4-FFF2-40B4-BE49-F238E27FC236}">
-                <a16:creationId xmlns:a16="http://schemas.microsoft.com/office/drawing/2014/main" id="{CA2C6022-D569-427A-B20A-13CB35F6BF89}"/>
+                <a16:creationId xmlns:a16="http://schemas.microsoft.com/office/drawing/2014/main" id="{7AFD4821-D71F-4998-ACF2-F207F0AD631C}"/>
               </a:ext>
             </a:extLst>
           </p:cNvPr>
@@ -1604,7 +1598,7 @@
           <p:cNvPr id="4" name="内容占位符 3">
             <a:extLst>
               <a:ext uri="{FF2B5EF4-FFF2-40B4-BE49-F238E27FC236}">
-                <a16:creationId xmlns:a16="http://schemas.microsoft.com/office/drawing/2014/main" id="{6E539AC7-7B49-4E70-987B-275DCE7CFCCE}"/>
+                <a16:creationId xmlns:a16="http://schemas.microsoft.com/office/drawing/2014/main" id="{B0BDA7EB-7DDE-4959-B5E8-4C3289D98910}"/>
               </a:ext>
             </a:extLst>
           </p:cNvPr>
@@ -1666,7 +1660,7 @@
           <p:cNvPr id="5" name="文本占位符 4">
             <a:extLst>
               <a:ext uri="{FF2B5EF4-FFF2-40B4-BE49-F238E27FC236}">
-                <a16:creationId xmlns:a16="http://schemas.microsoft.com/office/drawing/2014/main" id="{1AD30651-5055-4787-B1B3-1446CB666008}"/>
+                <a16:creationId xmlns:a16="http://schemas.microsoft.com/office/drawing/2014/main" id="{2A5FC522-5ED7-462D-AC49-E8166BBFE1A2}"/>
               </a:ext>
             </a:extLst>
           </p:cNvPr>
@@ -1737,7 +1731,7 @@
           <p:cNvPr id="6" name="内容占位符 5">
             <a:extLst>
               <a:ext uri="{FF2B5EF4-FFF2-40B4-BE49-F238E27FC236}">
-                <a16:creationId xmlns:a16="http://schemas.microsoft.com/office/drawing/2014/main" id="{9463D20C-0E4F-4ECB-BDEC-9DF2836233B9}"/>
+                <a16:creationId xmlns:a16="http://schemas.microsoft.com/office/drawing/2014/main" id="{7CB7DA4F-0098-4371-AE54-77932C180FFC}"/>
               </a:ext>
             </a:extLst>
           </p:cNvPr>
@@ -1799,7 +1793,7 @@
           <p:cNvPr id="7" name="日期占位符 6">
             <a:extLst>
               <a:ext uri="{FF2B5EF4-FFF2-40B4-BE49-F238E27FC236}">
-                <a16:creationId xmlns:a16="http://schemas.microsoft.com/office/drawing/2014/main" id="{65C545D1-BB5C-4E85-8D87-91BAF7AE2EFB}"/>
+                <a16:creationId xmlns:a16="http://schemas.microsoft.com/office/drawing/2014/main" id="{9F028ECB-BEC2-4CA9-AA8F-341D0A8201DF}"/>
               </a:ext>
             </a:extLst>
           </p:cNvPr>
@@ -1815,9 +1809,9 @@
           <a:bodyPr/>
           <a:lstStyle/>
           <a:p>
-            <a:fld id="{8393F7AF-7156-4B7B-87D0-9E2AC93B7B70}" type="datetimeFigureOut">
+            <a:fld id="{B3A0F2A9-99ED-490C-AA97-EC1E691D2C6F}" type="datetimeFigureOut">
               <a:rPr lang="zh-CN" altLang="en-US" smtClean="0"/>
-              <a:t>2020/3/28</a:t>
+              <a:t>2020/3/29</a:t>
             </a:fld>
             <a:endParaRPr lang="zh-CN" altLang="en-US"/>
           </a:p>
@@ -1828,7 +1822,7 @@
           <p:cNvPr id="8" name="页脚占位符 7">
             <a:extLst>
               <a:ext uri="{FF2B5EF4-FFF2-40B4-BE49-F238E27FC236}">
-                <a16:creationId xmlns:a16="http://schemas.microsoft.com/office/drawing/2014/main" id="{17EB87B3-768F-4ADB-B880-0FC754340998}"/>
+                <a16:creationId xmlns:a16="http://schemas.microsoft.com/office/drawing/2014/main" id="{A2B91617-1AE2-455D-87C2-55285EDDF2DC}"/>
               </a:ext>
             </a:extLst>
           </p:cNvPr>
@@ -1853,7 +1847,7 @@
           <p:cNvPr id="9" name="灯片编号占位符 8">
             <a:extLst>
               <a:ext uri="{FF2B5EF4-FFF2-40B4-BE49-F238E27FC236}">
-                <a16:creationId xmlns:a16="http://schemas.microsoft.com/office/drawing/2014/main" id="{1504EF74-A40D-4B9D-838C-F1AA5177D4BC}"/>
+                <a16:creationId xmlns:a16="http://schemas.microsoft.com/office/drawing/2014/main" id="{349838CF-B582-4DE2-81DD-EF794B05A49B}"/>
               </a:ext>
             </a:extLst>
           </p:cNvPr>
@@ -1869,7 +1863,7 @@
           <a:bodyPr/>
           <a:lstStyle/>
           <a:p>
-            <a:fld id="{CB578167-AE5F-4248-981E-BAD16E47641D}" type="slidenum">
+            <a:fld id="{DE8F7920-6721-499E-9948-AF5D9525FBB4}" type="slidenum">
               <a:rPr lang="zh-CN" altLang="en-US" smtClean="0"/>
               <a:t>‹#›</a:t>
             </a:fld>
@@ -1880,7 +1874,7 @@
     </p:spTree>
     <p:extLst>
       <p:ext uri="{BB962C8B-B14F-4D97-AF65-F5344CB8AC3E}">
-        <p14:creationId xmlns:p14="http://schemas.microsoft.com/office/powerpoint/2010/main" val="4071791208"/>
+        <p14:creationId xmlns:p14="http://schemas.microsoft.com/office/powerpoint/2010/main" val="1605475974"/>
       </p:ext>
     </p:extLst>
   </p:cSld>
@@ -1912,7 +1906,7 @@
           <p:cNvPr id="2" name="标题 1">
             <a:extLst>
               <a:ext uri="{FF2B5EF4-FFF2-40B4-BE49-F238E27FC236}">
-                <a16:creationId xmlns:a16="http://schemas.microsoft.com/office/drawing/2014/main" id="{74C3B2E0-7AAA-490C-A105-BBD308A861E5}"/>
+                <a16:creationId xmlns:a16="http://schemas.microsoft.com/office/drawing/2014/main" id="{214244DF-6D52-44CA-89B7-6B55ACA244A5}"/>
               </a:ext>
             </a:extLst>
           </p:cNvPr>
@@ -1940,7 +1934,7 @@
           <p:cNvPr id="3" name="日期占位符 2">
             <a:extLst>
               <a:ext uri="{FF2B5EF4-FFF2-40B4-BE49-F238E27FC236}">
-                <a16:creationId xmlns:a16="http://schemas.microsoft.com/office/drawing/2014/main" id="{B398E30E-8B2B-4F26-BD01-3AAAA9AFE489}"/>
+                <a16:creationId xmlns:a16="http://schemas.microsoft.com/office/drawing/2014/main" id="{3F1EE666-ABC8-470B-9EB8-7F4BC7C13B3E}"/>
               </a:ext>
             </a:extLst>
           </p:cNvPr>
@@ -1956,9 +1950,9 @@
           <a:bodyPr/>
           <a:lstStyle/>
           <a:p>
-            <a:fld id="{8393F7AF-7156-4B7B-87D0-9E2AC93B7B70}" type="datetimeFigureOut">
+            <a:fld id="{B3A0F2A9-99ED-490C-AA97-EC1E691D2C6F}" type="datetimeFigureOut">
               <a:rPr lang="zh-CN" altLang="en-US" smtClean="0"/>
-              <a:t>2020/3/28</a:t>
+              <a:t>2020/3/29</a:t>
             </a:fld>
             <a:endParaRPr lang="zh-CN" altLang="en-US"/>
           </a:p>
@@ -1969,7 +1963,7 @@
           <p:cNvPr id="4" name="页脚占位符 3">
             <a:extLst>
               <a:ext uri="{FF2B5EF4-FFF2-40B4-BE49-F238E27FC236}">
-                <a16:creationId xmlns:a16="http://schemas.microsoft.com/office/drawing/2014/main" id="{44728991-1541-46C4-BADA-50B90DBF5B71}"/>
+                <a16:creationId xmlns:a16="http://schemas.microsoft.com/office/drawing/2014/main" id="{0FDB7C5E-CA8D-46D8-A997-205A6EFA302F}"/>
               </a:ext>
             </a:extLst>
           </p:cNvPr>
@@ -1994,7 +1988,7 @@
           <p:cNvPr id="5" name="灯片编号占位符 4">
             <a:extLst>
               <a:ext uri="{FF2B5EF4-FFF2-40B4-BE49-F238E27FC236}">
-                <a16:creationId xmlns:a16="http://schemas.microsoft.com/office/drawing/2014/main" id="{E72C8BFD-6668-4BC7-A6A2-F3379221B799}"/>
+                <a16:creationId xmlns:a16="http://schemas.microsoft.com/office/drawing/2014/main" id="{49D8A7CC-0A23-46D9-BF42-00C59CB9E890}"/>
               </a:ext>
             </a:extLst>
           </p:cNvPr>
@@ -2010,7 +2004,7 @@
           <a:bodyPr/>
           <a:lstStyle/>
           <a:p>
-            <a:fld id="{CB578167-AE5F-4248-981E-BAD16E47641D}" type="slidenum">
+            <a:fld id="{DE8F7920-6721-499E-9948-AF5D9525FBB4}" type="slidenum">
               <a:rPr lang="zh-CN" altLang="en-US" smtClean="0"/>
               <a:t>‹#›</a:t>
             </a:fld>
@@ -2021,7 +2015,7 @@
     </p:spTree>
     <p:extLst>
       <p:ext uri="{BB962C8B-B14F-4D97-AF65-F5344CB8AC3E}">
-        <p14:creationId xmlns:p14="http://schemas.microsoft.com/office/powerpoint/2010/main" val="3441845585"/>
+        <p14:creationId xmlns:p14="http://schemas.microsoft.com/office/powerpoint/2010/main" val="4172250674"/>
       </p:ext>
     </p:extLst>
   </p:cSld>
@@ -2053,7 +2047,7 @@
           <p:cNvPr id="2" name="日期占位符 1">
             <a:extLst>
               <a:ext uri="{FF2B5EF4-FFF2-40B4-BE49-F238E27FC236}">
-                <a16:creationId xmlns:a16="http://schemas.microsoft.com/office/drawing/2014/main" id="{67BEAB56-7D43-4F06-A01B-83B77C6E7581}"/>
+                <a16:creationId xmlns:a16="http://schemas.microsoft.com/office/drawing/2014/main" id="{E17822D0-8CB0-409D-909A-B721B345216E}"/>
               </a:ext>
             </a:extLst>
           </p:cNvPr>
@@ -2069,9 +2063,9 @@
           <a:bodyPr/>
           <a:lstStyle/>
           <a:p>
-            <a:fld id="{8393F7AF-7156-4B7B-87D0-9E2AC93B7B70}" type="datetimeFigureOut">
+            <a:fld id="{B3A0F2A9-99ED-490C-AA97-EC1E691D2C6F}" type="datetimeFigureOut">
               <a:rPr lang="zh-CN" altLang="en-US" smtClean="0"/>
-              <a:t>2020/3/28</a:t>
+              <a:t>2020/3/29</a:t>
             </a:fld>
             <a:endParaRPr lang="zh-CN" altLang="en-US"/>
           </a:p>
@@ -2082,7 +2076,7 @@
           <p:cNvPr id="3" name="页脚占位符 2">
             <a:extLst>
               <a:ext uri="{FF2B5EF4-FFF2-40B4-BE49-F238E27FC236}">
-                <a16:creationId xmlns:a16="http://schemas.microsoft.com/office/drawing/2014/main" id="{30991157-F2ED-426D-A28D-C7D333806864}"/>
+                <a16:creationId xmlns:a16="http://schemas.microsoft.com/office/drawing/2014/main" id="{670BE712-A509-4FA2-8FDA-ACED30302080}"/>
               </a:ext>
             </a:extLst>
           </p:cNvPr>
@@ -2107,7 +2101,7 @@
           <p:cNvPr id="4" name="灯片编号占位符 3">
             <a:extLst>
               <a:ext uri="{FF2B5EF4-FFF2-40B4-BE49-F238E27FC236}">
-                <a16:creationId xmlns:a16="http://schemas.microsoft.com/office/drawing/2014/main" id="{76789E77-EB31-47DA-A261-B84BAD222AC2}"/>
+                <a16:creationId xmlns:a16="http://schemas.microsoft.com/office/drawing/2014/main" id="{49D0E961-901C-4625-A534-69CED99114F0}"/>
               </a:ext>
             </a:extLst>
           </p:cNvPr>
@@ -2123,7 +2117,7 @@
           <a:bodyPr/>
           <a:lstStyle/>
           <a:p>
-            <a:fld id="{CB578167-AE5F-4248-981E-BAD16E47641D}" type="slidenum">
+            <a:fld id="{DE8F7920-6721-499E-9948-AF5D9525FBB4}" type="slidenum">
               <a:rPr lang="zh-CN" altLang="en-US" smtClean="0"/>
               <a:t>‹#›</a:t>
             </a:fld>
@@ -2134,7 +2128,7 @@
     </p:spTree>
     <p:extLst>
       <p:ext uri="{BB962C8B-B14F-4D97-AF65-F5344CB8AC3E}">
-        <p14:creationId xmlns:p14="http://schemas.microsoft.com/office/powerpoint/2010/main" val="1515595573"/>
+        <p14:creationId xmlns:p14="http://schemas.microsoft.com/office/powerpoint/2010/main" val="1900190808"/>
       </p:ext>
     </p:extLst>
   </p:cSld>
@@ -2166,7 +2160,7 @@
           <p:cNvPr id="2" name="标题 1">
             <a:extLst>
               <a:ext uri="{FF2B5EF4-FFF2-40B4-BE49-F238E27FC236}">
-                <a16:creationId xmlns:a16="http://schemas.microsoft.com/office/drawing/2014/main" id="{465C1649-A7C5-4A8D-A652-B81464B5879E}"/>
+                <a16:creationId xmlns:a16="http://schemas.microsoft.com/office/drawing/2014/main" id="{B5EDCF88-D618-4016-B463-E09F091ABB50}"/>
               </a:ext>
             </a:extLst>
           </p:cNvPr>
@@ -2203,7 +2197,7 @@
           <p:cNvPr id="3" name="内容占位符 2">
             <a:extLst>
               <a:ext uri="{FF2B5EF4-FFF2-40B4-BE49-F238E27FC236}">
-                <a16:creationId xmlns:a16="http://schemas.microsoft.com/office/drawing/2014/main" id="{A078D8FF-9859-4CC3-B349-7FF333F920FF}"/>
+                <a16:creationId xmlns:a16="http://schemas.microsoft.com/office/drawing/2014/main" id="{E4504FD3-8F12-4F62-B7A1-458319AA053D}"/>
               </a:ext>
             </a:extLst>
           </p:cNvPr>
@@ -2293,7 +2287,7 @@
           <p:cNvPr id="4" name="文本占位符 3">
             <a:extLst>
               <a:ext uri="{FF2B5EF4-FFF2-40B4-BE49-F238E27FC236}">
-                <a16:creationId xmlns:a16="http://schemas.microsoft.com/office/drawing/2014/main" id="{7C3E26CF-5B3C-40FD-922D-E0C488D39C16}"/>
+                <a16:creationId xmlns:a16="http://schemas.microsoft.com/office/drawing/2014/main" id="{1B987311-6AD9-4D32-BBE7-AA4CC2A18D8F}"/>
               </a:ext>
             </a:extLst>
           </p:cNvPr>
@@ -2364,7 +2358,7 @@
           <p:cNvPr id="5" name="日期占位符 4">
             <a:extLst>
               <a:ext uri="{FF2B5EF4-FFF2-40B4-BE49-F238E27FC236}">
-                <a16:creationId xmlns:a16="http://schemas.microsoft.com/office/drawing/2014/main" id="{656FF7A7-50E1-4925-91D0-5A2E0F153DBC}"/>
+                <a16:creationId xmlns:a16="http://schemas.microsoft.com/office/drawing/2014/main" id="{A6A7FC0A-7296-4E74-AAFB-A68E8E778543}"/>
               </a:ext>
             </a:extLst>
           </p:cNvPr>
@@ -2380,9 +2374,9 @@
           <a:bodyPr/>
           <a:lstStyle/>
           <a:p>
-            <a:fld id="{8393F7AF-7156-4B7B-87D0-9E2AC93B7B70}" type="datetimeFigureOut">
+            <a:fld id="{B3A0F2A9-99ED-490C-AA97-EC1E691D2C6F}" type="datetimeFigureOut">
               <a:rPr lang="zh-CN" altLang="en-US" smtClean="0"/>
-              <a:t>2020/3/28</a:t>
+              <a:t>2020/3/29</a:t>
             </a:fld>
             <a:endParaRPr lang="zh-CN" altLang="en-US"/>
           </a:p>
@@ -2393,7 +2387,7 @@
           <p:cNvPr id="6" name="页脚占位符 5">
             <a:extLst>
               <a:ext uri="{FF2B5EF4-FFF2-40B4-BE49-F238E27FC236}">
-                <a16:creationId xmlns:a16="http://schemas.microsoft.com/office/drawing/2014/main" id="{ED19C6C0-9933-47F2-8677-3FBCC94F2BC2}"/>
+                <a16:creationId xmlns:a16="http://schemas.microsoft.com/office/drawing/2014/main" id="{64147626-5770-40D5-AC8E-F1D8254BC6B9}"/>
               </a:ext>
             </a:extLst>
           </p:cNvPr>
@@ -2418,7 +2412,7 @@
           <p:cNvPr id="7" name="灯片编号占位符 6">
             <a:extLst>
               <a:ext uri="{FF2B5EF4-FFF2-40B4-BE49-F238E27FC236}">
-                <a16:creationId xmlns:a16="http://schemas.microsoft.com/office/drawing/2014/main" id="{4BCA6288-02E3-45B4-B93C-F8CD11F28AE8}"/>
+                <a16:creationId xmlns:a16="http://schemas.microsoft.com/office/drawing/2014/main" id="{73AE6C5B-7BA5-4AC8-86A6-63FFE4BD0050}"/>
               </a:ext>
             </a:extLst>
           </p:cNvPr>
@@ -2434,7 +2428,7 @@
           <a:bodyPr/>
           <a:lstStyle/>
           <a:p>
-            <a:fld id="{CB578167-AE5F-4248-981E-BAD16E47641D}" type="slidenum">
+            <a:fld id="{DE8F7920-6721-499E-9948-AF5D9525FBB4}" type="slidenum">
               <a:rPr lang="zh-CN" altLang="en-US" smtClean="0"/>
               <a:t>‹#›</a:t>
             </a:fld>
@@ -2445,7 +2439,7 @@
     </p:spTree>
     <p:extLst>
       <p:ext uri="{BB962C8B-B14F-4D97-AF65-F5344CB8AC3E}">
-        <p14:creationId xmlns:p14="http://schemas.microsoft.com/office/powerpoint/2010/main" val="3770385303"/>
+        <p14:creationId xmlns:p14="http://schemas.microsoft.com/office/powerpoint/2010/main" val="2455818435"/>
       </p:ext>
     </p:extLst>
   </p:cSld>
@@ -2477,7 +2471,7 @@
           <p:cNvPr id="2" name="标题 1">
             <a:extLst>
               <a:ext uri="{FF2B5EF4-FFF2-40B4-BE49-F238E27FC236}">
-                <a16:creationId xmlns:a16="http://schemas.microsoft.com/office/drawing/2014/main" id="{4EE060ED-907C-4BED-B8DE-487E96C6FEEE}"/>
+                <a16:creationId xmlns:a16="http://schemas.microsoft.com/office/drawing/2014/main" id="{A0CFF0AD-AE95-49EC-BED5-6430B256EF3D}"/>
               </a:ext>
             </a:extLst>
           </p:cNvPr>
@@ -2514,7 +2508,7 @@
           <p:cNvPr id="3" name="图片占位符 2">
             <a:extLst>
               <a:ext uri="{FF2B5EF4-FFF2-40B4-BE49-F238E27FC236}">
-                <a16:creationId xmlns:a16="http://schemas.microsoft.com/office/drawing/2014/main" id="{1C1F2EB5-D365-4434-87DF-7AEF1FA84BB8}"/>
+                <a16:creationId xmlns:a16="http://schemas.microsoft.com/office/drawing/2014/main" id="{9BD3E421-4FB2-4A37-8DCD-1275582C5962}"/>
               </a:ext>
             </a:extLst>
           </p:cNvPr>
@@ -2581,7 +2575,7 @@
           <p:cNvPr id="4" name="文本占位符 3">
             <a:extLst>
               <a:ext uri="{FF2B5EF4-FFF2-40B4-BE49-F238E27FC236}">
-                <a16:creationId xmlns:a16="http://schemas.microsoft.com/office/drawing/2014/main" id="{894A816C-8EE3-447B-916D-3A1904B5ED6C}"/>
+                <a16:creationId xmlns:a16="http://schemas.microsoft.com/office/drawing/2014/main" id="{DD938543-BD25-409E-8A34-75E1BFFEFCA6}"/>
               </a:ext>
             </a:extLst>
           </p:cNvPr>
@@ -2652,7 +2646,7 @@
           <p:cNvPr id="5" name="日期占位符 4">
             <a:extLst>
               <a:ext uri="{FF2B5EF4-FFF2-40B4-BE49-F238E27FC236}">
-                <a16:creationId xmlns:a16="http://schemas.microsoft.com/office/drawing/2014/main" id="{47574492-7874-498B-915D-2154BCE592CE}"/>
+                <a16:creationId xmlns:a16="http://schemas.microsoft.com/office/drawing/2014/main" id="{2E684401-17DA-4225-B174-BE393489BF2D}"/>
               </a:ext>
             </a:extLst>
           </p:cNvPr>
@@ -2668,9 +2662,9 @@
           <a:bodyPr/>
           <a:lstStyle/>
           <a:p>
-            <a:fld id="{8393F7AF-7156-4B7B-87D0-9E2AC93B7B70}" type="datetimeFigureOut">
+            <a:fld id="{B3A0F2A9-99ED-490C-AA97-EC1E691D2C6F}" type="datetimeFigureOut">
               <a:rPr lang="zh-CN" altLang="en-US" smtClean="0"/>
-              <a:t>2020/3/28</a:t>
+              <a:t>2020/3/29</a:t>
             </a:fld>
             <a:endParaRPr lang="zh-CN" altLang="en-US"/>
           </a:p>
@@ -2681,7 +2675,7 @@
           <p:cNvPr id="6" name="页脚占位符 5">
             <a:extLst>
               <a:ext uri="{FF2B5EF4-FFF2-40B4-BE49-F238E27FC236}">
-                <a16:creationId xmlns:a16="http://schemas.microsoft.com/office/drawing/2014/main" id="{E93D483D-82FE-42CD-84E2-EBB68A0B482D}"/>
+                <a16:creationId xmlns:a16="http://schemas.microsoft.com/office/drawing/2014/main" id="{E893418B-F94D-45FC-B672-F689F08D59E4}"/>
               </a:ext>
             </a:extLst>
           </p:cNvPr>
@@ -2706,7 +2700,7 @@
           <p:cNvPr id="7" name="灯片编号占位符 6">
             <a:extLst>
               <a:ext uri="{FF2B5EF4-FFF2-40B4-BE49-F238E27FC236}">
-                <a16:creationId xmlns:a16="http://schemas.microsoft.com/office/drawing/2014/main" id="{EE716DDE-6F64-4469-A742-2A85EA86834E}"/>
+                <a16:creationId xmlns:a16="http://schemas.microsoft.com/office/drawing/2014/main" id="{A5483B96-5334-4563-891B-B029B477766B}"/>
               </a:ext>
             </a:extLst>
           </p:cNvPr>
@@ -2722,7 +2716,7 @@
           <a:bodyPr/>
           <a:lstStyle/>
           <a:p>
-            <a:fld id="{CB578167-AE5F-4248-981E-BAD16E47641D}" type="slidenum">
+            <a:fld id="{DE8F7920-6721-499E-9948-AF5D9525FBB4}" type="slidenum">
               <a:rPr lang="zh-CN" altLang="en-US" smtClean="0"/>
               <a:t>‹#›</a:t>
             </a:fld>
@@ -2733,7 +2727,7 @@
     </p:spTree>
     <p:extLst>
       <p:ext uri="{BB962C8B-B14F-4D97-AF65-F5344CB8AC3E}">
-        <p14:creationId xmlns:p14="http://schemas.microsoft.com/office/powerpoint/2010/main" val="4092818846"/>
+        <p14:creationId xmlns:p14="http://schemas.microsoft.com/office/powerpoint/2010/main" val="1863844229"/>
       </p:ext>
     </p:extLst>
   </p:cSld>
@@ -2770,7 +2764,7 @@
           <p:cNvPr id="2" name="标题占位符 1">
             <a:extLst>
               <a:ext uri="{FF2B5EF4-FFF2-40B4-BE49-F238E27FC236}">
-                <a16:creationId xmlns:a16="http://schemas.microsoft.com/office/drawing/2014/main" id="{CB564F6D-BB12-4A09-9210-4CF4DE72AA7C}"/>
+                <a16:creationId xmlns:a16="http://schemas.microsoft.com/office/drawing/2014/main" id="{9429C42D-CF79-46ED-A6FD-5A4F9D546231}"/>
               </a:ext>
             </a:extLst>
           </p:cNvPr>
@@ -2808,7 +2802,7 @@
           <p:cNvPr id="3" name="文本占位符 2">
             <a:extLst>
               <a:ext uri="{FF2B5EF4-FFF2-40B4-BE49-F238E27FC236}">
-                <a16:creationId xmlns:a16="http://schemas.microsoft.com/office/drawing/2014/main" id="{AD00BABF-414B-4F6F-A5B1-2149FC21BB44}"/>
+                <a16:creationId xmlns:a16="http://schemas.microsoft.com/office/drawing/2014/main" id="{E1B4DE50-752D-4854-9C3A-2039F492401B}"/>
               </a:ext>
             </a:extLst>
           </p:cNvPr>
@@ -2875,7 +2869,7 @@
           <p:cNvPr id="4" name="日期占位符 3">
             <a:extLst>
               <a:ext uri="{FF2B5EF4-FFF2-40B4-BE49-F238E27FC236}">
-                <a16:creationId xmlns:a16="http://schemas.microsoft.com/office/drawing/2014/main" id="{8E8E717C-C628-43D4-BD76-2BF078695920}"/>
+                <a16:creationId xmlns:a16="http://schemas.microsoft.com/office/drawing/2014/main" id="{D1BF86D2-A407-49BF-B608-450A0148F411}"/>
               </a:ext>
             </a:extLst>
           </p:cNvPr>
@@ -2909,9 +2903,9 @@
             </a:lvl1pPr>
           </a:lstStyle>
           <a:p>
-            <a:fld id="{8393F7AF-7156-4B7B-87D0-9E2AC93B7B70}" type="datetimeFigureOut">
+            <a:fld id="{B3A0F2A9-99ED-490C-AA97-EC1E691D2C6F}" type="datetimeFigureOut">
               <a:rPr lang="zh-CN" altLang="en-US" smtClean="0"/>
-              <a:t>2020/3/28</a:t>
+              <a:t>2020/3/29</a:t>
             </a:fld>
             <a:endParaRPr lang="zh-CN" altLang="en-US"/>
           </a:p>
@@ -2922,7 +2916,7 @@
           <p:cNvPr id="5" name="页脚占位符 4">
             <a:extLst>
               <a:ext uri="{FF2B5EF4-FFF2-40B4-BE49-F238E27FC236}">
-                <a16:creationId xmlns:a16="http://schemas.microsoft.com/office/drawing/2014/main" id="{83B8D644-775E-41E0-8BF8-F470301FBB0D}"/>
+                <a16:creationId xmlns:a16="http://schemas.microsoft.com/office/drawing/2014/main" id="{631761E1-E629-4762-93B7-2A13A19E91E0}"/>
               </a:ext>
             </a:extLst>
           </p:cNvPr>
@@ -2965,7 +2959,7 @@
           <p:cNvPr id="6" name="灯片编号占位符 5">
             <a:extLst>
               <a:ext uri="{FF2B5EF4-FFF2-40B4-BE49-F238E27FC236}">
-                <a16:creationId xmlns:a16="http://schemas.microsoft.com/office/drawing/2014/main" id="{1022241F-DBD6-4C61-8EAC-AFB28C34C4BB}"/>
+                <a16:creationId xmlns:a16="http://schemas.microsoft.com/office/drawing/2014/main" id="{91C0233E-CA0C-47CD-8863-5AC6602E1398}"/>
               </a:ext>
             </a:extLst>
           </p:cNvPr>
@@ -2999,7 +2993,7 @@
             </a:lvl1pPr>
           </a:lstStyle>
           <a:p>
-            <a:fld id="{CB578167-AE5F-4248-981E-BAD16E47641D}" type="slidenum">
+            <a:fld id="{DE8F7920-6721-499E-9948-AF5D9525FBB4}" type="slidenum">
               <a:rPr lang="zh-CN" altLang="en-US" smtClean="0"/>
               <a:t>‹#›</a:t>
             </a:fld>
@@ -3010,7 +3004,7 @@
     </p:spTree>
     <p:extLst>
       <p:ext uri="{BB962C8B-B14F-4D97-AF65-F5344CB8AC3E}">
-        <p14:creationId xmlns:p14="http://schemas.microsoft.com/office/powerpoint/2010/main" val="3008462207"/>
+        <p14:creationId xmlns:p14="http://schemas.microsoft.com/office/powerpoint/2010/main" val="3263839276"/>
       </p:ext>
     </p:extLst>
   </p:cSld>
@@ -3312,7 +3306,7 @@
 </file>
 
 <file path=ppt/slides/slide1.xml><?xml version="1.0" encoding="utf-8"?>
-<p:sld xmlns:a="http://schemas.openxmlformats.org/drawingml/2006/main" xmlns:r="http://schemas.openxmlformats.org/officeDocument/2006/relationships" xmlns:p="http://schemas.openxmlformats.org/presentationml/2006/main">
+<p:sld xmlns:a="http://schemas.openxmlformats.org/drawingml/2006/main" xmlns:p="http://schemas.openxmlformats.org/presentationml/2006/main" xmlns:r="http://schemas.openxmlformats.org/officeDocument/2006/relationships">
   <p:cSld>
     <p:spTree>
       <p:nvGrpSpPr>
@@ -3333,7 +3327,7 @@
           <p:cNvPr id="2" name="标题 1">
             <a:extLst>
               <a:ext uri="{FF2B5EF4-FFF2-40B4-BE49-F238E27FC236}">
-                <a16:creationId xmlns:a16="http://schemas.microsoft.com/office/drawing/2014/main" id="{73BFEBDE-3657-4820-88E9-C7FEFBFBA85F}"/>
+                <a16:creationId xmlns:a16="http://schemas.microsoft.com/office/drawing/2014/main" id="{46E1656B-6CB1-41E5-99DA-3346F2AE5ACC}"/>
               </a:ext>
             </a:extLst>
           </p:cNvPr>
@@ -3350,10 +3344,10 @@
           <a:lstStyle/>
           <a:p>
             <a:r>
-              <a:rPr lang="en-US" altLang="zh-CN" dirty="0"/>
-              <a:t>{Title}</a:t>
-            </a:r>
-            <a:endParaRPr lang="zh-CN" altLang="en-US" dirty="0"/>
+              <a:rPr altLang="zh-CN" dirty="0" lang="en-US"/>
+              <a:t>1</a:t>
+            </a:r>
+            <a:endParaRPr altLang="en-US" dirty="0" lang="zh-CN"/>
           </a:p>
         </p:txBody>
       </p:sp>
@@ -3362,126 +3356,30 @@
           <p:cNvPr id="3" name="副标题 2">
             <a:extLst>
               <a:ext uri="{FF2B5EF4-FFF2-40B4-BE49-F238E27FC236}">
-                <a16:creationId xmlns:a16="http://schemas.microsoft.com/office/drawing/2014/main" id="{775E6482-405C-422C-8EF2-686E31B1E9CE}"/>
-              </a:ext>
-            </a:extLst>
-          </p:cNvPr>
-          <p:cNvSpPr>
-            <a:spLocks noGrp="1"/>
-          </p:cNvSpPr>
-          <p:nvPr>
-            <p:ph type="subTitle" idx="1"/>
-          </p:nvPr>
-        </p:nvSpPr>
-        <p:spPr/>
-        <p:txBody>
-          <a:bodyPr/>
-          <a:lstStyle/>
-          <a:p>
-            <a:r>
-              <a:rPr lang="en-US" altLang="zh-CN" dirty="0"/>
-              <a:t>{</a:t>
-            </a:r>
-            <a:r>
-              <a:rPr lang="en-US" altLang="zh-CN" dirty="0" err="1"/>
-              <a:t>subTitle</a:t>
-            </a:r>
-            <a:r>
-              <a:rPr lang="en-US" altLang="zh-CN" dirty="0"/>
-              <a:t>}</a:t>
-            </a:r>
-            <a:endParaRPr lang="zh-CN" altLang="en-US" dirty="0"/>
-          </a:p>
-        </p:txBody>
-      </p:sp>
-      <p:sp>
-        <p:nvSpPr>
-          <p:cNvPr id="4" name="文本框 3">
-            <a:extLst>
-              <a:ext uri="{FF2B5EF4-FFF2-40B4-BE49-F238E27FC236}">
-                <a16:creationId xmlns:a16="http://schemas.microsoft.com/office/drawing/2014/main" id="{0A432AED-A13B-4F92-AAE0-5A54EC75116A}"/>
-              </a:ext>
-            </a:extLst>
-          </p:cNvPr>
-          <p:cNvSpPr txBox="1"/>
-          <p:nvPr/>
-        </p:nvSpPr>
-        <p:spPr>
-          <a:xfrm>
-            <a:off x="7663543" y="580571"/>
-            <a:ext cx="2714171" cy="369332"/>
-          </a:xfrm>
-          <a:prstGeom prst="rect">
-            <a:avLst/>
-          </a:prstGeom>
-          <a:noFill/>
-        </p:spPr>
-        <p:txBody>
-          <a:bodyPr wrap="square" rtlCol="0">
-            <a:spAutoFit/>
-          </a:bodyPr>
-          <a:lstStyle/>
-          <a:p>
-            <a:r>
-              <a:rPr lang="en-US" altLang="zh-CN" dirty="0"/>
-              <a:t>{</a:t>
-            </a:r>
-            <a:r>
-              <a:rPr lang="en-US" altLang="zh-CN" dirty="0" err="1"/>
-              <a:t>reporterName</a:t>
-            </a:r>
-            <a:r>
-              <a:rPr lang="en-US" altLang="zh-CN" dirty="0"/>
-              <a:t>}</a:t>
-            </a:r>
-            <a:endParaRPr lang="zh-CN" altLang="en-US" dirty="0"/>
-          </a:p>
-        </p:txBody>
-      </p:sp>
-      <p:sp>
-        <p:nvSpPr>
-          <p:cNvPr id="5" name="文本框 4">
-            <a:extLst>
-              <a:ext uri="{FF2B5EF4-FFF2-40B4-BE49-F238E27FC236}">
-                <a16:creationId xmlns:a16="http://schemas.microsoft.com/office/drawing/2014/main" id="{D2BB382D-0575-4118-A60C-8B3E82D3E88F}"/>
-              </a:ext>
-            </a:extLst>
-          </p:cNvPr>
-          <p:cNvSpPr txBox="1"/>
-          <p:nvPr/>
-        </p:nvSpPr>
-        <p:spPr>
-          <a:xfrm>
-            <a:off x="696686" y="408111"/>
-            <a:ext cx="2307771" cy="369332"/>
-          </a:xfrm>
-          <a:prstGeom prst="rect">
-            <a:avLst/>
-          </a:prstGeom>
-          <a:noFill/>
-        </p:spPr>
-        <p:txBody>
-          <a:bodyPr wrap="square" rtlCol="0">
-            <a:spAutoFit/>
-          </a:bodyPr>
-          <a:lstStyle/>
-          <a:p>
-            <a:r>
-              <a:rPr lang="en-US" altLang="zh-CN" dirty="0"/>
-              <a:t>{</a:t>
-            </a:r>
-            <a:r>
-              <a:rPr lang="en-US" altLang="zh-CN"/>
-              <a:t>reportTime}</a:t>
-            </a:r>
-            <a:endParaRPr lang="zh-CN" altLang="en-US" dirty="0"/>
+                <a16:creationId xmlns:a16="http://schemas.microsoft.com/office/drawing/2014/main" id="{2B884E1E-5775-4B2F-84A7-613B1C0B0C2F}"/>
+              </a:ext>
+            </a:extLst>
+          </p:cNvPr>
+          <p:cNvSpPr>
+            <a:spLocks noGrp="1"/>
+          </p:cNvSpPr>
+          <p:nvPr>
+            <p:ph idx="1" type="subTitle"/>
+          </p:nvPr>
+        </p:nvSpPr>
+        <p:spPr/>
+        <p:txBody>
+          <a:bodyPr/>
+          <a:lstStyle/>
+          <a:p>
+            <a:endParaRPr altLang="en-US" lang="zh-CN"/>
           </a:p>
         </p:txBody>
       </p:sp>
     </p:spTree>
     <p:extLst>
       <p:ext uri="{BB962C8B-B14F-4D97-AF65-F5344CB8AC3E}">
-        <p14:creationId xmlns:p14="http://schemas.microsoft.com/office/powerpoint/2010/main" val="3966197621"/>
+        <p14:creationId xmlns:p14="http://schemas.microsoft.com/office/powerpoint/2010/main" val="2695906614"/>
       </p:ext>
     </p:extLst>
   </p:cSld>
@@ -3492,7 +3390,7 @@
 </file>
 
 <file path=ppt/slides/slide2.xml><?xml version="1.0" encoding="utf-8"?>
-<p:sld xmlns:a="http://schemas.openxmlformats.org/drawingml/2006/main" xmlns:r="http://schemas.openxmlformats.org/officeDocument/2006/relationships" xmlns:p="http://schemas.openxmlformats.org/presentationml/2006/main">
+<p:sld xmlns:a="http://schemas.openxmlformats.org/drawingml/2006/main" xmlns:p="http://schemas.openxmlformats.org/presentationml/2006/main" xmlns:r="http://schemas.openxmlformats.org/officeDocument/2006/relationships">
   <p:cSld>
     <p:spTree>
       <p:nvGrpSpPr>
@@ -3513,7 +3411,7 @@
           <p:cNvPr id="2" name="标题 1">
             <a:extLst>
               <a:ext uri="{FF2B5EF4-FFF2-40B4-BE49-F238E27FC236}">
-                <a16:creationId xmlns:a16="http://schemas.microsoft.com/office/drawing/2014/main" id="{A093CE61-4A1B-44B4-AB90-59D4A07E04A9}"/>
+                <a16:creationId xmlns:a16="http://schemas.microsoft.com/office/drawing/2014/main" id="{2BF6207E-E75A-405D-8A93-55C3D880791B}"/>
               </a:ext>
             </a:extLst>
           </p:cNvPr>
@@ -3529,7 +3427,11 @@
           <a:bodyPr/>
           <a:lstStyle/>
           <a:p>
-            <a:endParaRPr lang="zh-CN" altLang="en-US"/>
+            <a:r>
+              <a:rPr altLang="zh-CN" dirty="0" lang="en-US"/>
+              <a:t>2</a:t>
+            </a:r>
+            <a:endParaRPr altLang="en-US" dirty="0" lang="zh-CN"/>
           </a:p>
         </p:txBody>
       </p:sp>
@@ -3538,7 +3440,7 @@
           <p:cNvPr id="3" name="内容占位符 2">
             <a:extLst>
               <a:ext uri="{FF2B5EF4-FFF2-40B4-BE49-F238E27FC236}">
-                <a16:creationId xmlns:a16="http://schemas.microsoft.com/office/drawing/2014/main" id="{CEB8A69C-2C54-4071-AA0F-75F8C68511FB}"/>
+                <a16:creationId xmlns:a16="http://schemas.microsoft.com/office/drawing/2014/main" id="{352B20E6-BF2E-442C-B7A8-E72545BB5D93}"/>
               </a:ext>
             </a:extLst>
           </p:cNvPr>
@@ -3554,194 +3456,14 @@
           <a:bodyPr/>
           <a:lstStyle/>
           <a:p>
-            <a:endParaRPr lang="zh-CN" altLang="en-US"/>
+            <a:endParaRPr altLang="en-US" lang="zh-CN"/>
           </a:p>
         </p:txBody>
       </p:sp>
     </p:spTree>
     <p:extLst>
       <p:ext uri="{BB962C8B-B14F-4D97-AF65-F5344CB8AC3E}">
-        <p14:creationId xmlns:p14="http://schemas.microsoft.com/office/powerpoint/2010/main" val="4291417307"/>
-      </p:ext>
-    </p:extLst>
-  </p:cSld>
-  <p:clrMapOvr>
-    <a:masterClrMapping/>
-  </p:clrMapOvr>
-</p:sld>
-</file>
-
-<file path=ppt/slides/slide3.xml><?xml version="1.0" encoding="utf-8"?>
-<p:sld xmlns:a="http://schemas.openxmlformats.org/drawingml/2006/main" xmlns:r="http://schemas.openxmlformats.org/officeDocument/2006/relationships" xmlns:p="http://schemas.openxmlformats.org/presentationml/2006/main">
-  <p:cSld>
-    <p:spTree>
-      <p:nvGrpSpPr>
-        <p:cNvPr id="1" name=""/>
-        <p:cNvGrpSpPr/>
-        <p:nvPr/>
-      </p:nvGrpSpPr>
-      <p:grpSpPr>
-        <a:xfrm>
-          <a:off x="0" y="0"/>
-          <a:ext cx="0" cy="0"/>
-          <a:chOff x="0" y="0"/>
-          <a:chExt cx="0" cy="0"/>
-        </a:xfrm>
-      </p:grpSpPr>
-      <p:sp>
-        <p:nvSpPr>
-          <p:cNvPr id="2" name="标题 1">
-            <a:extLst>
-              <a:ext uri="{FF2B5EF4-FFF2-40B4-BE49-F238E27FC236}">
-                <a16:creationId xmlns:a16="http://schemas.microsoft.com/office/drawing/2014/main" id="{73BFEBDE-3657-4820-88E9-C7FEFBFBA85F}"/>
-              </a:ext>
-            </a:extLst>
-          </p:cNvPr>
-          <p:cNvSpPr>
-            <a:spLocks noGrp="1"/>
-          </p:cNvSpPr>
-          <p:nvPr>
-            <p:ph type="ctrTitle"/>
-          </p:nvPr>
-        </p:nvSpPr>
-        <p:spPr/>
-        <p:txBody>
-          <a:bodyPr/>
-          <a:lstStyle/>
-          <a:p>
-            <a:r>
-              <a:rPr lang="en-US" altLang="zh-CN" dirty="0"/>
-              <a:t>{Title}</a:t>
-            </a:r>
-            <a:endParaRPr lang="zh-CN" altLang="en-US" dirty="0"/>
-          </a:p>
-        </p:txBody>
-      </p:sp>
-      <p:sp>
-        <p:nvSpPr>
-          <p:cNvPr id="3" name="副标题 2">
-            <a:extLst>
-              <a:ext uri="{FF2B5EF4-FFF2-40B4-BE49-F238E27FC236}">
-                <a16:creationId xmlns:a16="http://schemas.microsoft.com/office/drawing/2014/main" id="{775E6482-405C-422C-8EF2-686E31B1E9CE}"/>
-              </a:ext>
-            </a:extLst>
-          </p:cNvPr>
-          <p:cNvSpPr>
-            <a:spLocks noGrp="1"/>
-          </p:cNvSpPr>
-          <p:nvPr>
-            <p:ph type="subTitle" idx="1"/>
-          </p:nvPr>
-        </p:nvSpPr>
-        <p:spPr/>
-        <p:txBody>
-          <a:bodyPr/>
-          <a:lstStyle/>
-          <a:p>
-            <a:r>
-              <a:rPr lang="en-US" altLang="zh-CN" dirty="0"/>
-              <a:t>{</a:t>
-            </a:r>
-            <a:r>
-              <a:rPr lang="en-US" altLang="zh-CN" dirty="0" err="1"/>
-              <a:t>subTitle</a:t>
-            </a:r>
-            <a:r>
-              <a:rPr lang="en-US" altLang="zh-CN" dirty="0"/>
-              <a:t>}</a:t>
-            </a:r>
-            <a:endParaRPr lang="zh-CN" altLang="en-US" dirty="0"/>
-          </a:p>
-        </p:txBody>
-      </p:sp>
-      <p:sp>
-        <p:nvSpPr>
-          <p:cNvPr id="4" name="文本框 3">
-            <a:extLst>
-              <a:ext uri="{FF2B5EF4-FFF2-40B4-BE49-F238E27FC236}">
-                <a16:creationId xmlns:a16="http://schemas.microsoft.com/office/drawing/2014/main" id="{0A432AED-A13B-4F92-AAE0-5A54EC75116A}"/>
-              </a:ext>
-            </a:extLst>
-          </p:cNvPr>
-          <p:cNvSpPr txBox="1"/>
-          <p:nvPr/>
-        </p:nvSpPr>
-        <p:spPr>
-          <a:xfrm>
-            <a:off x="7663543" y="580571"/>
-            <a:ext cx="2714171" cy="369332"/>
-          </a:xfrm>
-          <a:prstGeom prst="rect">
-            <a:avLst/>
-          </a:prstGeom>
-          <a:noFill/>
-        </p:spPr>
-        <p:txBody>
-          <a:bodyPr wrap="square" rtlCol="0">
-            <a:spAutoFit/>
-          </a:bodyPr>
-          <a:lstStyle/>
-          <a:p>
-            <a:r>
-              <a:rPr lang="en-US" altLang="zh-CN" dirty="0"/>
-              <a:t>{</a:t>
-            </a:r>
-            <a:r>
-              <a:rPr lang="en-US" altLang="zh-CN" dirty="0" err="1"/>
-              <a:t>reporterName</a:t>
-            </a:r>
-            <a:r>
-              <a:rPr lang="en-US" altLang="zh-CN" dirty="0"/>
-              <a:t>]</a:t>
-            </a:r>
-            <a:endParaRPr lang="zh-CN" altLang="en-US" dirty="0"/>
-          </a:p>
-        </p:txBody>
-      </p:sp>
-      <p:sp>
-        <p:nvSpPr>
-          <p:cNvPr id="5" name="文本框 4">
-            <a:extLst>
-              <a:ext uri="{FF2B5EF4-FFF2-40B4-BE49-F238E27FC236}">
-                <a16:creationId xmlns:a16="http://schemas.microsoft.com/office/drawing/2014/main" id="{D2BB382D-0575-4118-A60C-8B3E82D3E88F}"/>
-              </a:ext>
-            </a:extLst>
-          </p:cNvPr>
-          <p:cNvSpPr txBox="1"/>
-          <p:nvPr/>
-        </p:nvSpPr>
-        <p:spPr>
-          <a:xfrm>
-            <a:off x="696686" y="408111"/>
-            <a:ext cx="2307771" cy="369332"/>
-          </a:xfrm>
-          <a:prstGeom prst="rect">
-            <a:avLst/>
-          </a:prstGeom>
-          <a:noFill/>
-        </p:spPr>
-        <p:txBody>
-          <a:bodyPr wrap="square" rtlCol="0">
-            <a:spAutoFit/>
-          </a:bodyPr>
-          <a:lstStyle/>
-          <a:p>
-            <a:r>
-              <a:rPr lang="en-US" altLang="zh-CN" dirty="0"/>
-              <a:t>{</a:t>
-            </a:r>
-            <a:r>
-              <a:rPr lang="en-US" altLang="zh-CN"/>
-              <a:t>reportTime}</a:t>
-            </a:r>
-            <a:endParaRPr lang="zh-CN" altLang="en-US" dirty="0"/>
-          </a:p>
-        </p:txBody>
-      </p:sp>
-    </p:spTree>
-    <p:extLst>
-      <p:ext uri="{BB962C8B-B14F-4D97-AF65-F5344CB8AC3E}">
-        <p14:creationId xmlns:p14="http://schemas.microsoft.com/office/powerpoint/2010/main" val="715344168"/>
+        <p14:creationId xmlns:p14="http://schemas.microsoft.com/office/powerpoint/2010/main" val="315513593"/>
       </p:ext>
     </p:extLst>
   </p:cSld>

--- a/src/main/resources/static/pptTemplate/template.pptx
+++ b/src/main/resources/static/pptTemplate/template.pptx
@@ -4,12 +4,15 @@
   <p:sldMasterIdLst>
     <p:sldMasterId id="2147483648" r:id="rId1"/>
   </p:sldMasterIdLst>
+  <p:notesMasterIdLst>
+    <p:notesMasterId r:id="rId9"/>
+  </p:notesMasterIdLst>
   <p:sldIdLst>
     <p:sldId id="301" r:id="rId2"/>
     <p:sldId id="272" r:id="rId3"/>
     <p:sldId id="276" r:id="rId4"/>
     <p:sldId id="288" r:id="rId5"/>
-    <p:sldId id="283" r:id="rId6"/>
+    <p:sldId id="302" r:id="rId6"/>
     <p:sldId id="284" r:id="rId7"/>
     <p:sldId id="300" r:id="rId8"/>
   </p:sldIdLst>
@@ -226,6 +229,11 @@
               </a:ln>
               <a:effectLst/>
             </c:spPr>
+            <c:extLst>
+              <c:ext xmlns:c16="http://schemas.microsoft.com/office/drawing/2014/chart" uri="{C3380CC4-5D6E-409C-BE32-E72D297353CC}">
+                <c16:uniqueId val="{00000003-2F9F-4CDC-9A27-B25B2E1B7A9B}"/>
+              </c:ext>
+            </c:extLst>
           </c:dPt>
           <c:dPt>
             <c:idx val="2"/>
@@ -241,6 +249,11 @@
               </a:ln>
               <a:effectLst/>
             </c:spPr>
+            <c:extLst>
+              <c:ext xmlns:c16="http://schemas.microsoft.com/office/drawing/2014/chart" uri="{C3380CC4-5D6E-409C-BE32-E72D297353CC}">
+                <c16:uniqueId val="{00000005-2F9F-4CDC-9A27-B25B2E1B7A9B}"/>
+              </c:ext>
+            </c:extLst>
           </c:dPt>
           <c:dPt>
             <c:idx val="3"/>
@@ -256,6 +269,11 @@
               </a:ln>
               <a:effectLst/>
             </c:spPr>
+            <c:extLst>
+              <c:ext xmlns:c16="http://schemas.microsoft.com/office/drawing/2014/chart" uri="{C3380CC4-5D6E-409C-BE32-E72D297353CC}">
+                <c16:uniqueId val="{00000007-2F9F-4CDC-9A27-B25B2E1B7A9B}"/>
+              </c:ext>
+            </c:extLst>
           </c:dPt>
           <c:cat>
             <c:strRef>
@@ -947,6 +965,355 @@
 </cs:chartStyle>
 </file>
 
+<file path=ppt/notesMasters/notesMaster1.xml><?xml version="1.0" encoding="utf-8"?>
+<p:notesMaster xmlns:a="http://schemas.openxmlformats.org/drawingml/2006/main" xmlns:r="http://schemas.openxmlformats.org/officeDocument/2006/relationships" xmlns:p="http://schemas.openxmlformats.org/presentationml/2006/main">
+  <p:cSld>
+    <p:bg>
+      <p:bgRef idx="1001">
+        <a:schemeClr val="bg1"/>
+      </p:bgRef>
+    </p:bg>
+    <p:spTree>
+      <p:nvGrpSpPr>
+        <p:cNvPr id="1" name=""/>
+        <p:cNvGrpSpPr/>
+        <p:nvPr/>
+      </p:nvGrpSpPr>
+      <p:grpSpPr>
+        <a:xfrm>
+          <a:off x="0" y="0"/>
+          <a:ext cx="0" cy="0"/>
+          <a:chOff x="0" y="0"/>
+          <a:chExt cx="0" cy="0"/>
+        </a:xfrm>
+      </p:grpSpPr>
+      <p:sp>
+        <p:nvSpPr>
+          <p:cNvPr id="2" name="页眉占位符 1"/>
+          <p:cNvSpPr>
+            <a:spLocks noGrp="1"/>
+          </p:cNvSpPr>
+          <p:nvPr>
+            <p:ph type="hdr" sz="quarter"/>
+          </p:nvPr>
+        </p:nvSpPr>
+        <p:spPr>
+          <a:xfrm>
+            <a:off x="0" y="0"/>
+            <a:ext cx="2971800" cy="458788"/>
+          </a:xfrm>
+          <a:prstGeom prst="rect">
+            <a:avLst/>
+          </a:prstGeom>
+        </p:spPr>
+        <p:txBody>
+          <a:bodyPr vert="horz" lIns="91440" tIns="45720" rIns="91440" bIns="45720" rtlCol="0"/>
+          <a:lstStyle>
+            <a:lvl1pPr algn="l">
+              <a:defRPr sz="1200"/>
+            </a:lvl1pPr>
+          </a:lstStyle>
+          <a:p>
+            <a:endParaRPr lang="zh-CN" altLang="en-US"/>
+          </a:p>
+        </p:txBody>
+      </p:sp>
+      <p:sp>
+        <p:nvSpPr>
+          <p:cNvPr id="3" name="日期占位符 2"/>
+          <p:cNvSpPr>
+            <a:spLocks noGrp="1"/>
+          </p:cNvSpPr>
+          <p:nvPr>
+            <p:ph type="dt" idx="1"/>
+          </p:nvPr>
+        </p:nvSpPr>
+        <p:spPr>
+          <a:xfrm>
+            <a:off x="3884613" y="0"/>
+            <a:ext cx="2971800" cy="458788"/>
+          </a:xfrm>
+          <a:prstGeom prst="rect">
+            <a:avLst/>
+          </a:prstGeom>
+        </p:spPr>
+        <p:txBody>
+          <a:bodyPr vert="horz" lIns="91440" tIns="45720" rIns="91440" bIns="45720" rtlCol="0"/>
+          <a:lstStyle>
+            <a:lvl1pPr algn="r">
+              <a:defRPr sz="1200"/>
+            </a:lvl1pPr>
+          </a:lstStyle>
+          <a:p>
+            <a:fld id="{8F170704-9BAD-468F-94AA-350D517A4C77}" type="datetimeFigureOut">
+              <a:rPr lang="zh-CN" altLang="en-US" smtClean="0"/>
+              <a:t>2020/5/4</a:t>
+            </a:fld>
+            <a:endParaRPr lang="zh-CN" altLang="en-US"/>
+          </a:p>
+        </p:txBody>
+      </p:sp>
+      <p:sp>
+        <p:nvSpPr>
+          <p:cNvPr id="4" name="幻灯片图像占位符 3"/>
+          <p:cNvSpPr>
+            <a:spLocks noGrp="1" noRot="1" noChangeAspect="1"/>
+          </p:cNvSpPr>
+          <p:nvPr>
+            <p:ph type="sldImg" idx="2"/>
+          </p:nvPr>
+        </p:nvSpPr>
+        <p:spPr>
+          <a:xfrm>
+            <a:off x="685800" y="1143000"/>
+            <a:ext cx="5486400" cy="3086100"/>
+          </a:xfrm>
+          <a:prstGeom prst="rect">
+            <a:avLst/>
+          </a:prstGeom>
+          <a:noFill/>
+          <a:ln w="12700">
+            <a:solidFill>
+              <a:prstClr val="black"/>
+            </a:solidFill>
+          </a:ln>
+        </p:spPr>
+        <p:txBody>
+          <a:bodyPr vert="horz" lIns="91440" tIns="45720" rIns="91440" bIns="45720" rtlCol="0" anchor="ctr"/>
+          <a:lstStyle/>
+          <a:p>
+            <a:endParaRPr lang="zh-CN" altLang="en-US"/>
+          </a:p>
+        </p:txBody>
+      </p:sp>
+      <p:sp>
+        <p:nvSpPr>
+          <p:cNvPr id="5" name="备注占位符 4"/>
+          <p:cNvSpPr>
+            <a:spLocks noGrp="1"/>
+          </p:cNvSpPr>
+          <p:nvPr>
+            <p:ph type="body" sz="quarter" idx="3"/>
+          </p:nvPr>
+        </p:nvSpPr>
+        <p:spPr>
+          <a:xfrm>
+            <a:off x="685800" y="4400550"/>
+            <a:ext cx="5486400" cy="3600450"/>
+          </a:xfrm>
+          <a:prstGeom prst="rect">
+            <a:avLst/>
+          </a:prstGeom>
+        </p:spPr>
+        <p:txBody>
+          <a:bodyPr vert="horz" lIns="91440" tIns="45720" rIns="91440" bIns="45720" rtlCol="0"/>
+          <a:lstStyle/>
+          <a:p>
+            <a:pPr lvl="0"/>
+            <a:r>
+              <a:rPr lang="zh-CN" altLang="en-US"/>
+              <a:t>单击此处编辑母版文本样式</a:t>
+            </a:r>
+          </a:p>
+          <a:p>
+            <a:pPr lvl="1"/>
+            <a:r>
+              <a:rPr lang="zh-CN" altLang="en-US"/>
+              <a:t>二级</a:t>
+            </a:r>
+          </a:p>
+          <a:p>
+            <a:pPr lvl="2"/>
+            <a:r>
+              <a:rPr lang="zh-CN" altLang="en-US"/>
+              <a:t>三级</a:t>
+            </a:r>
+          </a:p>
+          <a:p>
+            <a:pPr lvl="3"/>
+            <a:r>
+              <a:rPr lang="zh-CN" altLang="en-US"/>
+              <a:t>四级</a:t>
+            </a:r>
+          </a:p>
+          <a:p>
+            <a:pPr lvl="4"/>
+            <a:r>
+              <a:rPr lang="zh-CN" altLang="en-US"/>
+              <a:t>五级</a:t>
+            </a:r>
+          </a:p>
+        </p:txBody>
+      </p:sp>
+      <p:sp>
+        <p:nvSpPr>
+          <p:cNvPr id="6" name="页脚占位符 5"/>
+          <p:cNvSpPr>
+            <a:spLocks noGrp="1"/>
+          </p:cNvSpPr>
+          <p:nvPr>
+            <p:ph type="ftr" sz="quarter" idx="4"/>
+          </p:nvPr>
+        </p:nvSpPr>
+        <p:spPr>
+          <a:xfrm>
+            <a:off x="0" y="8685213"/>
+            <a:ext cx="2971800" cy="458787"/>
+          </a:xfrm>
+          <a:prstGeom prst="rect">
+            <a:avLst/>
+          </a:prstGeom>
+        </p:spPr>
+        <p:txBody>
+          <a:bodyPr vert="horz" lIns="91440" tIns="45720" rIns="91440" bIns="45720" rtlCol="0" anchor="b"/>
+          <a:lstStyle>
+            <a:lvl1pPr algn="l">
+              <a:defRPr sz="1200"/>
+            </a:lvl1pPr>
+          </a:lstStyle>
+          <a:p>
+            <a:endParaRPr lang="zh-CN" altLang="en-US"/>
+          </a:p>
+        </p:txBody>
+      </p:sp>
+      <p:sp>
+        <p:nvSpPr>
+          <p:cNvPr id="7" name="灯片编号占位符 6"/>
+          <p:cNvSpPr>
+            <a:spLocks noGrp="1"/>
+          </p:cNvSpPr>
+          <p:nvPr>
+            <p:ph type="sldNum" sz="quarter" idx="5"/>
+          </p:nvPr>
+        </p:nvSpPr>
+        <p:spPr>
+          <a:xfrm>
+            <a:off x="3884613" y="8685213"/>
+            <a:ext cx="2971800" cy="458787"/>
+          </a:xfrm>
+          <a:prstGeom prst="rect">
+            <a:avLst/>
+          </a:prstGeom>
+        </p:spPr>
+        <p:txBody>
+          <a:bodyPr vert="horz" lIns="91440" tIns="45720" rIns="91440" bIns="45720" rtlCol="0" anchor="b"/>
+          <a:lstStyle>
+            <a:lvl1pPr algn="r">
+              <a:defRPr sz="1200"/>
+            </a:lvl1pPr>
+          </a:lstStyle>
+          <a:p>
+            <a:fld id="{EB8E63E8-DCB6-429E-A437-BA231D52C405}" type="slidenum">
+              <a:rPr lang="zh-CN" altLang="en-US" smtClean="0"/>
+              <a:t>‹#›</a:t>
+            </a:fld>
+            <a:endParaRPr lang="zh-CN" altLang="en-US"/>
+          </a:p>
+        </p:txBody>
+      </p:sp>
+    </p:spTree>
+    <p:extLst>
+      <p:ext uri="{BB962C8B-B14F-4D97-AF65-F5344CB8AC3E}">
+        <p14:creationId xmlns:p14="http://schemas.microsoft.com/office/powerpoint/2010/main" val="600275503"/>
+      </p:ext>
+    </p:extLst>
+  </p:cSld>
+  <p:clrMap bg1="lt1" tx1="dk1" bg2="lt2" tx2="dk2" accent1="accent1" accent2="accent2" accent3="accent3" accent4="accent4" accent5="accent5" accent6="accent6" hlink="hlink" folHlink="folHlink"/>
+  <p:notesStyle>
+    <a:lvl1pPr marL="0" algn="l" defTabSz="914400" rtl="0" eaLnBrk="1" latinLnBrk="0" hangingPunct="1">
+      <a:defRPr sz="1200" kern="1200">
+        <a:solidFill>
+          <a:schemeClr val="tx1"/>
+        </a:solidFill>
+        <a:latin typeface="+mn-lt"/>
+        <a:ea typeface="+mn-ea"/>
+        <a:cs typeface="+mn-cs"/>
+      </a:defRPr>
+    </a:lvl1pPr>
+    <a:lvl2pPr marL="457200" algn="l" defTabSz="914400" rtl="0" eaLnBrk="1" latinLnBrk="0" hangingPunct="1">
+      <a:defRPr sz="1200" kern="1200">
+        <a:solidFill>
+          <a:schemeClr val="tx1"/>
+        </a:solidFill>
+        <a:latin typeface="+mn-lt"/>
+        <a:ea typeface="+mn-ea"/>
+        <a:cs typeface="+mn-cs"/>
+      </a:defRPr>
+    </a:lvl2pPr>
+    <a:lvl3pPr marL="914400" algn="l" defTabSz="914400" rtl="0" eaLnBrk="1" latinLnBrk="0" hangingPunct="1">
+      <a:defRPr sz="1200" kern="1200">
+        <a:solidFill>
+          <a:schemeClr val="tx1"/>
+        </a:solidFill>
+        <a:latin typeface="+mn-lt"/>
+        <a:ea typeface="+mn-ea"/>
+        <a:cs typeface="+mn-cs"/>
+      </a:defRPr>
+    </a:lvl3pPr>
+    <a:lvl4pPr marL="1371600" algn="l" defTabSz="914400" rtl="0" eaLnBrk="1" latinLnBrk="0" hangingPunct="1">
+      <a:defRPr sz="1200" kern="1200">
+        <a:solidFill>
+          <a:schemeClr val="tx1"/>
+        </a:solidFill>
+        <a:latin typeface="+mn-lt"/>
+        <a:ea typeface="+mn-ea"/>
+        <a:cs typeface="+mn-cs"/>
+      </a:defRPr>
+    </a:lvl4pPr>
+    <a:lvl5pPr marL="1828800" algn="l" defTabSz="914400" rtl="0" eaLnBrk="1" latinLnBrk="0" hangingPunct="1">
+      <a:defRPr sz="1200" kern="1200">
+        <a:solidFill>
+          <a:schemeClr val="tx1"/>
+        </a:solidFill>
+        <a:latin typeface="+mn-lt"/>
+        <a:ea typeface="+mn-ea"/>
+        <a:cs typeface="+mn-cs"/>
+      </a:defRPr>
+    </a:lvl5pPr>
+    <a:lvl6pPr marL="2286000" algn="l" defTabSz="914400" rtl="0" eaLnBrk="1" latinLnBrk="0" hangingPunct="1">
+      <a:defRPr sz="1200" kern="1200">
+        <a:solidFill>
+          <a:schemeClr val="tx1"/>
+        </a:solidFill>
+        <a:latin typeface="+mn-lt"/>
+        <a:ea typeface="+mn-ea"/>
+        <a:cs typeface="+mn-cs"/>
+      </a:defRPr>
+    </a:lvl6pPr>
+    <a:lvl7pPr marL="2743200" algn="l" defTabSz="914400" rtl="0" eaLnBrk="1" latinLnBrk="0" hangingPunct="1">
+      <a:defRPr sz="1200" kern="1200">
+        <a:solidFill>
+          <a:schemeClr val="tx1"/>
+        </a:solidFill>
+        <a:latin typeface="+mn-lt"/>
+        <a:ea typeface="+mn-ea"/>
+        <a:cs typeface="+mn-cs"/>
+      </a:defRPr>
+    </a:lvl7pPr>
+    <a:lvl8pPr marL="3200400" algn="l" defTabSz="914400" rtl="0" eaLnBrk="1" latinLnBrk="0" hangingPunct="1">
+      <a:defRPr sz="1200" kern="1200">
+        <a:solidFill>
+          <a:schemeClr val="tx1"/>
+        </a:solidFill>
+        <a:latin typeface="+mn-lt"/>
+        <a:ea typeface="+mn-ea"/>
+        <a:cs typeface="+mn-cs"/>
+      </a:defRPr>
+    </a:lvl8pPr>
+    <a:lvl9pPr marL="3657600" algn="l" defTabSz="914400" rtl="0" eaLnBrk="1" latinLnBrk="0" hangingPunct="1">
+      <a:defRPr sz="1200" kern="1200">
+        <a:solidFill>
+          <a:schemeClr val="tx1"/>
+        </a:solidFill>
+        <a:latin typeface="+mn-lt"/>
+        <a:ea typeface="+mn-ea"/>
+        <a:cs typeface="+mn-cs"/>
+      </a:defRPr>
+    </a:lvl9pPr>
+  </p:notesStyle>
+</p:notesMaster>
+</file>
+
 <file path=ppt/slideLayouts/slideLayout1.xml><?xml version="1.0" encoding="utf-8"?>
 <p:sldLayout xmlns:a="http://schemas.openxmlformats.org/drawingml/2006/main" xmlns:r="http://schemas.openxmlformats.org/officeDocument/2006/relationships" xmlns:p="http://schemas.openxmlformats.org/presentationml/2006/main" type="title" preserve="1">
   <p:cSld name="标题幻灯片">
@@ -4551,409 +4918,6 @@
       </p:grpSpPr>
       <p:sp>
         <p:nvSpPr>
-          <p:cNvPr id="7" name="矩形 6">
-            <a:extLst>
-              <a:ext uri="{FF2B5EF4-FFF2-40B4-BE49-F238E27FC236}">
-                <a16:creationId xmlns:a16="http://schemas.microsoft.com/office/drawing/2014/main" id="{415C01F7-5990-4417-AA79-A72F0221E9A6}"/>
-              </a:ext>
-            </a:extLst>
-          </p:cNvPr>
-          <p:cNvSpPr/>
-          <p:nvPr/>
-        </p:nvSpPr>
-        <p:spPr>
-          <a:xfrm>
-            <a:off x="509590" y="330200"/>
-            <a:ext cx="11191993" cy="6019800"/>
-          </a:xfrm>
-          <a:custGeom>
-            <a:avLst/>
-            <a:gdLst>
-              <a:gd name="connsiteX0" fmla="*/ 0 w 5549900"/>
-              <a:gd name="connsiteY0" fmla="*/ 0 h 6019800"/>
-              <a:gd name="connsiteX1" fmla="*/ 5549900 w 5549900"/>
-              <a:gd name="connsiteY1" fmla="*/ 0 h 6019800"/>
-              <a:gd name="connsiteX2" fmla="*/ 5549900 w 5549900"/>
-              <a:gd name="connsiteY2" fmla="*/ 6019800 h 6019800"/>
-              <a:gd name="connsiteX3" fmla="*/ 0 w 5549900"/>
-              <a:gd name="connsiteY3" fmla="*/ 6019800 h 6019800"/>
-              <a:gd name="connsiteX4" fmla="*/ 0 w 5549900"/>
-              <a:gd name="connsiteY4" fmla="*/ 0 h 6019800"/>
-              <a:gd name="connsiteX0" fmla="*/ 0 w 5561028"/>
-              <a:gd name="connsiteY0" fmla="*/ 0 h 6019800"/>
-              <a:gd name="connsiteX1" fmla="*/ 5549900 w 5561028"/>
-              <a:gd name="connsiteY1" fmla="*/ 0 h 6019800"/>
-              <a:gd name="connsiteX2" fmla="*/ 5561012 w 5561028"/>
-              <a:gd name="connsiteY2" fmla="*/ 2616200 h 6019800"/>
-              <a:gd name="connsiteX3" fmla="*/ 5549900 w 5561028"/>
-              <a:gd name="connsiteY3" fmla="*/ 6019800 h 6019800"/>
-              <a:gd name="connsiteX4" fmla="*/ 0 w 5561028"/>
-              <a:gd name="connsiteY4" fmla="*/ 6019800 h 6019800"/>
-              <a:gd name="connsiteX5" fmla="*/ 0 w 5561028"/>
-              <a:gd name="connsiteY5" fmla="*/ 0 h 6019800"/>
-              <a:gd name="connsiteX0" fmla="*/ 5561012 w 5652452"/>
-              <a:gd name="connsiteY0" fmla="*/ 2616200 h 6019800"/>
-              <a:gd name="connsiteX1" fmla="*/ 5549900 w 5652452"/>
-              <a:gd name="connsiteY1" fmla="*/ 6019800 h 6019800"/>
-              <a:gd name="connsiteX2" fmla="*/ 0 w 5652452"/>
-              <a:gd name="connsiteY2" fmla="*/ 6019800 h 6019800"/>
-              <a:gd name="connsiteX3" fmla="*/ 0 w 5652452"/>
-              <a:gd name="connsiteY3" fmla="*/ 0 h 6019800"/>
-              <a:gd name="connsiteX4" fmla="*/ 5549900 w 5652452"/>
-              <a:gd name="connsiteY4" fmla="*/ 0 h 6019800"/>
-              <a:gd name="connsiteX5" fmla="*/ 5652452 w 5652452"/>
-              <a:gd name="connsiteY5" fmla="*/ 2707640 h 6019800"/>
-              <a:gd name="connsiteX0" fmla="*/ 5561012 w 5601652"/>
-              <a:gd name="connsiteY0" fmla="*/ 2616200 h 6019800"/>
-              <a:gd name="connsiteX1" fmla="*/ 5549900 w 5601652"/>
-              <a:gd name="connsiteY1" fmla="*/ 6019800 h 6019800"/>
-              <a:gd name="connsiteX2" fmla="*/ 0 w 5601652"/>
-              <a:gd name="connsiteY2" fmla="*/ 6019800 h 6019800"/>
-              <a:gd name="connsiteX3" fmla="*/ 0 w 5601652"/>
-              <a:gd name="connsiteY3" fmla="*/ 0 h 6019800"/>
-              <a:gd name="connsiteX4" fmla="*/ 5549900 w 5601652"/>
-              <a:gd name="connsiteY4" fmla="*/ 0 h 6019800"/>
-              <a:gd name="connsiteX5" fmla="*/ 5601652 w 5601652"/>
-              <a:gd name="connsiteY5" fmla="*/ 2263140 h 6019800"/>
-              <a:gd name="connsiteX0" fmla="*/ 5561012 w 5561012"/>
-              <a:gd name="connsiteY0" fmla="*/ 2616200 h 6019800"/>
-              <a:gd name="connsiteX1" fmla="*/ 5549900 w 5561012"/>
-              <a:gd name="connsiteY1" fmla="*/ 6019800 h 6019800"/>
-              <a:gd name="connsiteX2" fmla="*/ 0 w 5561012"/>
-              <a:gd name="connsiteY2" fmla="*/ 6019800 h 6019800"/>
-              <a:gd name="connsiteX3" fmla="*/ 0 w 5561012"/>
-              <a:gd name="connsiteY3" fmla="*/ 0 h 6019800"/>
-              <a:gd name="connsiteX4" fmla="*/ 5549900 w 5561012"/>
-              <a:gd name="connsiteY4" fmla="*/ 0 h 6019800"/>
-              <a:gd name="connsiteX5" fmla="*/ 5512752 w 5561012"/>
-              <a:gd name="connsiteY5" fmla="*/ 2250440 h 6019800"/>
-              <a:gd name="connsiteX0" fmla="*/ 5561012 w 5561012"/>
-              <a:gd name="connsiteY0" fmla="*/ 2616200 h 6019800"/>
-              <a:gd name="connsiteX1" fmla="*/ 5549900 w 5561012"/>
-              <a:gd name="connsiteY1" fmla="*/ 6019800 h 6019800"/>
-              <a:gd name="connsiteX2" fmla="*/ 0 w 5561012"/>
-              <a:gd name="connsiteY2" fmla="*/ 6019800 h 6019800"/>
-              <a:gd name="connsiteX3" fmla="*/ 0 w 5561012"/>
-              <a:gd name="connsiteY3" fmla="*/ 0 h 6019800"/>
-              <a:gd name="connsiteX4" fmla="*/ 5549900 w 5561012"/>
-              <a:gd name="connsiteY4" fmla="*/ 0 h 6019800"/>
-              <a:gd name="connsiteX5" fmla="*/ 5512752 w 5561012"/>
-              <a:gd name="connsiteY5" fmla="*/ 2250440 h 6019800"/>
-              <a:gd name="connsiteX0" fmla="*/ 5561012 w 5561012"/>
-              <a:gd name="connsiteY0" fmla="*/ 2616200 h 6019800"/>
-              <a:gd name="connsiteX1" fmla="*/ 5549900 w 5561012"/>
-              <a:gd name="connsiteY1" fmla="*/ 6019800 h 6019800"/>
-              <a:gd name="connsiteX2" fmla="*/ 0 w 5561012"/>
-              <a:gd name="connsiteY2" fmla="*/ 6019800 h 6019800"/>
-              <a:gd name="connsiteX3" fmla="*/ 0 w 5561012"/>
-              <a:gd name="connsiteY3" fmla="*/ 0 h 6019800"/>
-              <a:gd name="connsiteX4" fmla="*/ 5549900 w 5561012"/>
-              <a:gd name="connsiteY4" fmla="*/ 0 h 6019800"/>
-              <a:gd name="connsiteX5" fmla="*/ 5538152 w 5561012"/>
-              <a:gd name="connsiteY5" fmla="*/ 891540 h 6019800"/>
-              <a:gd name="connsiteX0" fmla="*/ 5561012 w 5561012"/>
-              <a:gd name="connsiteY0" fmla="*/ 2616200 h 6019800"/>
-              <a:gd name="connsiteX1" fmla="*/ 5549900 w 5561012"/>
-              <a:gd name="connsiteY1" fmla="*/ 6019800 h 6019800"/>
-              <a:gd name="connsiteX2" fmla="*/ 0 w 5561012"/>
-              <a:gd name="connsiteY2" fmla="*/ 6019800 h 6019800"/>
-              <a:gd name="connsiteX3" fmla="*/ 0 w 5561012"/>
-              <a:gd name="connsiteY3" fmla="*/ 0 h 6019800"/>
-              <a:gd name="connsiteX4" fmla="*/ 5549900 w 5561012"/>
-              <a:gd name="connsiteY4" fmla="*/ 0 h 6019800"/>
-              <a:gd name="connsiteX5" fmla="*/ 5557202 w 5561012"/>
-              <a:gd name="connsiteY5" fmla="*/ 891540 h 6019800"/>
-              <a:gd name="connsiteX0" fmla="*/ 5561012 w 5561012"/>
-              <a:gd name="connsiteY0" fmla="*/ 2616200 h 6019800"/>
-              <a:gd name="connsiteX1" fmla="*/ 5549900 w 5561012"/>
-              <a:gd name="connsiteY1" fmla="*/ 6019800 h 6019800"/>
-              <a:gd name="connsiteX2" fmla="*/ 0 w 5561012"/>
-              <a:gd name="connsiteY2" fmla="*/ 6019800 h 6019800"/>
-              <a:gd name="connsiteX3" fmla="*/ 0 w 5561012"/>
-              <a:gd name="connsiteY3" fmla="*/ 0 h 6019800"/>
-              <a:gd name="connsiteX4" fmla="*/ 5549900 w 5561012"/>
-              <a:gd name="connsiteY4" fmla="*/ 0 h 6019800"/>
-              <a:gd name="connsiteX5" fmla="*/ 5557202 w 5561012"/>
-              <a:gd name="connsiteY5" fmla="*/ 891540 h 6019800"/>
-              <a:gd name="connsiteX0" fmla="*/ 5561012 w 5561012"/>
-              <a:gd name="connsiteY0" fmla="*/ 2616200 h 6019800"/>
-              <a:gd name="connsiteX1" fmla="*/ 5549900 w 5561012"/>
-              <a:gd name="connsiteY1" fmla="*/ 6019800 h 6019800"/>
-              <a:gd name="connsiteX2" fmla="*/ 0 w 5561012"/>
-              <a:gd name="connsiteY2" fmla="*/ 6019800 h 6019800"/>
-              <a:gd name="connsiteX3" fmla="*/ 0 w 5561012"/>
-              <a:gd name="connsiteY3" fmla="*/ 0 h 6019800"/>
-              <a:gd name="connsiteX4" fmla="*/ 5549900 w 5561012"/>
-              <a:gd name="connsiteY4" fmla="*/ 0 h 6019800"/>
-              <a:gd name="connsiteX5" fmla="*/ 5550852 w 5561012"/>
-              <a:gd name="connsiteY5" fmla="*/ 891540 h 6019800"/>
-              <a:gd name="connsiteX0" fmla="*/ 5561012 w 5561012"/>
-              <a:gd name="connsiteY0" fmla="*/ 2616200 h 6019800"/>
-              <a:gd name="connsiteX1" fmla="*/ 5549900 w 5561012"/>
-              <a:gd name="connsiteY1" fmla="*/ 6019800 h 6019800"/>
-              <a:gd name="connsiteX2" fmla="*/ 0 w 5561012"/>
-              <a:gd name="connsiteY2" fmla="*/ 6019800 h 6019800"/>
-              <a:gd name="connsiteX3" fmla="*/ 0 w 5561012"/>
-              <a:gd name="connsiteY3" fmla="*/ 0 h 6019800"/>
-              <a:gd name="connsiteX4" fmla="*/ 5549900 w 5561012"/>
-              <a:gd name="connsiteY4" fmla="*/ 0 h 6019800"/>
-              <a:gd name="connsiteX5" fmla="*/ 5550852 w 5561012"/>
-              <a:gd name="connsiteY5" fmla="*/ 891540 h 6019800"/>
-              <a:gd name="connsiteX0" fmla="*/ 5561012 w 5561450"/>
-              <a:gd name="connsiteY0" fmla="*/ 2616200 h 6019800"/>
-              <a:gd name="connsiteX1" fmla="*/ 5549900 w 5561450"/>
-              <a:gd name="connsiteY1" fmla="*/ 6019800 h 6019800"/>
-              <a:gd name="connsiteX2" fmla="*/ 0 w 5561450"/>
-              <a:gd name="connsiteY2" fmla="*/ 6019800 h 6019800"/>
-              <a:gd name="connsiteX3" fmla="*/ 0 w 5561450"/>
-              <a:gd name="connsiteY3" fmla="*/ 0 h 6019800"/>
-              <a:gd name="connsiteX4" fmla="*/ 5549900 w 5561450"/>
-              <a:gd name="connsiteY4" fmla="*/ 0 h 6019800"/>
-              <a:gd name="connsiteX5" fmla="*/ 5550852 w 5561450"/>
-              <a:gd name="connsiteY5" fmla="*/ 891540 h 6019800"/>
-              <a:gd name="connsiteX0" fmla="*/ 5561012 w 5561450"/>
-              <a:gd name="connsiteY0" fmla="*/ 4933950 h 6019800"/>
-              <a:gd name="connsiteX1" fmla="*/ 5549900 w 5561450"/>
-              <a:gd name="connsiteY1" fmla="*/ 6019800 h 6019800"/>
-              <a:gd name="connsiteX2" fmla="*/ 0 w 5561450"/>
-              <a:gd name="connsiteY2" fmla="*/ 6019800 h 6019800"/>
-              <a:gd name="connsiteX3" fmla="*/ 0 w 5561450"/>
-              <a:gd name="connsiteY3" fmla="*/ 0 h 6019800"/>
-              <a:gd name="connsiteX4" fmla="*/ 5549900 w 5561450"/>
-              <a:gd name="connsiteY4" fmla="*/ 0 h 6019800"/>
-              <a:gd name="connsiteX5" fmla="*/ 5550852 w 5561450"/>
-              <a:gd name="connsiteY5" fmla="*/ 891540 h 6019800"/>
-              <a:gd name="connsiteX0" fmla="*/ 5535612 w 5550852"/>
-              <a:gd name="connsiteY0" fmla="*/ 4940300 h 6019800"/>
-              <a:gd name="connsiteX1" fmla="*/ 5549900 w 5550852"/>
-              <a:gd name="connsiteY1" fmla="*/ 6019800 h 6019800"/>
-              <a:gd name="connsiteX2" fmla="*/ 0 w 5550852"/>
-              <a:gd name="connsiteY2" fmla="*/ 6019800 h 6019800"/>
-              <a:gd name="connsiteX3" fmla="*/ 0 w 5550852"/>
-              <a:gd name="connsiteY3" fmla="*/ 0 h 6019800"/>
-              <a:gd name="connsiteX4" fmla="*/ 5549900 w 5550852"/>
-              <a:gd name="connsiteY4" fmla="*/ 0 h 6019800"/>
-              <a:gd name="connsiteX5" fmla="*/ 5550852 w 5550852"/>
-              <a:gd name="connsiteY5" fmla="*/ 891540 h 6019800"/>
-              <a:gd name="connsiteX0" fmla="*/ 5554662 w 5555557"/>
-              <a:gd name="connsiteY0" fmla="*/ 5295900 h 6019800"/>
-              <a:gd name="connsiteX1" fmla="*/ 5549900 w 5555557"/>
-              <a:gd name="connsiteY1" fmla="*/ 6019800 h 6019800"/>
-              <a:gd name="connsiteX2" fmla="*/ 0 w 5555557"/>
-              <a:gd name="connsiteY2" fmla="*/ 6019800 h 6019800"/>
-              <a:gd name="connsiteX3" fmla="*/ 0 w 5555557"/>
-              <a:gd name="connsiteY3" fmla="*/ 0 h 6019800"/>
-              <a:gd name="connsiteX4" fmla="*/ 5549900 w 5555557"/>
-              <a:gd name="connsiteY4" fmla="*/ 0 h 6019800"/>
-              <a:gd name="connsiteX5" fmla="*/ 5550852 w 5555557"/>
-              <a:gd name="connsiteY5" fmla="*/ 891540 h 6019800"/>
-              <a:gd name="connsiteX0" fmla="*/ 5554662 w 5555557"/>
-              <a:gd name="connsiteY0" fmla="*/ 5295900 h 6019800"/>
-              <a:gd name="connsiteX1" fmla="*/ 5549900 w 5555557"/>
-              <a:gd name="connsiteY1" fmla="*/ 6019800 h 6019800"/>
-              <a:gd name="connsiteX2" fmla="*/ 0 w 5555557"/>
-              <a:gd name="connsiteY2" fmla="*/ 6019800 h 6019800"/>
-              <a:gd name="connsiteX3" fmla="*/ 0 w 5555557"/>
-              <a:gd name="connsiteY3" fmla="*/ 0 h 6019800"/>
-              <a:gd name="connsiteX4" fmla="*/ 5549900 w 5555557"/>
-              <a:gd name="connsiteY4" fmla="*/ 0 h 6019800"/>
-              <a:gd name="connsiteX5" fmla="*/ 5550852 w 5555557"/>
-              <a:gd name="connsiteY5" fmla="*/ 561340 h 6019800"/>
-              <a:gd name="connsiteX0" fmla="*/ 5571057 w 5571295"/>
-              <a:gd name="connsiteY0" fmla="*/ 4940300 h 6019800"/>
-              <a:gd name="connsiteX1" fmla="*/ 5549900 w 5571295"/>
-              <a:gd name="connsiteY1" fmla="*/ 6019800 h 6019800"/>
-              <a:gd name="connsiteX2" fmla="*/ 0 w 5571295"/>
-              <a:gd name="connsiteY2" fmla="*/ 6019800 h 6019800"/>
-              <a:gd name="connsiteX3" fmla="*/ 0 w 5571295"/>
-              <a:gd name="connsiteY3" fmla="*/ 0 h 6019800"/>
-              <a:gd name="connsiteX4" fmla="*/ 5549900 w 5571295"/>
-              <a:gd name="connsiteY4" fmla="*/ 0 h 6019800"/>
-              <a:gd name="connsiteX5" fmla="*/ 5550852 w 5571295"/>
-              <a:gd name="connsiteY5" fmla="*/ 561340 h 6019800"/>
-              <a:gd name="connsiteX0" fmla="*/ 5562860 w 5563240"/>
-              <a:gd name="connsiteY0" fmla="*/ 4933950 h 6019800"/>
-              <a:gd name="connsiteX1" fmla="*/ 5549900 w 5563240"/>
-              <a:gd name="connsiteY1" fmla="*/ 6019800 h 6019800"/>
-              <a:gd name="connsiteX2" fmla="*/ 0 w 5563240"/>
-              <a:gd name="connsiteY2" fmla="*/ 6019800 h 6019800"/>
-              <a:gd name="connsiteX3" fmla="*/ 0 w 5563240"/>
-              <a:gd name="connsiteY3" fmla="*/ 0 h 6019800"/>
-              <a:gd name="connsiteX4" fmla="*/ 5549900 w 5563240"/>
-              <a:gd name="connsiteY4" fmla="*/ 0 h 6019800"/>
-              <a:gd name="connsiteX5" fmla="*/ 5550852 w 5563240"/>
-              <a:gd name="connsiteY5" fmla="*/ 561340 h 6019800"/>
-              <a:gd name="connsiteX0" fmla="*/ 5661225 w 5661270"/>
-              <a:gd name="connsiteY0" fmla="*/ 4724400 h 6019800"/>
-              <a:gd name="connsiteX1" fmla="*/ 5549900 w 5661270"/>
-              <a:gd name="connsiteY1" fmla="*/ 6019800 h 6019800"/>
-              <a:gd name="connsiteX2" fmla="*/ 0 w 5661270"/>
-              <a:gd name="connsiteY2" fmla="*/ 6019800 h 6019800"/>
-              <a:gd name="connsiteX3" fmla="*/ 0 w 5661270"/>
-              <a:gd name="connsiteY3" fmla="*/ 0 h 6019800"/>
-              <a:gd name="connsiteX4" fmla="*/ 5549900 w 5661270"/>
-              <a:gd name="connsiteY4" fmla="*/ 0 h 6019800"/>
-              <a:gd name="connsiteX5" fmla="*/ 5550852 w 5661270"/>
-              <a:gd name="connsiteY5" fmla="*/ 561340 h 6019800"/>
-              <a:gd name="connsiteX0" fmla="*/ 5554663 w 5555558"/>
-              <a:gd name="connsiteY0" fmla="*/ 5086350 h 6019800"/>
-              <a:gd name="connsiteX1" fmla="*/ 5549900 w 5555558"/>
-              <a:gd name="connsiteY1" fmla="*/ 6019800 h 6019800"/>
-              <a:gd name="connsiteX2" fmla="*/ 0 w 5555558"/>
-              <a:gd name="connsiteY2" fmla="*/ 6019800 h 6019800"/>
-              <a:gd name="connsiteX3" fmla="*/ 0 w 5555558"/>
-              <a:gd name="connsiteY3" fmla="*/ 0 h 6019800"/>
-              <a:gd name="connsiteX4" fmla="*/ 5549900 w 5555558"/>
-              <a:gd name="connsiteY4" fmla="*/ 0 h 6019800"/>
-              <a:gd name="connsiteX5" fmla="*/ 5550852 w 5555558"/>
-              <a:gd name="connsiteY5" fmla="*/ 561340 h 6019800"/>
-              <a:gd name="connsiteX0" fmla="*/ 5554663 w 5555558"/>
-              <a:gd name="connsiteY0" fmla="*/ 5086350 h 6019800"/>
-              <a:gd name="connsiteX1" fmla="*/ 5549900 w 5555558"/>
-              <a:gd name="connsiteY1" fmla="*/ 6019800 h 6019800"/>
-              <a:gd name="connsiteX2" fmla="*/ 0 w 5555558"/>
-              <a:gd name="connsiteY2" fmla="*/ 6019800 h 6019800"/>
-              <a:gd name="connsiteX3" fmla="*/ 0 w 5555558"/>
-              <a:gd name="connsiteY3" fmla="*/ 0 h 6019800"/>
-              <a:gd name="connsiteX4" fmla="*/ 5549900 w 5555558"/>
-              <a:gd name="connsiteY4" fmla="*/ 0 h 6019800"/>
-              <a:gd name="connsiteX5" fmla="*/ 5550852 w 5555558"/>
-              <a:gd name="connsiteY5" fmla="*/ 561340 h 6019800"/>
-              <a:gd name="connsiteX6" fmla="*/ 5554663 w 5555558"/>
-              <a:gd name="connsiteY6" fmla="*/ 5086350 h 6019800"/>
-              <a:gd name="connsiteX0" fmla="*/ 5554663 w 5962594"/>
-              <a:gd name="connsiteY0" fmla="*/ 5086350 h 6019800"/>
-              <a:gd name="connsiteX1" fmla="*/ 5549900 w 5962594"/>
-              <a:gd name="connsiteY1" fmla="*/ 6019800 h 6019800"/>
-              <a:gd name="connsiteX2" fmla="*/ 0 w 5962594"/>
-              <a:gd name="connsiteY2" fmla="*/ 6019800 h 6019800"/>
-              <a:gd name="connsiteX3" fmla="*/ 0 w 5962594"/>
-              <a:gd name="connsiteY3" fmla="*/ 0 h 6019800"/>
-              <a:gd name="connsiteX4" fmla="*/ 5549900 w 5962594"/>
-              <a:gd name="connsiteY4" fmla="*/ 0 h 6019800"/>
-              <a:gd name="connsiteX5" fmla="*/ 5554663 w 5962594"/>
-              <a:gd name="connsiteY5" fmla="*/ 5086350 h 6019800"/>
-              <a:gd name="connsiteX0" fmla="*/ 5549900 w 6243637"/>
-              <a:gd name="connsiteY0" fmla="*/ 0 h 6019800"/>
-              <a:gd name="connsiteX1" fmla="*/ 5549900 w 6243637"/>
-              <a:gd name="connsiteY1" fmla="*/ 6019800 h 6019800"/>
-              <a:gd name="connsiteX2" fmla="*/ 0 w 6243637"/>
-              <a:gd name="connsiteY2" fmla="*/ 6019800 h 6019800"/>
-              <a:gd name="connsiteX3" fmla="*/ 0 w 6243637"/>
-              <a:gd name="connsiteY3" fmla="*/ 0 h 6019800"/>
-              <a:gd name="connsiteX4" fmla="*/ 5549900 w 6243637"/>
-              <a:gd name="connsiteY4" fmla="*/ 0 h 6019800"/>
-              <a:gd name="connsiteX0" fmla="*/ 5549900 w 5962576"/>
-              <a:gd name="connsiteY0" fmla="*/ 0 h 6019800"/>
-              <a:gd name="connsiteX1" fmla="*/ 5549900 w 5962576"/>
-              <a:gd name="connsiteY1" fmla="*/ 6019800 h 6019800"/>
-              <a:gd name="connsiteX2" fmla="*/ 0 w 5962576"/>
-              <a:gd name="connsiteY2" fmla="*/ 6019800 h 6019800"/>
-              <a:gd name="connsiteX3" fmla="*/ 0 w 5962576"/>
-              <a:gd name="connsiteY3" fmla="*/ 0 h 6019800"/>
-              <a:gd name="connsiteX4" fmla="*/ 5549900 w 5962576"/>
-              <a:gd name="connsiteY4" fmla="*/ 0 h 6019800"/>
-              <a:gd name="connsiteX0" fmla="*/ 5549900 w 5555194"/>
-              <a:gd name="connsiteY0" fmla="*/ 0 h 6019800"/>
-              <a:gd name="connsiteX1" fmla="*/ 5549900 w 5555194"/>
-              <a:gd name="connsiteY1" fmla="*/ 6019800 h 6019800"/>
-              <a:gd name="connsiteX2" fmla="*/ 0 w 5555194"/>
-              <a:gd name="connsiteY2" fmla="*/ 6019800 h 6019800"/>
-              <a:gd name="connsiteX3" fmla="*/ 0 w 5555194"/>
-              <a:gd name="connsiteY3" fmla="*/ 0 h 6019800"/>
-              <a:gd name="connsiteX4" fmla="*/ 5549900 w 5555194"/>
-              <a:gd name="connsiteY4" fmla="*/ 0 h 6019800"/>
-              <a:gd name="connsiteX0" fmla="*/ 5549900 w 5557160"/>
-              <a:gd name="connsiteY0" fmla="*/ 0 h 6019800"/>
-              <a:gd name="connsiteX1" fmla="*/ 5549900 w 5557160"/>
-              <a:gd name="connsiteY1" fmla="*/ 6019800 h 6019800"/>
-              <a:gd name="connsiteX2" fmla="*/ 0 w 5557160"/>
-              <a:gd name="connsiteY2" fmla="*/ 6019800 h 6019800"/>
-              <a:gd name="connsiteX3" fmla="*/ 0 w 5557160"/>
-              <a:gd name="connsiteY3" fmla="*/ 0 h 6019800"/>
-              <a:gd name="connsiteX4" fmla="*/ 5549900 w 5557160"/>
-              <a:gd name="connsiteY4" fmla="*/ 0 h 6019800"/>
-            </a:gdLst>
-            <a:ahLst/>
-            <a:cxnLst>
-              <a:cxn ang="0">
-                <a:pos x="connsiteX0" y="connsiteY0"/>
-              </a:cxn>
-              <a:cxn ang="0">
-                <a:pos x="connsiteX1" y="connsiteY1"/>
-              </a:cxn>
-              <a:cxn ang="0">
-                <a:pos x="connsiteX2" y="connsiteY2"/>
-              </a:cxn>
-              <a:cxn ang="0">
-                <a:pos x="connsiteX3" y="connsiteY3"/>
-              </a:cxn>
-              <a:cxn ang="0">
-                <a:pos x="connsiteX4" y="connsiteY4"/>
-              </a:cxn>
-            </a:cxnLst>
-            <a:rect l="l" t="t" r="r" b="b"/>
-            <a:pathLst>
-              <a:path w="5557160" h="6019800">
-                <a:moveTo>
-                  <a:pt x="5549900" y="0"/>
-                </a:moveTo>
-                <a:cubicBezTo>
-                  <a:pt x="5556959" y="1708978"/>
-                  <a:pt x="5561894" y="4827656"/>
-                  <a:pt x="5549900" y="6019800"/>
-                </a:cubicBezTo>
-                <a:lnTo>
-                  <a:pt x="0" y="6019800"/>
-                </a:lnTo>
-                <a:lnTo>
-                  <a:pt x="0" y="0"/>
-                </a:lnTo>
-                <a:lnTo>
-                  <a:pt x="5549900" y="0"/>
-                </a:lnTo>
-                <a:close/>
-              </a:path>
-            </a:pathLst>
-          </a:custGeom>
-          <a:noFill/>
-          <a:ln w="19050">
-            <a:solidFill>
-              <a:srgbClr val="D2B796"/>
-            </a:solidFill>
-          </a:ln>
-        </p:spPr>
-        <p:style>
-          <a:lnRef idx="2">
-            <a:schemeClr val="accent1">
-              <a:shade val="50000"/>
-            </a:schemeClr>
-          </a:lnRef>
-          <a:fillRef idx="1">
-            <a:schemeClr val="accent1"/>
-          </a:fillRef>
-          <a:effectRef idx="0">
-            <a:schemeClr val="accent1"/>
-          </a:effectRef>
-          <a:fontRef idx="minor">
-            <a:schemeClr val="lt1"/>
-          </a:fontRef>
-        </p:style>
-        <p:txBody>
-          <a:bodyPr rtlCol="0" anchor="ctr"/>
-          <a:lstStyle/>
-          <a:p>
-            <a:pPr algn="ctr"/>
-            <a:endParaRPr lang="zh-CN" altLang="en-US">
-              <a:solidFill>
-                <a:srgbClr val="C8A67D"/>
-              </a:solidFill>
-            </a:endParaRPr>
-          </a:p>
-        </p:txBody>
-      </p:sp>
-      <p:sp>
-        <p:nvSpPr>
           <p:cNvPr id="8" name="文本框 7">
             <a:extLst>
               <a:ext uri="{FF2B5EF4-FFF2-40B4-BE49-F238E27FC236}">
@@ -5031,538 +4995,6 @@
           <a:chExt cx="0" cy="0"/>
         </a:xfrm>
       </p:grpSpPr>
-      <p:pic>
-        <p:nvPicPr>
-          <p:cNvPr id="26" name="图片 25">
-            <a:extLst>
-              <a:ext uri="{FF2B5EF4-FFF2-40B4-BE49-F238E27FC236}">
-                <a16:creationId xmlns:a16="http://schemas.microsoft.com/office/drawing/2014/main" id="{CBB42864-B545-4E08-8355-A558C31CF4CC}"/>
-              </a:ext>
-            </a:extLst>
-          </p:cNvPr>
-          <p:cNvPicPr>
-            <a:picLocks noChangeAspect="1"/>
-          </p:cNvPicPr>
-          <p:nvPr/>
-        </p:nvPicPr>
-        <p:blipFill rotWithShape="1">
-          <a:blip r:embed="rId2" cstate="print">
-            <a:extLst>
-              <a:ext uri="{BEBA8EAE-BF5A-486C-A8C5-ECC9F3942E4B}">
-                <a14:imgProps xmlns:a14="http://schemas.microsoft.com/office/drawing/2010/main">
-                  <a14:imgLayer r:embed="rId3">
-                    <a14:imgEffect>
-                      <a14:saturation sat="33000"/>
-                    </a14:imgEffect>
-                  </a14:imgLayer>
-                </a14:imgProps>
-              </a:ext>
-            </a:extLst>
-          </a:blip>
-          <a:srcRect l="54679" t="31773" r="40267" b="2005"/>
-          <a:stretch/>
-        </p:blipFill>
-        <p:spPr>
-          <a:xfrm>
-            <a:off x="6666482" y="2178996"/>
-            <a:ext cx="616225" cy="4541511"/>
-          </a:xfrm>
-          <a:custGeom>
-            <a:avLst/>
-            <a:gdLst>
-              <a:gd name="connsiteX0" fmla="*/ 0 w 616225"/>
-              <a:gd name="connsiteY0" fmla="*/ 0 h 5665304"/>
-              <a:gd name="connsiteX1" fmla="*/ 616225 w 616225"/>
-              <a:gd name="connsiteY1" fmla="*/ 0 h 5665304"/>
-              <a:gd name="connsiteX2" fmla="*/ 616225 w 616225"/>
-              <a:gd name="connsiteY2" fmla="*/ 5665304 h 5665304"/>
-              <a:gd name="connsiteX3" fmla="*/ 0 w 616225"/>
-              <a:gd name="connsiteY3" fmla="*/ 5665304 h 5665304"/>
-            </a:gdLst>
-            <a:ahLst/>
-            <a:cxnLst>
-              <a:cxn ang="0">
-                <a:pos x="connsiteX0" y="connsiteY0"/>
-              </a:cxn>
-              <a:cxn ang="0">
-                <a:pos x="connsiteX1" y="connsiteY1"/>
-              </a:cxn>
-              <a:cxn ang="0">
-                <a:pos x="connsiteX2" y="connsiteY2"/>
-              </a:cxn>
-              <a:cxn ang="0">
-                <a:pos x="connsiteX3" y="connsiteY3"/>
-              </a:cxn>
-            </a:cxnLst>
-            <a:rect l="l" t="t" r="r" b="b"/>
-            <a:pathLst>
-              <a:path w="616225" h="5665304">
-                <a:moveTo>
-                  <a:pt x="0" y="0"/>
-                </a:moveTo>
-                <a:lnTo>
-                  <a:pt x="616225" y="0"/>
-                </a:lnTo>
-                <a:lnTo>
-                  <a:pt x="616225" y="5665304"/>
-                </a:lnTo>
-                <a:lnTo>
-                  <a:pt x="0" y="5665304"/>
-                </a:lnTo>
-                <a:close/>
-              </a:path>
-            </a:pathLst>
-          </a:custGeom>
-          <a:effectLst>
-            <a:softEdge rad="50800"/>
-          </a:effectLst>
-        </p:spPr>
-      </p:pic>
-      <p:pic>
-        <p:nvPicPr>
-          <p:cNvPr id="18" name="图片 17">
-            <a:extLst>
-              <a:ext uri="{FF2B5EF4-FFF2-40B4-BE49-F238E27FC236}">
-                <a16:creationId xmlns:a16="http://schemas.microsoft.com/office/drawing/2014/main" id="{79648662-9306-44B7-86C0-7A2CE6506D98}"/>
-              </a:ext>
-            </a:extLst>
-          </p:cNvPr>
-          <p:cNvPicPr>
-            <a:picLocks noChangeAspect="1"/>
-          </p:cNvPicPr>
-          <p:nvPr/>
-        </p:nvPicPr>
-        <p:blipFill>
-          <a:blip r:embed="rId2" cstate="print">
-            <a:extLst>
-              <a:ext uri="{BEBA8EAE-BF5A-486C-A8C5-ECC9F3942E4B}">
-                <a14:imgProps xmlns:a14="http://schemas.microsoft.com/office/drawing/2010/main">
-                  <a14:imgLayer r:embed="rId3">
-                    <a14:imgEffect>
-                      <a14:saturation sat="33000"/>
-                    </a14:imgEffect>
-                  </a14:imgLayer>
-                </a14:imgProps>
-              </a:ext>
-            </a:extLst>
-          </a:blip>
-          <a:srcRect l="61949" t="11473" r="32996" b="5918"/>
-          <a:stretch>
-            <a:fillRect/>
-          </a:stretch>
-        </p:blipFill>
-        <p:spPr>
-          <a:xfrm>
-            <a:off x="7552867" y="786847"/>
-            <a:ext cx="616225" cy="5665304"/>
-          </a:xfrm>
-          <a:custGeom>
-            <a:avLst/>
-            <a:gdLst>
-              <a:gd name="connsiteX0" fmla="*/ 0 w 616225"/>
-              <a:gd name="connsiteY0" fmla="*/ 0 h 5665304"/>
-              <a:gd name="connsiteX1" fmla="*/ 616225 w 616225"/>
-              <a:gd name="connsiteY1" fmla="*/ 0 h 5665304"/>
-              <a:gd name="connsiteX2" fmla="*/ 616225 w 616225"/>
-              <a:gd name="connsiteY2" fmla="*/ 5665304 h 5665304"/>
-              <a:gd name="connsiteX3" fmla="*/ 0 w 616225"/>
-              <a:gd name="connsiteY3" fmla="*/ 5665304 h 5665304"/>
-            </a:gdLst>
-            <a:ahLst/>
-            <a:cxnLst>
-              <a:cxn ang="0">
-                <a:pos x="connsiteX0" y="connsiteY0"/>
-              </a:cxn>
-              <a:cxn ang="0">
-                <a:pos x="connsiteX1" y="connsiteY1"/>
-              </a:cxn>
-              <a:cxn ang="0">
-                <a:pos x="connsiteX2" y="connsiteY2"/>
-              </a:cxn>
-              <a:cxn ang="0">
-                <a:pos x="connsiteX3" y="connsiteY3"/>
-              </a:cxn>
-            </a:cxnLst>
-            <a:rect l="l" t="t" r="r" b="b"/>
-            <a:pathLst>
-              <a:path w="616225" h="5665304">
-                <a:moveTo>
-                  <a:pt x="0" y="0"/>
-                </a:moveTo>
-                <a:lnTo>
-                  <a:pt x="616225" y="0"/>
-                </a:lnTo>
-                <a:lnTo>
-                  <a:pt x="616225" y="5665304"/>
-                </a:lnTo>
-                <a:lnTo>
-                  <a:pt x="0" y="5665304"/>
-                </a:lnTo>
-                <a:close/>
-              </a:path>
-            </a:pathLst>
-          </a:custGeom>
-          <a:effectLst>
-            <a:softEdge rad="50800"/>
-          </a:effectLst>
-        </p:spPr>
-      </p:pic>
-      <p:pic>
-        <p:nvPicPr>
-          <p:cNvPr id="17" name="图片 16">
-            <a:extLst>
-              <a:ext uri="{FF2B5EF4-FFF2-40B4-BE49-F238E27FC236}">
-                <a16:creationId xmlns:a16="http://schemas.microsoft.com/office/drawing/2014/main" id="{05F47514-5D2C-4936-82F7-E923CCECF134}"/>
-              </a:ext>
-            </a:extLst>
-          </p:cNvPr>
-          <p:cNvPicPr>
-            <a:picLocks noChangeAspect="1"/>
-          </p:cNvPicPr>
-          <p:nvPr/>
-        </p:nvPicPr>
-        <p:blipFill>
-          <a:blip r:embed="rId2" cstate="print">
-            <a:extLst>
-              <a:ext uri="{BEBA8EAE-BF5A-486C-A8C5-ECC9F3942E4B}">
-                <a14:imgProps xmlns:a14="http://schemas.microsoft.com/office/drawing/2010/main">
-                  <a14:imgLayer r:embed="rId3">
-                    <a14:imgEffect>
-                      <a14:saturation sat="33000"/>
-                    </a14:imgEffect>
-                  </a14:imgLayer>
-                </a14:imgProps>
-              </a:ext>
-            </a:extLst>
-          </a:blip>
-          <a:srcRect l="69191" t="2005" r="25754" b="15386"/>
-          <a:stretch>
-            <a:fillRect/>
-          </a:stretch>
-        </p:blipFill>
-        <p:spPr>
-          <a:xfrm>
-            <a:off x="8435794" y="137491"/>
-            <a:ext cx="616225" cy="5665304"/>
-          </a:xfrm>
-          <a:custGeom>
-            <a:avLst/>
-            <a:gdLst>
-              <a:gd name="connsiteX0" fmla="*/ 0 w 616225"/>
-              <a:gd name="connsiteY0" fmla="*/ 0 h 5665304"/>
-              <a:gd name="connsiteX1" fmla="*/ 616225 w 616225"/>
-              <a:gd name="connsiteY1" fmla="*/ 0 h 5665304"/>
-              <a:gd name="connsiteX2" fmla="*/ 616225 w 616225"/>
-              <a:gd name="connsiteY2" fmla="*/ 5665304 h 5665304"/>
-              <a:gd name="connsiteX3" fmla="*/ 0 w 616225"/>
-              <a:gd name="connsiteY3" fmla="*/ 5665304 h 5665304"/>
-            </a:gdLst>
-            <a:ahLst/>
-            <a:cxnLst>
-              <a:cxn ang="0">
-                <a:pos x="connsiteX0" y="connsiteY0"/>
-              </a:cxn>
-              <a:cxn ang="0">
-                <a:pos x="connsiteX1" y="connsiteY1"/>
-              </a:cxn>
-              <a:cxn ang="0">
-                <a:pos x="connsiteX2" y="connsiteY2"/>
-              </a:cxn>
-              <a:cxn ang="0">
-                <a:pos x="connsiteX3" y="connsiteY3"/>
-              </a:cxn>
-            </a:cxnLst>
-            <a:rect l="l" t="t" r="r" b="b"/>
-            <a:pathLst>
-              <a:path w="616225" h="5665304">
-                <a:moveTo>
-                  <a:pt x="0" y="0"/>
-                </a:moveTo>
-                <a:lnTo>
-                  <a:pt x="616225" y="0"/>
-                </a:lnTo>
-                <a:lnTo>
-                  <a:pt x="616225" y="5665304"/>
-                </a:lnTo>
-                <a:lnTo>
-                  <a:pt x="0" y="5665304"/>
-                </a:lnTo>
-                <a:close/>
-              </a:path>
-            </a:pathLst>
-          </a:custGeom>
-          <a:effectLst>
-            <a:softEdge rad="50800"/>
-          </a:effectLst>
-        </p:spPr>
-      </p:pic>
-      <p:pic>
-        <p:nvPicPr>
-          <p:cNvPr id="16" name="图片 15">
-            <a:extLst>
-              <a:ext uri="{FF2B5EF4-FFF2-40B4-BE49-F238E27FC236}">
-                <a16:creationId xmlns:a16="http://schemas.microsoft.com/office/drawing/2014/main" id="{CEA3558C-2CB5-42E0-80C4-CCE0C5B5166B}"/>
-              </a:ext>
-            </a:extLst>
-          </p:cNvPr>
-          <p:cNvPicPr>
-            <a:picLocks noChangeAspect="1"/>
-          </p:cNvPicPr>
-          <p:nvPr/>
-        </p:nvPicPr>
-        <p:blipFill>
-          <a:blip r:embed="rId2" cstate="print">
-            <a:extLst>
-              <a:ext uri="{BEBA8EAE-BF5A-486C-A8C5-ECC9F3942E4B}">
-                <a14:imgProps xmlns:a14="http://schemas.microsoft.com/office/drawing/2010/main">
-                  <a14:imgLayer r:embed="rId3">
-                    <a14:imgEffect>
-                      <a14:saturation sat="33000"/>
-                    </a14:imgEffect>
-                  </a14:imgLayer>
-                </a14:imgProps>
-              </a:ext>
-            </a:extLst>
-          </a:blip>
-          <a:srcRect l="76433" t="15386" r="18513" b="2005"/>
-          <a:stretch>
-            <a:fillRect/>
-          </a:stretch>
-        </p:blipFill>
-        <p:spPr>
-          <a:xfrm>
-            <a:off x="9398235" y="1055203"/>
-            <a:ext cx="616225" cy="5665304"/>
-          </a:xfrm>
-          <a:custGeom>
-            <a:avLst/>
-            <a:gdLst>
-              <a:gd name="connsiteX0" fmla="*/ 0 w 616225"/>
-              <a:gd name="connsiteY0" fmla="*/ 0 h 5665304"/>
-              <a:gd name="connsiteX1" fmla="*/ 616225 w 616225"/>
-              <a:gd name="connsiteY1" fmla="*/ 0 h 5665304"/>
-              <a:gd name="connsiteX2" fmla="*/ 616225 w 616225"/>
-              <a:gd name="connsiteY2" fmla="*/ 5665304 h 5665304"/>
-              <a:gd name="connsiteX3" fmla="*/ 0 w 616225"/>
-              <a:gd name="connsiteY3" fmla="*/ 5665304 h 5665304"/>
-            </a:gdLst>
-            <a:ahLst/>
-            <a:cxnLst>
-              <a:cxn ang="0">
-                <a:pos x="connsiteX0" y="connsiteY0"/>
-              </a:cxn>
-              <a:cxn ang="0">
-                <a:pos x="connsiteX1" y="connsiteY1"/>
-              </a:cxn>
-              <a:cxn ang="0">
-                <a:pos x="connsiteX2" y="connsiteY2"/>
-              </a:cxn>
-              <a:cxn ang="0">
-                <a:pos x="connsiteX3" y="connsiteY3"/>
-              </a:cxn>
-            </a:cxnLst>
-            <a:rect l="l" t="t" r="r" b="b"/>
-            <a:pathLst>
-              <a:path w="616225" h="5665304">
-                <a:moveTo>
-                  <a:pt x="0" y="0"/>
-                </a:moveTo>
-                <a:lnTo>
-                  <a:pt x="616225" y="0"/>
-                </a:lnTo>
-                <a:lnTo>
-                  <a:pt x="616225" y="5665304"/>
-                </a:lnTo>
-                <a:lnTo>
-                  <a:pt x="0" y="5665304"/>
-                </a:lnTo>
-                <a:close/>
-              </a:path>
-            </a:pathLst>
-          </a:custGeom>
-          <a:effectLst>
-            <a:softEdge rad="50800"/>
-          </a:effectLst>
-        </p:spPr>
-      </p:pic>
-      <p:pic>
-        <p:nvPicPr>
-          <p:cNvPr id="15" name="图片 14">
-            <a:extLst>
-              <a:ext uri="{FF2B5EF4-FFF2-40B4-BE49-F238E27FC236}">
-                <a16:creationId xmlns:a16="http://schemas.microsoft.com/office/drawing/2014/main" id="{46C1F721-DF25-4E2C-A2F2-FC3B2015892E}"/>
-              </a:ext>
-            </a:extLst>
-          </p:cNvPr>
-          <p:cNvPicPr>
-            <a:picLocks noChangeAspect="1"/>
-          </p:cNvPicPr>
-          <p:nvPr/>
-        </p:nvPicPr>
-        <p:blipFill>
-          <a:blip r:embed="rId2" cstate="print">
-            <a:extLst>
-              <a:ext uri="{BEBA8EAE-BF5A-486C-A8C5-ECC9F3942E4B}">
-                <a14:imgProps xmlns:a14="http://schemas.microsoft.com/office/drawing/2010/main">
-                  <a14:imgLayer r:embed="rId3">
-                    <a14:imgEffect>
-                      <a14:saturation sat="33000"/>
-                    </a14:imgEffect>
-                  </a14:imgLayer>
-                </a14:imgProps>
-              </a:ext>
-            </a:extLst>
-          </a:blip>
-          <a:srcRect l="83675" t="9251" r="11271" b="8140"/>
-          <a:stretch>
-            <a:fillRect/>
-          </a:stretch>
-        </p:blipFill>
-        <p:spPr>
-          <a:xfrm>
-            <a:off x="10201650" y="634447"/>
-            <a:ext cx="616225" cy="5665304"/>
-          </a:xfrm>
-          <a:custGeom>
-            <a:avLst/>
-            <a:gdLst>
-              <a:gd name="connsiteX0" fmla="*/ 0 w 616225"/>
-              <a:gd name="connsiteY0" fmla="*/ 0 h 5665304"/>
-              <a:gd name="connsiteX1" fmla="*/ 616225 w 616225"/>
-              <a:gd name="connsiteY1" fmla="*/ 0 h 5665304"/>
-              <a:gd name="connsiteX2" fmla="*/ 616225 w 616225"/>
-              <a:gd name="connsiteY2" fmla="*/ 5665304 h 5665304"/>
-              <a:gd name="connsiteX3" fmla="*/ 0 w 616225"/>
-              <a:gd name="connsiteY3" fmla="*/ 5665304 h 5665304"/>
-            </a:gdLst>
-            <a:ahLst/>
-            <a:cxnLst>
-              <a:cxn ang="0">
-                <a:pos x="connsiteX0" y="connsiteY0"/>
-              </a:cxn>
-              <a:cxn ang="0">
-                <a:pos x="connsiteX1" y="connsiteY1"/>
-              </a:cxn>
-              <a:cxn ang="0">
-                <a:pos x="connsiteX2" y="connsiteY2"/>
-              </a:cxn>
-              <a:cxn ang="0">
-                <a:pos x="connsiteX3" y="connsiteY3"/>
-              </a:cxn>
-            </a:cxnLst>
-            <a:rect l="l" t="t" r="r" b="b"/>
-            <a:pathLst>
-              <a:path w="616225" h="5665304">
-                <a:moveTo>
-                  <a:pt x="0" y="0"/>
-                </a:moveTo>
-                <a:lnTo>
-                  <a:pt x="616225" y="0"/>
-                </a:lnTo>
-                <a:lnTo>
-                  <a:pt x="616225" y="5665304"/>
-                </a:lnTo>
-                <a:lnTo>
-                  <a:pt x="0" y="5665304"/>
-                </a:lnTo>
-                <a:close/>
-              </a:path>
-            </a:pathLst>
-          </a:custGeom>
-          <a:effectLst>
-            <a:softEdge rad="50800"/>
-          </a:effectLst>
-        </p:spPr>
-      </p:pic>
-      <p:pic>
-        <p:nvPicPr>
-          <p:cNvPr id="14" name="图片 13">
-            <a:extLst>
-              <a:ext uri="{FF2B5EF4-FFF2-40B4-BE49-F238E27FC236}">
-                <a16:creationId xmlns:a16="http://schemas.microsoft.com/office/drawing/2014/main" id="{53A81247-B6FF-48DA-92D9-341BBDB3D9BA}"/>
-              </a:ext>
-            </a:extLst>
-          </p:cNvPr>
-          <p:cNvPicPr>
-            <a:picLocks noChangeAspect="1"/>
-          </p:cNvPicPr>
-          <p:nvPr/>
-        </p:nvPicPr>
-        <p:blipFill>
-          <a:blip r:embed="rId2" cstate="print">
-            <a:extLst>
-              <a:ext uri="{BEBA8EAE-BF5A-486C-A8C5-ECC9F3942E4B}">
-                <a14:imgProps xmlns:a14="http://schemas.microsoft.com/office/drawing/2010/main">
-                  <a14:imgLayer r:embed="rId3">
-                    <a14:imgEffect>
-                      <a14:saturation sat="33000"/>
-                    </a14:imgEffect>
-                  </a14:imgLayer>
-                </a14:imgProps>
-              </a:ext>
-            </a:extLst>
-          </a:blip>
-          <a:srcRect l="90917" t="4758" r="4029" b="12633"/>
-          <a:stretch>
-            <a:fillRect/>
-          </a:stretch>
-        </p:blipFill>
-        <p:spPr>
-          <a:xfrm>
-            <a:off x="11084577" y="326334"/>
-            <a:ext cx="616225" cy="5665304"/>
-          </a:xfrm>
-          <a:custGeom>
-            <a:avLst/>
-            <a:gdLst>
-              <a:gd name="connsiteX0" fmla="*/ 0 w 616225"/>
-              <a:gd name="connsiteY0" fmla="*/ 0 h 5665304"/>
-              <a:gd name="connsiteX1" fmla="*/ 616225 w 616225"/>
-              <a:gd name="connsiteY1" fmla="*/ 0 h 5665304"/>
-              <a:gd name="connsiteX2" fmla="*/ 616225 w 616225"/>
-              <a:gd name="connsiteY2" fmla="*/ 5665304 h 5665304"/>
-              <a:gd name="connsiteX3" fmla="*/ 0 w 616225"/>
-              <a:gd name="connsiteY3" fmla="*/ 5665304 h 5665304"/>
-            </a:gdLst>
-            <a:ahLst/>
-            <a:cxnLst>
-              <a:cxn ang="0">
-                <a:pos x="connsiteX0" y="connsiteY0"/>
-              </a:cxn>
-              <a:cxn ang="0">
-                <a:pos x="connsiteX1" y="connsiteY1"/>
-              </a:cxn>
-              <a:cxn ang="0">
-                <a:pos x="connsiteX2" y="connsiteY2"/>
-              </a:cxn>
-              <a:cxn ang="0">
-                <a:pos x="connsiteX3" y="connsiteY3"/>
-              </a:cxn>
-            </a:cxnLst>
-            <a:rect l="l" t="t" r="r" b="b"/>
-            <a:pathLst>
-              <a:path w="616225" h="5665304">
-                <a:moveTo>
-                  <a:pt x="0" y="0"/>
-                </a:moveTo>
-                <a:lnTo>
-                  <a:pt x="616225" y="0"/>
-                </a:lnTo>
-                <a:lnTo>
-                  <a:pt x="616225" y="5665304"/>
-                </a:lnTo>
-                <a:lnTo>
-                  <a:pt x="0" y="5665304"/>
-                </a:lnTo>
-                <a:close/>
-              </a:path>
-            </a:pathLst>
-          </a:custGeom>
-          <a:effectLst>
-            <a:softEdge rad="50800"/>
-          </a:effectLst>
-        </p:spPr>
-      </p:pic>
       <p:sp>
         <p:nvSpPr>
           <p:cNvPr id="19" name="文本框 18">
@@ -5632,7 +5064,7 @@
         </p:nvSpPr>
         <p:spPr>
           <a:xfrm>
-            <a:off x="566939" y="1864065"/>
+            <a:off x="566939" y="1894843"/>
             <a:ext cx="4949912" cy="584775"/>
           </a:xfrm>
           <a:prstGeom prst="rect">
@@ -5661,118 +5093,6 @@
               <a:latin typeface="+mj-ea"/>
               <a:ea typeface="+mj-ea"/>
             </a:endParaRPr>
-          </a:p>
-        </p:txBody>
-      </p:sp>
-      <p:cxnSp>
-        <p:nvCxnSpPr>
-          <p:cNvPr id="21" name="直接连接符 20">
-            <a:extLst>
-              <a:ext uri="{FF2B5EF4-FFF2-40B4-BE49-F238E27FC236}">
-                <a16:creationId xmlns:a16="http://schemas.microsoft.com/office/drawing/2014/main" id="{8BF83759-99F5-450E-AB54-F1079FE88730}"/>
-              </a:ext>
-            </a:extLst>
-          </p:cNvPr>
-          <p:cNvCxnSpPr>
-            <a:cxnSpLocks/>
-          </p:cNvCxnSpPr>
-          <p:nvPr/>
-        </p:nvCxnSpPr>
-        <p:spPr>
-          <a:xfrm>
-            <a:off x="812388" y="1724879"/>
-            <a:ext cx="4949912" cy="0"/>
-          </a:xfrm>
-          <a:prstGeom prst="line">
-            <a:avLst/>
-          </a:prstGeom>
-          <a:ln w="12700">
-            <a:gradFill>
-              <a:gsLst>
-                <a:gs pos="0">
-                  <a:schemeClr val="accent1">
-                    <a:lumMod val="5000"/>
-                    <a:lumOff val="95000"/>
-                    <a:alpha val="0"/>
-                  </a:schemeClr>
-                </a:gs>
-                <a:gs pos="50000">
-                  <a:schemeClr val="bg1"/>
-                </a:gs>
-                <a:gs pos="100000">
-                  <a:schemeClr val="bg1">
-                    <a:alpha val="0"/>
-                  </a:schemeClr>
-                </a:gs>
-              </a:gsLst>
-              <a:lin ang="0" scaled="0"/>
-            </a:gradFill>
-          </a:ln>
-        </p:spPr>
-        <p:style>
-          <a:lnRef idx="1">
-            <a:schemeClr val="accent1"/>
-          </a:lnRef>
-          <a:fillRef idx="0">
-            <a:schemeClr val="accent1"/>
-          </a:fillRef>
-          <a:effectRef idx="0">
-            <a:schemeClr val="accent1"/>
-          </a:effectRef>
-          <a:fontRef idx="minor">
-            <a:schemeClr val="tx1"/>
-          </a:fontRef>
-        </p:style>
-      </p:cxnSp>
-      <p:sp>
-        <p:nvSpPr>
-          <p:cNvPr id="28" name="矩形 27">
-            <a:extLst>
-              <a:ext uri="{FF2B5EF4-FFF2-40B4-BE49-F238E27FC236}">
-                <a16:creationId xmlns:a16="http://schemas.microsoft.com/office/drawing/2014/main" id="{45C252BF-5D17-420C-9F38-EF8061A2D1AD}"/>
-              </a:ext>
-            </a:extLst>
-          </p:cNvPr>
-          <p:cNvSpPr/>
-          <p:nvPr/>
-        </p:nvSpPr>
-        <p:spPr>
-          <a:xfrm>
-            <a:off x="426329" y="482611"/>
-            <a:ext cx="5633159" cy="5817140"/>
-          </a:xfrm>
-          <a:prstGeom prst="rect">
-            <a:avLst/>
-          </a:prstGeom>
-          <a:noFill/>
-          <a:ln w="34925">
-            <a:solidFill>
-              <a:srgbClr val="C8A67D"/>
-            </a:solidFill>
-          </a:ln>
-        </p:spPr>
-        <p:style>
-          <a:lnRef idx="2">
-            <a:schemeClr val="accent1">
-              <a:shade val="50000"/>
-            </a:schemeClr>
-          </a:lnRef>
-          <a:fillRef idx="1">
-            <a:schemeClr val="accent1"/>
-          </a:fillRef>
-          <a:effectRef idx="0">
-            <a:schemeClr val="accent1"/>
-          </a:effectRef>
-          <a:fontRef idx="minor">
-            <a:schemeClr val="lt1"/>
-          </a:fontRef>
-        </p:style>
-        <p:txBody>
-          <a:bodyPr rtlCol="0" anchor="ctr"/>
-          <a:lstStyle/>
-          <a:p>
-            <a:pPr algn="ctr"/>
-            <a:endParaRPr lang="zh-CN" altLang="en-US"/>
           </a:p>
         </p:txBody>
       </p:sp>
@@ -5806,10 +5126,60 @@
           <a:chExt cx="0" cy="0"/>
         </a:xfrm>
       </p:grpSpPr>
+      <p:sp>
+        <p:nvSpPr>
+          <p:cNvPr id="2" name="标题 1">
+            <a:extLst>
+              <a:ext uri="{FF2B5EF4-FFF2-40B4-BE49-F238E27FC236}">
+                <a16:creationId xmlns:a16="http://schemas.microsoft.com/office/drawing/2014/main" id="{1A2DB024-780F-49AC-9F17-76222BBC4033}"/>
+              </a:ext>
+            </a:extLst>
+          </p:cNvPr>
+          <p:cNvSpPr>
+            <a:spLocks noGrp="1"/>
+          </p:cNvSpPr>
+          <p:nvPr>
+            <p:ph type="title"/>
+          </p:nvPr>
+        </p:nvSpPr>
+        <p:spPr/>
+        <p:txBody>
+          <a:bodyPr/>
+          <a:lstStyle/>
+          <a:p>
+            <a:endParaRPr lang="zh-CN" altLang="en-US"/>
+          </a:p>
+        </p:txBody>
+      </p:sp>
+      <p:sp>
+        <p:nvSpPr>
+          <p:cNvPr id="3" name="竖排文字占位符 2">
+            <a:extLst>
+              <a:ext uri="{FF2B5EF4-FFF2-40B4-BE49-F238E27FC236}">
+                <a16:creationId xmlns:a16="http://schemas.microsoft.com/office/drawing/2014/main" id="{C31FBB0A-F758-4467-97CA-67182148E182}"/>
+              </a:ext>
+            </a:extLst>
+          </p:cNvPr>
+          <p:cNvSpPr>
+            <a:spLocks noGrp="1"/>
+          </p:cNvSpPr>
+          <p:nvPr>
+            <p:ph type="body" orient="vert" idx="1"/>
+          </p:nvPr>
+        </p:nvSpPr>
+        <p:spPr/>
+        <p:txBody>
+          <a:bodyPr/>
+          <a:lstStyle/>
+          <a:p>
+            <a:endParaRPr lang="zh-CN" altLang="en-US"/>
+          </a:p>
+        </p:txBody>
+      </p:sp>
     </p:spTree>
     <p:extLst>
       <p:ext uri="{BB962C8B-B14F-4D97-AF65-F5344CB8AC3E}">
-        <p14:creationId xmlns:p14="http://schemas.microsoft.com/office/powerpoint/2010/main" val="2700364420"/>
+        <p14:creationId xmlns:p14="http://schemas.microsoft.com/office/powerpoint/2010/main" val="2127629819"/>
       </p:ext>
     </p:extLst>
   </p:cSld>
@@ -6372,4 +5742,299 @@
     </a:ext>
   </a:extLst>
 </a:theme>
+</file>
+
+<file path=ppt/theme/theme2.xml><?xml version="1.0" encoding="utf-8"?>
+<a:theme xmlns:a="http://schemas.openxmlformats.org/drawingml/2006/main" name="Office 主题​​">
+  <a:themeElements>
+    <a:clrScheme name="Office">
+      <a:dk1>
+        <a:sysClr val="windowText" lastClr="000000"/>
+      </a:dk1>
+      <a:lt1>
+        <a:sysClr val="window" lastClr="FFFFFF"/>
+      </a:lt1>
+      <a:dk2>
+        <a:srgbClr val="44546A"/>
+      </a:dk2>
+      <a:lt2>
+        <a:srgbClr val="E7E6E6"/>
+      </a:lt2>
+      <a:accent1>
+        <a:srgbClr val="4472C4"/>
+      </a:accent1>
+      <a:accent2>
+        <a:srgbClr val="ED7D31"/>
+      </a:accent2>
+      <a:accent3>
+        <a:srgbClr val="A5A5A5"/>
+      </a:accent3>
+      <a:accent4>
+        <a:srgbClr val="FFC000"/>
+      </a:accent4>
+      <a:accent5>
+        <a:srgbClr val="5B9BD5"/>
+      </a:accent5>
+      <a:accent6>
+        <a:srgbClr val="70AD47"/>
+      </a:accent6>
+      <a:hlink>
+        <a:srgbClr val="0563C1"/>
+      </a:hlink>
+      <a:folHlink>
+        <a:srgbClr val="954F72"/>
+      </a:folHlink>
+    </a:clrScheme>
+    <a:fontScheme name="Office">
+      <a:majorFont>
+        <a:latin typeface="等线 Light" panose="020F0302020204030204"/>
+        <a:ea typeface=""/>
+        <a:cs typeface=""/>
+        <a:font script="Jpan" typeface="游ゴシック Light"/>
+        <a:font script="Hang" typeface="맑은 고딕"/>
+        <a:font script="Hans" typeface="等线 Light"/>
+        <a:font script="Hant" typeface="新細明體"/>
+        <a:font script="Arab" typeface="Times New Roman"/>
+        <a:font script="Hebr" typeface="Times New Roman"/>
+        <a:font script="Thai" typeface="Angsana New"/>
+        <a:font script="Ethi" typeface="Nyala"/>
+        <a:font script="Beng" typeface="Vrinda"/>
+        <a:font script="Gujr" typeface="Shruti"/>
+        <a:font script="Khmr" typeface="MoolBoran"/>
+        <a:font script="Knda" typeface="Tunga"/>
+        <a:font script="Guru" typeface="Raavi"/>
+        <a:font script="Cans" typeface="Euphemia"/>
+        <a:font script="Cher" typeface="Plantagenet Cherokee"/>
+        <a:font script="Yiii" typeface="Microsoft Yi Baiti"/>
+        <a:font script="Tibt" typeface="Microsoft Himalaya"/>
+        <a:font script="Thaa" typeface="MV Boli"/>
+        <a:font script="Deva" typeface="Mangal"/>
+        <a:font script="Telu" typeface="Gautami"/>
+        <a:font script="Taml" typeface="Latha"/>
+        <a:font script="Syrc" typeface="Estrangelo Edessa"/>
+        <a:font script="Orya" typeface="Kalinga"/>
+        <a:font script="Mlym" typeface="Kartika"/>
+        <a:font script="Laoo" typeface="DokChampa"/>
+        <a:font script="Sinh" typeface="Iskoola Pota"/>
+        <a:font script="Mong" typeface="Mongolian Baiti"/>
+        <a:font script="Viet" typeface="Times New Roman"/>
+        <a:font script="Uigh" typeface="Microsoft Uighur"/>
+        <a:font script="Geor" typeface="Sylfaen"/>
+        <a:font script="Armn" typeface="Arial"/>
+        <a:font script="Bugi" typeface="Leelawadee UI"/>
+        <a:font script="Bopo" typeface="Microsoft JhengHei"/>
+        <a:font script="Java" typeface="Javanese Text"/>
+        <a:font script="Lisu" typeface="Segoe UI"/>
+        <a:font script="Mymr" typeface="Myanmar Text"/>
+        <a:font script="Nkoo" typeface="Ebrima"/>
+        <a:font script="Olck" typeface="Nirmala UI"/>
+        <a:font script="Osma" typeface="Ebrima"/>
+        <a:font script="Phag" typeface="Phagspa"/>
+        <a:font script="Syrn" typeface="Estrangelo Edessa"/>
+        <a:font script="Syrj" typeface="Estrangelo Edessa"/>
+        <a:font script="Syre" typeface="Estrangelo Edessa"/>
+        <a:font script="Sora" typeface="Nirmala UI"/>
+        <a:font script="Tale" typeface="Microsoft Tai Le"/>
+        <a:font script="Talu" typeface="Microsoft New Tai Lue"/>
+        <a:font script="Tfng" typeface="Ebrima"/>
+      </a:majorFont>
+      <a:minorFont>
+        <a:latin typeface="等线" panose="020F0502020204030204"/>
+        <a:ea typeface=""/>
+        <a:cs typeface=""/>
+        <a:font script="Jpan" typeface="游ゴシック"/>
+        <a:font script="Hang" typeface="맑은 고딕"/>
+        <a:font script="Hans" typeface="等线"/>
+        <a:font script="Hant" typeface="新細明體"/>
+        <a:font script="Arab" typeface="Arial"/>
+        <a:font script="Hebr" typeface="Arial"/>
+        <a:font script="Thai" typeface="Cordia New"/>
+        <a:font script="Ethi" typeface="Nyala"/>
+        <a:font script="Beng" typeface="Vrinda"/>
+        <a:font script="Gujr" typeface="Shruti"/>
+        <a:font script="Khmr" typeface="DaunPenh"/>
+        <a:font script="Knda" typeface="Tunga"/>
+        <a:font script="Guru" typeface="Raavi"/>
+        <a:font script="Cans" typeface="Euphemia"/>
+        <a:font script="Cher" typeface="Plantagenet Cherokee"/>
+        <a:font script="Yiii" typeface="Microsoft Yi Baiti"/>
+        <a:font script="Tibt" typeface="Microsoft Himalaya"/>
+        <a:font script="Thaa" typeface="MV Boli"/>
+        <a:font script="Deva" typeface="Mangal"/>
+        <a:font script="Telu" typeface="Gautami"/>
+        <a:font script="Taml" typeface="Latha"/>
+        <a:font script="Syrc" typeface="Estrangelo Edessa"/>
+        <a:font script="Orya" typeface="Kalinga"/>
+        <a:font script="Mlym" typeface="Kartika"/>
+        <a:font script="Laoo" typeface="DokChampa"/>
+        <a:font script="Sinh" typeface="Iskoola Pota"/>
+        <a:font script="Mong" typeface="Mongolian Baiti"/>
+        <a:font script="Viet" typeface="Arial"/>
+        <a:font script="Uigh" typeface="Microsoft Uighur"/>
+        <a:font script="Geor" typeface="Sylfaen"/>
+        <a:font script="Armn" typeface="Arial"/>
+        <a:font script="Bugi" typeface="Leelawadee UI"/>
+        <a:font script="Bopo" typeface="Microsoft JhengHei"/>
+        <a:font script="Java" typeface="Javanese Text"/>
+        <a:font script="Lisu" typeface="Segoe UI"/>
+        <a:font script="Mymr" typeface="Myanmar Text"/>
+        <a:font script="Nkoo" typeface="Ebrima"/>
+        <a:font script="Olck" typeface="Nirmala UI"/>
+        <a:font script="Osma" typeface="Ebrima"/>
+        <a:font script="Phag" typeface="Phagspa"/>
+        <a:font script="Syrn" typeface="Estrangelo Edessa"/>
+        <a:font script="Syrj" typeface="Estrangelo Edessa"/>
+        <a:font script="Syre" typeface="Estrangelo Edessa"/>
+        <a:font script="Sora" typeface="Nirmala UI"/>
+        <a:font script="Tale" typeface="Microsoft Tai Le"/>
+        <a:font script="Talu" typeface="Microsoft New Tai Lue"/>
+        <a:font script="Tfng" typeface="Ebrima"/>
+      </a:minorFont>
+    </a:fontScheme>
+    <a:fmtScheme name="Office">
+      <a:fillStyleLst>
+        <a:solidFill>
+          <a:schemeClr val="phClr"/>
+        </a:solidFill>
+        <a:gradFill rotWithShape="1">
+          <a:gsLst>
+            <a:gs pos="0">
+              <a:schemeClr val="phClr">
+                <a:lumMod val="110000"/>
+                <a:satMod val="105000"/>
+                <a:tint val="67000"/>
+              </a:schemeClr>
+            </a:gs>
+            <a:gs pos="50000">
+              <a:schemeClr val="phClr">
+                <a:lumMod val="105000"/>
+                <a:satMod val="103000"/>
+                <a:tint val="73000"/>
+              </a:schemeClr>
+            </a:gs>
+            <a:gs pos="100000">
+              <a:schemeClr val="phClr">
+                <a:lumMod val="105000"/>
+                <a:satMod val="109000"/>
+                <a:tint val="81000"/>
+              </a:schemeClr>
+            </a:gs>
+          </a:gsLst>
+          <a:lin ang="5400000" scaled="0"/>
+        </a:gradFill>
+        <a:gradFill rotWithShape="1">
+          <a:gsLst>
+            <a:gs pos="0">
+              <a:schemeClr val="phClr">
+                <a:satMod val="103000"/>
+                <a:lumMod val="102000"/>
+                <a:tint val="94000"/>
+              </a:schemeClr>
+            </a:gs>
+            <a:gs pos="50000">
+              <a:schemeClr val="phClr">
+                <a:satMod val="110000"/>
+                <a:lumMod val="100000"/>
+                <a:shade val="100000"/>
+              </a:schemeClr>
+            </a:gs>
+            <a:gs pos="100000">
+              <a:schemeClr val="phClr">
+                <a:lumMod val="99000"/>
+                <a:satMod val="120000"/>
+                <a:shade val="78000"/>
+              </a:schemeClr>
+            </a:gs>
+          </a:gsLst>
+          <a:lin ang="5400000" scaled="0"/>
+        </a:gradFill>
+      </a:fillStyleLst>
+      <a:lnStyleLst>
+        <a:ln w="6350" cap="flat" cmpd="sng" algn="ctr">
+          <a:solidFill>
+            <a:schemeClr val="phClr"/>
+          </a:solidFill>
+          <a:prstDash val="solid"/>
+          <a:miter lim="800000"/>
+        </a:ln>
+        <a:ln w="12700" cap="flat" cmpd="sng" algn="ctr">
+          <a:solidFill>
+            <a:schemeClr val="phClr"/>
+          </a:solidFill>
+          <a:prstDash val="solid"/>
+          <a:miter lim="800000"/>
+        </a:ln>
+        <a:ln w="19050" cap="flat" cmpd="sng" algn="ctr">
+          <a:solidFill>
+            <a:schemeClr val="phClr"/>
+          </a:solidFill>
+          <a:prstDash val="solid"/>
+          <a:miter lim="800000"/>
+        </a:ln>
+      </a:lnStyleLst>
+      <a:effectStyleLst>
+        <a:effectStyle>
+          <a:effectLst/>
+        </a:effectStyle>
+        <a:effectStyle>
+          <a:effectLst/>
+        </a:effectStyle>
+        <a:effectStyle>
+          <a:effectLst>
+            <a:outerShdw blurRad="57150" dist="19050" dir="5400000" algn="ctr" rotWithShape="0">
+              <a:srgbClr val="000000">
+                <a:alpha val="63000"/>
+              </a:srgbClr>
+            </a:outerShdw>
+          </a:effectLst>
+        </a:effectStyle>
+      </a:effectStyleLst>
+      <a:bgFillStyleLst>
+        <a:solidFill>
+          <a:schemeClr val="phClr"/>
+        </a:solidFill>
+        <a:solidFill>
+          <a:schemeClr val="phClr">
+            <a:tint val="95000"/>
+            <a:satMod val="170000"/>
+          </a:schemeClr>
+        </a:solidFill>
+        <a:gradFill rotWithShape="1">
+          <a:gsLst>
+            <a:gs pos="0">
+              <a:schemeClr val="phClr">
+                <a:tint val="93000"/>
+                <a:satMod val="150000"/>
+                <a:shade val="98000"/>
+                <a:lumMod val="102000"/>
+              </a:schemeClr>
+            </a:gs>
+            <a:gs pos="50000">
+              <a:schemeClr val="phClr">
+                <a:tint val="98000"/>
+                <a:satMod val="130000"/>
+                <a:shade val="90000"/>
+                <a:lumMod val="103000"/>
+              </a:schemeClr>
+            </a:gs>
+            <a:gs pos="100000">
+              <a:schemeClr val="phClr">
+                <a:shade val="63000"/>
+                <a:satMod val="120000"/>
+              </a:schemeClr>
+            </a:gs>
+          </a:gsLst>
+          <a:lin ang="5400000" scaled="0"/>
+        </a:gradFill>
+      </a:bgFillStyleLst>
+    </a:fmtScheme>
+  </a:themeElements>
+  <a:objectDefaults/>
+  <a:extraClrSchemeLst/>
+  <a:extLst>
+    <a:ext uri="{05A4C25C-085E-4340-85A3-A5531E510DB2}">
+      <thm15:themeFamily xmlns:thm15="http://schemas.microsoft.com/office/thememl/2012/main" name="Office Theme" id="{62F939B6-93AF-4DB8-9C6B-D6C7DFDC589F}" vid="{4A3C46E8-61CC-4603-A589-7422A47A8E4A}"/>
+    </a:ext>
+  </a:extLst>
+</a:theme>
 </file>
--- a/src/main/resources/static/pptTemplate/template.pptx
+++ b/src/main/resources/static/pptTemplate/template.pptx
@@ -209,11 +209,6 @@
               </a:ln>
               <a:effectLst/>
             </c:spPr>
-            <c:extLst>
-              <c:ext xmlns:c16="http://schemas.microsoft.com/office/drawing/2014/chart" uri="{C3380CC4-5D6E-409C-BE32-E72D297353CC}">
-                <c16:uniqueId val="{00000001-7ECA-4FFA-B792-28AB6625B4AC}"/>
-              </c:ext>
-            </c:extLst>
           </c:dPt>
           <c:dPt>
             <c:idx val="1"/>
@@ -229,11 +224,6 @@
               </a:ln>
               <a:effectLst/>
             </c:spPr>
-            <c:extLst>
-              <c:ext xmlns:c16="http://schemas.microsoft.com/office/drawing/2014/chart" uri="{C3380CC4-5D6E-409C-BE32-E72D297353CC}">
-                <c16:uniqueId val="{00000003-2F9F-4CDC-9A27-B25B2E1B7A9B}"/>
-              </c:ext>
-            </c:extLst>
           </c:dPt>
           <c:dPt>
             <c:idx val="2"/>
@@ -249,11 +239,6 @@
               </a:ln>
               <a:effectLst/>
             </c:spPr>
-            <c:extLst>
-              <c:ext xmlns:c16="http://schemas.microsoft.com/office/drawing/2014/chart" uri="{C3380CC4-5D6E-409C-BE32-E72D297353CC}">
-                <c16:uniqueId val="{00000005-2F9F-4CDC-9A27-B25B2E1B7A9B}"/>
-              </c:ext>
-            </c:extLst>
           </c:dPt>
           <c:dPt>
             <c:idx val="3"/>
@@ -269,11 +254,6 @@
               </a:ln>
               <a:effectLst/>
             </c:spPr>
-            <c:extLst>
-              <c:ext xmlns:c16="http://schemas.microsoft.com/office/drawing/2014/chart" uri="{C3380CC4-5D6E-409C-BE32-E72D297353CC}">
-                <c16:uniqueId val="{00000007-2F9F-4CDC-9A27-B25B2E1B7A9B}"/>
-              </c:ext>
-            </c:extLst>
           </c:dPt>
           <c:cat>
             <c:strRef>
@@ -318,7 +298,7 @@
           </c:val>
           <c:extLst>
             <c:ext xmlns:c16="http://schemas.microsoft.com/office/drawing/2014/chart" uri="{C3380CC4-5D6E-409C-BE32-E72D297353CC}">
-              <c16:uniqueId val="{00000000-7ECA-4FFA-B792-28AB6625B4AC}"/>
+              <c16:uniqueId val="{00000000-3C35-459C-A570-6727BCE6811A}"/>
             </c:ext>
           </c:extLst>
         </c:ser>
@@ -1047,7 +1027,7 @@
           <a:p>
             <a:fld id="{8F170704-9BAD-468F-94AA-350D517A4C77}" type="datetimeFigureOut">
               <a:rPr lang="zh-CN" altLang="en-US" smtClean="0"/>
-              <a:t>2020/5/4</a:t>
+              <a:t>2020/5/5</a:t>
             </a:fld>
             <a:endParaRPr lang="zh-CN" altLang="en-US"/>
           </a:p>
@@ -1462,7 +1442,7 @@
             <a:fld id="{9A1D0840-A6A0-4E26-B472-36C0F02A84DF}" type="datetimeFigureOut">
               <a:rPr lang="zh-CN" altLang="en-US" smtClean="0"/>
               <a:pPr/>
-              <a:t>2020/5/4</a:t>
+              <a:t>2020/5/5</a:t>
             </a:fld>
             <a:endParaRPr lang="zh-CN" altLang="en-US"/>
           </a:p>
@@ -1662,7 +1642,7 @@
             <a:fld id="{9A1D0840-A6A0-4E26-B472-36C0F02A84DF}" type="datetimeFigureOut">
               <a:rPr lang="zh-CN" altLang="en-US" smtClean="0"/>
               <a:pPr/>
-              <a:t>2020/5/4</a:t>
+              <a:t>2020/5/5</a:t>
             </a:fld>
             <a:endParaRPr lang="zh-CN" altLang="en-US"/>
           </a:p>
@@ -1872,7 +1852,7 @@
             <a:fld id="{9A1D0840-A6A0-4E26-B472-36C0F02A84DF}" type="datetimeFigureOut">
               <a:rPr lang="zh-CN" altLang="en-US" smtClean="0"/>
               <a:pPr/>
-              <a:t>2020/5/4</a:t>
+              <a:t>2020/5/5</a:t>
             </a:fld>
             <a:endParaRPr lang="zh-CN" altLang="en-US"/>
           </a:p>
@@ -2072,7 +2052,7 @@
             <a:fld id="{9A1D0840-A6A0-4E26-B472-36C0F02A84DF}" type="datetimeFigureOut">
               <a:rPr lang="zh-CN" altLang="en-US" smtClean="0"/>
               <a:pPr/>
-              <a:t>2020/5/4</a:t>
+              <a:t>2020/5/5</a:t>
             </a:fld>
             <a:endParaRPr lang="zh-CN" altLang="en-US"/>
           </a:p>
@@ -2349,7 +2329,7 @@
             <a:fld id="{9A1D0840-A6A0-4E26-B472-36C0F02A84DF}" type="datetimeFigureOut">
               <a:rPr lang="zh-CN" altLang="en-US" smtClean="0"/>
               <a:pPr/>
-              <a:t>2020/5/4</a:t>
+              <a:t>2020/5/5</a:t>
             </a:fld>
             <a:endParaRPr lang="zh-CN" altLang="en-US"/>
           </a:p>
@@ -2616,7 +2596,7 @@
             <a:fld id="{9A1D0840-A6A0-4E26-B472-36C0F02A84DF}" type="datetimeFigureOut">
               <a:rPr lang="zh-CN" altLang="en-US" smtClean="0"/>
               <a:pPr/>
-              <a:t>2020/5/4</a:t>
+              <a:t>2020/5/5</a:t>
             </a:fld>
             <a:endParaRPr lang="zh-CN" altLang="en-US"/>
           </a:p>
@@ -3030,7 +3010,7 @@
             <a:fld id="{9A1D0840-A6A0-4E26-B472-36C0F02A84DF}" type="datetimeFigureOut">
               <a:rPr lang="zh-CN" altLang="en-US" smtClean="0"/>
               <a:pPr/>
-              <a:t>2020/5/4</a:t>
+              <a:t>2020/5/5</a:t>
             </a:fld>
             <a:endParaRPr lang="zh-CN" altLang="en-US"/>
           </a:p>
@@ -3173,7 +3153,7 @@
             <a:fld id="{9A1D0840-A6A0-4E26-B472-36C0F02A84DF}" type="datetimeFigureOut">
               <a:rPr lang="zh-CN" altLang="en-US" smtClean="0"/>
               <a:pPr/>
-              <a:t>2020/5/4</a:t>
+              <a:t>2020/5/5</a:t>
             </a:fld>
             <a:endParaRPr lang="zh-CN" altLang="en-US"/>
           </a:p>
@@ -3288,7 +3268,7 @@
             <a:fld id="{9A1D0840-A6A0-4E26-B472-36C0F02A84DF}" type="datetimeFigureOut">
               <a:rPr lang="zh-CN" altLang="en-US" smtClean="0"/>
               <a:pPr/>
-              <a:t>2020/5/4</a:t>
+              <a:t>2020/5/5</a:t>
             </a:fld>
             <a:endParaRPr lang="zh-CN" altLang="en-US"/>
           </a:p>
@@ -3601,7 +3581,7 @@
             <a:fld id="{9A1D0840-A6A0-4E26-B472-36C0F02A84DF}" type="datetimeFigureOut">
               <a:rPr lang="zh-CN" altLang="en-US" smtClean="0"/>
               <a:pPr/>
-              <a:t>2020/5/4</a:t>
+              <a:t>2020/5/5</a:t>
             </a:fld>
             <a:endParaRPr lang="zh-CN" altLang="en-US"/>
           </a:p>
@@ -3891,7 +3871,7 @@
             <a:fld id="{9A1D0840-A6A0-4E26-B472-36C0F02A84DF}" type="datetimeFigureOut">
               <a:rPr lang="zh-CN" altLang="en-US" smtClean="0"/>
               <a:pPr/>
-              <a:t>2020/5/4</a:t>
+              <a:t>2020/5/5</a:t>
             </a:fld>
             <a:endParaRPr lang="zh-CN" altLang="en-US"/>
           </a:p>
@@ -4143,7 +4123,7 @@
             <a:fld id="{9A1D0840-A6A0-4E26-B472-36C0F02A84DF}" type="datetimeFigureOut">
               <a:rPr lang="zh-CN" altLang="en-US" smtClean="0"/>
               <a:pPr/>
-              <a:t>2020/5/4</a:t>
+              <a:t>2020/5/5</a:t>
             </a:fld>
             <a:endParaRPr lang="zh-CN" altLang="en-US"/>
           </a:p>
@@ -4561,6 +4541,42 @@
           <a:chExt cx="0" cy="0"/>
         </a:xfrm>
       </p:grpSpPr>
+      <p:pic>
+        <p:nvPicPr>
+          <p:cNvPr id="3" name="图片 2">
+            <a:extLst>
+              <a:ext uri="{FF2B5EF4-FFF2-40B4-BE49-F238E27FC236}">
+                <a16:creationId xmlns:a16="http://schemas.microsoft.com/office/drawing/2014/main" id="{50C547F0-61DD-4F06-B504-5D612A934DFE}"/>
+              </a:ext>
+            </a:extLst>
+          </p:cNvPr>
+          <p:cNvPicPr>
+            <a:picLocks noChangeAspect="1"/>
+          </p:cNvPicPr>
+          <p:nvPr/>
+        </p:nvPicPr>
+        <p:blipFill>
+          <a:blip r:embed="rId2">
+            <a:extLst>
+              <a:ext uri="{28A0092B-C50C-407E-A947-70E740481C1C}">
+                <a14:useLocalDpi xmlns:a14="http://schemas.microsoft.com/office/drawing/2010/main" val="0"/>
+              </a:ext>
+            </a:extLst>
+          </a:blip>
+          <a:stretch>
+            <a:fillRect/>
+          </a:stretch>
+        </p:blipFill>
+        <p:spPr>
+          <a:xfrm>
+            <a:off x="0" y="0"/>
+            <a:ext cx="12192000" cy="6858000"/>
+          </a:xfrm>
+          <a:prstGeom prst="rect">
+            <a:avLst/>
+          </a:prstGeom>
+        </p:spPr>
+      </p:pic>
       <p:sp>
         <p:nvSpPr>
           <p:cNvPr id="5" name="文本框 20">
@@ -4782,6 +4798,42 @@
           <a:chExt cx="0" cy="0"/>
         </a:xfrm>
       </p:grpSpPr>
+      <p:pic>
+        <p:nvPicPr>
+          <p:cNvPr id="4" name="图片 3">
+            <a:extLst>
+              <a:ext uri="{FF2B5EF4-FFF2-40B4-BE49-F238E27FC236}">
+                <a16:creationId xmlns:a16="http://schemas.microsoft.com/office/drawing/2014/main" id="{56D4C71B-74F1-4AE1-B260-E3D08CCEC996}"/>
+              </a:ext>
+            </a:extLst>
+          </p:cNvPr>
+          <p:cNvPicPr>
+            <a:picLocks noChangeAspect="1"/>
+          </p:cNvPicPr>
+          <p:nvPr/>
+        </p:nvPicPr>
+        <p:blipFill>
+          <a:blip r:embed="rId2">
+            <a:extLst>
+              <a:ext uri="{28A0092B-C50C-407E-A947-70E740481C1C}">
+                <a14:useLocalDpi xmlns:a14="http://schemas.microsoft.com/office/drawing/2010/main" val="0"/>
+              </a:ext>
+            </a:extLst>
+          </a:blip>
+          <a:stretch>
+            <a:fillRect/>
+          </a:stretch>
+        </p:blipFill>
+        <p:spPr>
+          <a:xfrm>
+            <a:off x="0" y="0"/>
+            <a:ext cx="12192000" cy="6858000"/>
+          </a:xfrm>
+          <a:prstGeom prst="rect">
+            <a:avLst/>
+          </a:prstGeom>
+        </p:spPr>
+      </p:pic>
       <p:sp>
         <p:nvSpPr>
           <p:cNvPr id="14" name="文本框 13">
@@ -5211,7 +5263,7 @@
           <p:cNvPr id="4" name="图表 3">
             <a:extLst>
               <a:ext uri="{FF2B5EF4-FFF2-40B4-BE49-F238E27FC236}">
-                <a16:creationId xmlns:a16="http://schemas.microsoft.com/office/drawing/2014/main" id="{CD70C648-96F9-4F41-831B-717D05C11C77}"/>
+                <a16:creationId xmlns:a16="http://schemas.microsoft.com/office/drawing/2014/main" id="{8D470BB9-97CF-46FB-80B1-AA608566899F}"/>
               </a:ext>
             </a:extLst>
           </p:cNvPr>
@@ -5219,13 +5271,13 @@
           <p:nvPr>
             <p:extLst>
               <p:ext uri="{D42A27DB-BD31-4B8C-83A1-F6EECF244321}">
-                <p14:modId xmlns:p14="http://schemas.microsoft.com/office/powerpoint/2010/main" val="3938758210"/>
+                <p14:modId xmlns:p14="http://schemas.microsoft.com/office/powerpoint/2010/main" val="1767340650"/>
               </p:ext>
             </p:extLst>
           </p:nvPr>
         </p:nvGraphicFramePr>
         <p:xfrm>
-          <a:off x="-1500909" y="262466"/>
+          <a:off x="2032000" y="719666"/>
           <a:ext cx="8128000" cy="5418667"/>
         </p:xfrm>
         <a:graphic>
